--- a/はじめてのディープラーニング.pptx
+++ b/はじめてのディープラーニング.pptx
@@ -10,14 +10,24 @@
     <p:sldId id="258" r:id="rId4"/>
     <p:sldId id="259" r:id="rId5"/>
     <p:sldId id="260" r:id="rId6"/>
-    <p:sldId id="261" r:id="rId7"/>
-    <p:sldId id="262" r:id="rId8"/>
-    <p:sldId id="263" r:id="rId9"/>
-    <p:sldId id="264" r:id="rId10"/>
-    <p:sldId id="265" r:id="rId11"/>
-    <p:sldId id="266" r:id="rId12"/>
-    <p:sldId id="267" r:id="rId13"/>
-    <p:sldId id="268" r:id="rId14"/>
+    <p:sldId id="269" r:id="rId7"/>
+    <p:sldId id="261" r:id="rId8"/>
+    <p:sldId id="262" r:id="rId9"/>
+    <p:sldId id="263" r:id="rId10"/>
+    <p:sldId id="264" r:id="rId11"/>
+    <p:sldId id="265" r:id="rId12"/>
+    <p:sldId id="266" r:id="rId13"/>
+    <p:sldId id="267" r:id="rId14"/>
+    <p:sldId id="268" r:id="rId15"/>
+    <p:sldId id="274" r:id="rId16"/>
+    <p:sldId id="270" r:id="rId17"/>
+    <p:sldId id="271" r:id="rId18"/>
+    <p:sldId id="272" r:id="rId19"/>
+    <p:sldId id="273" r:id="rId20"/>
+    <p:sldId id="275" r:id="rId21"/>
+    <p:sldId id="276" r:id="rId22"/>
+    <p:sldId id="277" r:id="rId23"/>
+    <p:sldId id="278" r:id="rId24"/>
   </p:sldIdLst>
   <p:sldSz cx="12192000" cy="6858000"/>
   <p:notesSz cx="6858000" cy="9144000"/>
@@ -253,7 +263,7 @@
           <a:p>
             <a:fld id="{8A1F93A2-E7CC-470C-ADB5-437A7907BEA4}" type="datetimeFigureOut">
               <a:rPr kumimoji="1" lang="ja-JP" altLang="en-US" smtClean="0"/>
-              <a:t>2019/6/20</a:t>
+              <a:t>2019/7/4</a:t>
             </a:fld>
             <a:endParaRPr kumimoji="1" lang="ja-JP" altLang="en-US" dirty="0"/>
           </a:p>
@@ -453,7 +463,7 @@
           <a:p>
             <a:fld id="{8A1F93A2-E7CC-470C-ADB5-437A7907BEA4}" type="datetimeFigureOut">
               <a:rPr kumimoji="1" lang="ja-JP" altLang="en-US" smtClean="0"/>
-              <a:t>2019/6/20</a:t>
+              <a:t>2019/7/4</a:t>
             </a:fld>
             <a:endParaRPr kumimoji="1" lang="ja-JP" altLang="en-US" dirty="0"/>
           </a:p>
@@ -663,7 +673,7 @@
           <a:p>
             <a:fld id="{8A1F93A2-E7CC-470C-ADB5-437A7907BEA4}" type="datetimeFigureOut">
               <a:rPr kumimoji="1" lang="ja-JP" altLang="en-US" smtClean="0"/>
-              <a:t>2019/6/20</a:t>
+              <a:t>2019/7/4</a:t>
             </a:fld>
             <a:endParaRPr kumimoji="1" lang="ja-JP" altLang="en-US" dirty="0"/>
           </a:p>
@@ -873,7 +883,7 @@
           <a:p>
             <a:fld id="{8A1F93A2-E7CC-470C-ADB5-437A7907BEA4}" type="datetimeFigureOut">
               <a:rPr kumimoji="1" lang="ja-JP" altLang="en-US" smtClean="0"/>
-              <a:t>2019/6/20</a:t>
+              <a:t>2019/7/4</a:t>
             </a:fld>
             <a:endParaRPr kumimoji="1" lang="ja-JP" altLang="en-US" dirty="0"/>
           </a:p>
@@ -1118,7 +1128,7 @@
           <a:p>
             <a:fld id="{8A1F93A2-E7CC-470C-ADB5-437A7907BEA4}" type="datetimeFigureOut">
               <a:rPr kumimoji="1" lang="ja-JP" altLang="en-US" smtClean="0"/>
-              <a:t>2019/6/20</a:t>
+              <a:t>2019/7/4</a:t>
             </a:fld>
             <a:endParaRPr kumimoji="1" lang="ja-JP" altLang="en-US" dirty="0"/>
           </a:p>
@@ -1411,7 +1421,7 @@
           <a:p>
             <a:fld id="{8A1F93A2-E7CC-470C-ADB5-437A7907BEA4}" type="datetimeFigureOut">
               <a:rPr kumimoji="1" lang="ja-JP" altLang="en-US" smtClean="0"/>
-              <a:t>2019/6/20</a:t>
+              <a:t>2019/7/4</a:t>
             </a:fld>
             <a:endParaRPr kumimoji="1" lang="ja-JP" altLang="en-US" dirty="0"/>
           </a:p>
@@ -1839,7 +1849,7 @@
           <a:p>
             <a:fld id="{8A1F93A2-E7CC-470C-ADB5-437A7907BEA4}" type="datetimeFigureOut">
               <a:rPr kumimoji="1" lang="ja-JP" altLang="en-US" smtClean="0"/>
-              <a:t>2019/6/20</a:t>
+              <a:t>2019/7/4</a:t>
             </a:fld>
             <a:endParaRPr kumimoji="1" lang="ja-JP" altLang="en-US" dirty="0"/>
           </a:p>
@@ -1956,7 +1966,7 @@
           <a:p>
             <a:fld id="{8A1F93A2-E7CC-470C-ADB5-437A7907BEA4}" type="datetimeFigureOut">
               <a:rPr kumimoji="1" lang="ja-JP" altLang="en-US" smtClean="0"/>
-              <a:t>2019/6/20</a:t>
+              <a:t>2019/7/4</a:t>
             </a:fld>
             <a:endParaRPr kumimoji="1" lang="ja-JP" altLang="en-US" dirty="0"/>
           </a:p>
@@ -2051,7 +2061,7 @@
           <a:p>
             <a:fld id="{8A1F93A2-E7CC-470C-ADB5-437A7907BEA4}" type="datetimeFigureOut">
               <a:rPr kumimoji="1" lang="ja-JP" altLang="en-US" smtClean="0"/>
-              <a:t>2019/6/20</a:t>
+              <a:t>2019/7/4</a:t>
             </a:fld>
             <a:endParaRPr kumimoji="1" lang="ja-JP" altLang="en-US" dirty="0"/>
           </a:p>
@@ -2358,7 +2368,7 @@
           <a:p>
             <a:fld id="{8A1F93A2-E7CC-470C-ADB5-437A7907BEA4}" type="datetimeFigureOut">
               <a:rPr kumimoji="1" lang="ja-JP" altLang="en-US" smtClean="0"/>
-              <a:t>2019/6/20</a:t>
+              <a:t>2019/7/4</a:t>
             </a:fld>
             <a:endParaRPr kumimoji="1" lang="ja-JP" altLang="en-US" dirty="0"/>
           </a:p>
@@ -2610,7 +2620,7 @@
           <a:p>
             <a:fld id="{8A1F93A2-E7CC-470C-ADB5-437A7907BEA4}" type="datetimeFigureOut">
               <a:rPr kumimoji="1" lang="ja-JP" altLang="en-US" smtClean="0"/>
-              <a:t>2019/6/20</a:t>
+              <a:t>2019/7/4</a:t>
             </a:fld>
             <a:endParaRPr kumimoji="1" lang="ja-JP" altLang="en-US" dirty="0"/>
           </a:p>
@@ -2853,7 +2863,7 @@
           <a:p>
             <a:fld id="{8A1F93A2-E7CC-470C-ADB5-437A7907BEA4}" type="datetimeFigureOut">
               <a:rPr kumimoji="1" lang="ja-JP" altLang="en-US" smtClean="0"/>
-              <a:t>2019/6/20</a:t>
+              <a:t>2019/7/4</a:t>
             </a:fld>
             <a:endParaRPr kumimoji="1" lang="ja-JP" altLang="en-US" dirty="0"/>
           </a:p>
@@ -3336,6 +3346,441 @@
           <a:chExt cx="0" cy="0"/>
         </a:xfrm>
       </p:grpSpPr>
+      <p:sp>
+        <p:nvSpPr>
+          <p:cNvPr id="2" name="タイトル 1">
+            <a:extLst>
+              <a:ext uri="{FF2B5EF4-FFF2-40B4-BE49-F238E27FC236}">
+                <a16:creationId xmlns:a16="http://schemas.microsoft.com/office/drawing/2014/main" id="{05A31F83-3A68-49AE-BABB-31045E3D0600}"/>
+              </a:ext>
+            </a:extLst>
+          </p:cNvPr>
+          <p:cNvSpPr>
+            <a:spLocks noGrp="1"/>
+          </p:cNvSpPr>
+          <p:nvPr>
+            <p:ph type="title"/>
+          </p:nvPr>
+        </p:nvSpPr>
+        <p:spPr/>
+        <p:txBody>
+          <a:bodyPr/>
+          <a:lstStyle/>
+          <a:p>
+            <a:r>
+              <a:rPr kumimoji="1" lang="ja-JP" altLang="en-US" dirty="0"/>
+              <a:t>行列の積　その二</a:t>
+            </a:r>
+          </a:p>
+        </p:txBody>
+      </p:sp>
+      <p:sp>
+        <p:nvSpPr>
+          <p:cNvPr id="3" name="コンテンツ プレースホルダー 2">
+            <a:extLst>
+              <a:ext uri="{FF2B5EF4-FFF2-40B4-BE49-F238E27FC236}">
+                <a16:creationId xmlns:a16="http://schemas.microsoft.com/office/drawing/2014/main" id="{F44F95C7-5661-435D-A1CF-485BCDFCDDA4}"/>
+              </a:ext>
+            </a:extLst>
+          </p:cNvPr>
+          <p:cNvSpPr>
+            <a:spLocks noGrp="1"/>
+          </p:cNvSpPr>
+          <p:nvPr>
+            <p:ph idx="1"/>
+          </p:nvPr>
+        </p:nvSpPr>
+        <p:spPr/>
+        <p:txBody>
+          <a:bodyPr/>
+          <a:lstStyle/>
+          <a:p>
+            <a:r>
+              <a:rPr kumimoji="1" lang="ja-JP" altLang="en-US" dirty="0"/>
+              <a:t>行列*行列（ドット積）</a:t>
+            </a:r>
+            <a:endParaRPr kumimoji="1" lang="en-US" altLang="ja-JP" dirty="0"/>
+          </a:p>
+          <a:p>
+            <a:pPr lvl="1"/>
+            <a:r>
+              <a:rPr lang="en-US" altLang="ja-JP" dirty="0"/>
+              <a:t>84</a:t>
+            </a:r>
+            <a:r>
+              <a:rPr lang="ja-JP" altLang="en-US" dirty="0"/>
+              <a:t>ページ一番上の例の</a:t>
+            </a:r>
+            <a:r>
+              <a:rPr lang="en-US" altLang="ja-JP" dirty="0"/>
+              <a:t>3</a:t>
+            </a:r>
+            <a:r>
+              <a:rPr lang="ja-JP" altLang="en-US" dirty="0"/>
+              <a:t>行目を日本語で表現すると</a:t>
+            </a:r>
+            <a:r>
+              <a:rPr lang="en-US" altLang="ja-JP" dirty="0"/>
+              <a:t>…</a:t>
+            </a:r>
+          </a:p>
+          <a:p>
+            <a:pPr marL="914400" lvl="2" indent="0">
+              <a:buNone/>
+            </a:pPr>
+            <a:r>
+              <a:rPr lang="ja-JP" altLang="en-US" dirty="0"/>
+              <a:t>（</a:t>
+            </a:r>
+            <a:r>
+              <a:rPr lang="en-US" altLang="ja-JP" dirty="0"/>
+              <a:t>A</a:t>
+            </a:r>
+            <a:r>
+              <a:rPr lang="ja-JP" altLang="en-US" dirty="0"/>
+              <a:t>の</a:t>
+            </a:r>
+            <a:r>
+              <a:rPr lang="en-US" altLang="ja-JP" dirty="0"/>
+              <a:t>1</a:t>
+            </a:r>
+            <a:r>
+              <a:rPr lang="ja-JP" altLang="en-US" dirty="0"/>
+              <a:t>行*</a:t>
+            </a:r>
+            <a:r>
+              <a:rPr lang="en-US" altLang="ja-JP" dirty="0"/>
+              <a:t>B</a:t>
+            </a:r>
+            <a:r>
+              <a:rPr lang="ja-JP" altLang="en-US" dirty="0"/>
+              <a:t>の</a:t>
+            </a:r>
+            <a:r>
+              <a:rPr lang="en-US" altLang="ja-JP" dirty="0"/>
+              <a:t>1</a:t>
+            </a:r>
+            <a:r>
+              <a:rPr lang="ja-JP" altLang="en-US" dirty="0"/>
+              <a:t>列の総和）（</a:t>
+            </a:r>
+            <a:r>
+              <a:rPr lang="en-US" altLang="ja-JP" dirty="0"/>
+              <a:t>A</a:t>
+            </a:r>
+            <a:r>
+              <a:rPr lang="ja-JP" altLang="en-US" dirty="0"/>
+              <a:t>の</a:t>
+            </a:r>
+            <a:r>
+              <a:rPr lang="en-US" altLang="ja-JP" dirty="0"/>
+              <a:t>1</a:t>
+            </a:r>
+            <a:r>
+              <a:rPr lang="ja-JP" altLang="en-US" dirty="0"/>
+              <a:t>行*</a:t>
+            </a:r>
+            <a:r>
+              <a:rPr lang="en-US" altLang="ja-JP" dirty="0"/>
+              <a:t>B</a:t>
+            </a:r>
+            <a:r>
+              <a:rPr lang="ja-JP" altLang="en-US" dirty="0"/>
+              <a:t>の</a:t>
+            </a:r>
+            <a:r>
+              <a:rPr lang="en-US" altLang="ja-JP" dirty="0"/>
+              <a:t>2</a:t>
+            </a:r>
+            <a:r>
+              <a:rPr lang="ja-JP" altLang="en-US" dirty="0"/>
+              <a:t>列の総和）</a:t>
+            </a:r>
+            <a:endParaRPr lang="en-US" altLang="ja-JP" dirty="0"/>
+          </a:p>
+          <a:p>
+            <a:pPr marL="914400" lvl="2" indent="0">
+              <a:buNone/>
+            </a:pPr>
+            <a:r>
+              <a:rPr lang="ja-JP" altLang="en-US" dirty="0"/>
+              <a:t>（</a:t>
+            </a:r>
+            <a:r>
+              <a:rPr lang="en-US" altLang="ja-JP" dirty="0"/>
+              <a:t>A</a:t>
+            </a:r>
+            <a:r>
+              <a:rPr lang="ja-JP" altLang="en-US" dirty="0"/>
+              <a:t>の</a:t>
+            </a:r>
+            <a:r>
+              <a:rPr lang="en-US" altLang="ja-JP" dirty="0"/>
+              <a:t>2</a:t>
+            </a:r>
+            <a:r>
+              <a:rPr lang="ja-JP" altLang="en-US" dirty="0"/>
+              <a:t>行*</a:t>
+            </a:r>
+            <a:r>
+              <a:rPr lang="en-US" altLang="ja-JP" dirty="0"/>
+              <a:t>B</a:t>
+            </a:r>
+            <a:r>
+              <a:rPr lang="ja-JP" altLang="en-US" dirty="0"/>
+              <a:t>の</a:t>
+            </a:r>
+            <a:r>
+              <a:rPr lang="en-US" altLang="ja-JP" dirty="0"/>
+              <a:t>1</a:t>
+            </a:r>
+            <a:r>
+              <a:rPr lang="ja-JP" altLang="en-US" dirty="0"/>
+              <a:t>列の総和）（</a:t>
+            </a:r>
+            <a:r>
+              <a:rPr lang="en-US" altLang="ja-JP" dirty="0"/>
+              <a:t>A</a:t>
+            </a:r>
+            <a:r>
+              <a:rPr lang="ja-JP" altLang="en-US" dirty="0"/>
+              <a:t>の</a:t>
+            </a:r>
+            <a:r>
+              <a:rPr lang="en-US" altLang="ja-JP" dirty="0"/>
+              <a:t>2</a:t>
+            </a:r>
+            <a:r>
+              <a:rPr lang="ja-JP" altLang="en-US" dirty="0"/>
+              <a:t>行*</a:t>
+            </a:r>
+            <a:r>
+              <a:rPr lang="en-US" altLang="ja-JP" dirty="0"/>
+              <a:t>B</a:t>
+            </a:r>
+            <a:r>
+              <a:rPr lang="ja-JP" altLang="en-US" dirty="0"/>
+              <a:t>の</a:t>
+            </a:r>
+            <a:r>
+              <a:rPr lang="en-US" altLang="ja-JP" dirty="0"/>
+              <a:t>2</a:t>
+            </a:r>
+            <a:r>
+              <a:rPr lang="ja-JP" altLang="en-US" dirty="0"/>
+              <a:t>列の総和）</a:t>
+            </a:r>
+            <a:endParaRPr lang="en-US" altLang="ja-JP" dirty="0"/>
+          </a:p>
+          <a:p>
+            <a:pPr marL="914400" lvl="2" indent="0">
+              <a:buNone/>
+            </a:pPr>
+            <a:endParaRPr lang="en-US" altLang="ja-JP" dirty="0"/>
+          </a:p>
+          <a:p>
+            <a:pPr lvl="1"/>
+            <a:r>
+              <a:rPr lang="en-US" altLang="ja-JP" dirty="0"/>
+              <a:t>Python</a:t>
+            </a:r>
+            <a:r>
+              <a:rPr lang="ja-JP" altLang="en-US" dirty="0"/>
+              <a:t>では</a:t>
+            </a:r>
+            <a:r>
+              <a:rPr lang="en-US" altLang="ja-JP" dirty="0">
+                <a:solidFill>
+                  <a:srgbClr val="FF0000"/>
+                </a:solidFill>
+              </a:rPr>
+              <a:t>numpy.dot(A,B)</a:t>
+            </a:r>
+            <a:r>
+              <a:rPr lang="ja-JP" altLang="en-US" dirty="0"/>
+              <a:t>と表現できる</a:t>
+            </a:r>
+            <a:endParaRPr lang="en-US" altLang="ja-JP" dirty="0"/>
+          </a:p>
+          <a:p>
+            <a:pPr lvl="1"/>
+            <a:r>
+              <a:rPr lang="en-US" altLang="ja-JP" dirty="0">
+                <a:solidFill>
+                  <a:srgbClr val="FF0000"/>
+                </a:solidFill>
+              </a:rPr>
+              <a:t>A</a:t>
+            </a:r>
+            <a:r>
+              <a:rPr lang="ja-JP" altLang="en-US" dirty="0">
+                <a:solidFill>
+                  <a:srgbClr val="FF0000"/>
+                </a:solidFill>
+              </a:rPr>
+              <a:t>の行数と</a:t>
+            </a:r>
+            <a:r>
+              <a:rPr lang="en-US" altLang="ja-JP" dirty="0">
+                <a:solidFill>
+                  <a:srgbClr val="FF0000"/>
+                </a:solidFill>
+              </a:rPr>
+              <a:t>B</a:t>
+            </a:r>
+            <a:r>
+              <a:rPr lang="ja-JP" altLang="en-US" dirty="0">
+                <a:solidFill>
+                  <a:srgbClr val="FF0000"/>
+                </a:solidFill>
+              </a:rPr>
+              <a:t>の列数が合わないといけない</a:t>
+            </a:r>
+            <a:endParaRPr lang="en-US" altLang="ja-JP" dirty="0">
+              <a:solidFill>
+                <a:srgbClr val="FF0000"/>
+              </a:solidFill>
+            </a:endParaRPr>
+          </a:p>
+          <a:p>
+            <a:pPr lvl="2"/>
+            <a:r>
+              <a:rPr lang="ja-JP" altLang="en-US" dirty="0"/>
+              <a:t>あと、</a:t>
+            </a:r>
+            <a:r>
+              <a:rPr lang="en-US" altLang="ja-JP" dirty="0">
+                <a:solidFill>
+                  <a:srgbClr val="FF0000"/>
+                </a:solidFill>
+              </a:rPr>
+              <a:t>A</a:t>
+            </a:r>
+            <a:r>
+              <a:rPr lang="ja-JP" altLang="en-US" dirty="0">
+                <a:solidFill>
+                  <a:srgbClr val="FF0000"/>
+                </a:solidFill>
+              </a:rPr>
+              <a:t>と</a:t>
+            </a:r>
+            <a:r>
+              <a:rPr lang="en-US" altLang="ja-JP" dirty="0">
+                <a:solidFill>
+                  <a:srgbClr val="FF0000"/>
+                </a:solidFill>
+              </a:rPr>
+              <a:t>B</a:t>
+            </a:r>
+            <a:r>
+              <a:rPr lang="ja-JP" altLang="en-US" dirty="0">
+                <a:solidFill>
+                  <a:srgbClr val="FF0000"/>
+                </a:solidFill>
+              </a:rPr>
+              <a:t>を入れ替えると答えが変わってしまう</a:t>
+            </a:r>
+            <a:endParaRPr lang="en-US" altLang="ja-JP" dirty="0">
+              <a:solidFill>
+                <a:srgbClr val="FF0000"/>
+              </a:solidFill>
+            </a:endParaRPr>
+          </a:p>
+          <a:p>
+            <a:pPr lvl="1"/>
+            <a:r>
+              <a:rPr lang="ja-JP" altLang="en-US" dirty="0"/>
+              <a:t>理解しにくい部分なので別の表現を次のスライドで示す</a:t>
+            </a:r>
+            <a:endParaRPr lang="en-US" altLang="ja-JP" dirty="0"/>
+          </a:p>
+          <a:p>
+            <a:pPr lvl="1"/>
+            <a:endParaRPr lang="en-US" altLang="ja-JP" dirty="0"/>
+          </a:p>
+          <a:p>
+            <a:r>
+              <a:rPr lang="ja-JP" altLang="en-US" dirty="0"/>
+              <a:t>行列*ベクター</a:t>
+            </a:r>
+            <a:endParaRPr lang="en-US" altLang="ja-JP" dirty="0"/>
+          </a:p>
+          <a:p>
+            <a:pPr lvl="1"/>
+            <a:r>
+              <a:rPr lang="ja-JP" altLang="en-US" dirty="0"/>
+              <a:t>ベクター側を</a:t>
+            </a:r>
+            <a:r>
+              <a:rPr lang="en-US" altLang="ja-JP" dirty="0">
+                <a:solidFill>
+                  <a:srgbClr val="FF0000"/>
+                </a:solidFill>
+              </a:rPr>
+              <a:t>1</a:t>
+            </a:r>
+            <a:r>
+              <a:rPr lang="ja-JP" altLang="en-US" dirty="0">
+                <a:solidFill>
+                  <a:srgbClr val="FF0000"/>
+                </a:solidFill>
+              </a:rPr>
+              <a:t>行の行列と解釈して演算を行う</a:t>
+            </a:r>
+            <a:r>
+              <a:rPr lang="ja-JP" altLang="en-US" dirty="0"/>
+              <a:t>。</a:t>
+            </a:r>
+            <a:endParaRPr lang="en-US" altLang="ja-JP" dirty="0"/>
+          </a:p>
+          <a:p>
+            <a:pPr lvl="2"/>
+            <a:r>
+              <a:rPr lang="ja-JP" altLang="en-US" dirty="0"/>
+              <a:t>それ以外に言うこと</a:t>
+            </a:r>
+            <a:r>
+              <a:rPr lang="ja-JP" altLang="en-US" dirty="0" err="1"/>
+              <a:t>な</a:t>
+            </a:r>
+            <a:r>
+              <a:rPr lang="ja-JP" altLang="en-US" dirty="0"/>
+              <a:t>さげ</a:t>
+            </a:r>
+            <a:endParaRPr lang="en-US" altLang="ja-JP" dirty="0"/>
+          </a:p>
+        </p:txBody>
+      </p:sp>
+    </p:spTree>
+    <p:extLst>
+      <p:ext uri="{BB962C8B-B14F-4D97-AF65-F5344CB8AC3E}">
+        <p14:creationId xmlns:p14="http://schemas.microsoft.com/office/powerpoint/2010/main" val="2970155548"/>
+      </p:ext>
+    </p:extLst>
+  </p:cSld>
+  <p:clrMapOvr>
+    <a:masterClrMapping/>
+  </p:clrMapOvr>
+</p:sld>
+</file>
+
+<file path=ppt/slides/slide11.xml><?xml version="1.0" encoding="utf-8"?>
+<p:sld xmlns:a="http://schemas.openxmlformats.org/drawingml/2006/main" xmlns:r="http://schemas.openxmlformats.org/officeDocument/2006/relationships" xmlns:p="http://schemas.openxmlformats.org/presentationml/2006/main">
+  <p:cSld>
+    <p:spTree>
+      <p:nvGrpSpPr>
+        <p:cNvPr id="1" name=""/>
+        <p:cNvGrpSpPr/>
+        <p:nvPr/>
+      </p:nvGrpSpPr>
+      <p:grpSpPr>
+        <a:xfrm>
+          <a:off x="0" y="0"/>
+          <a:ext cx="0" cy="0"/>
+          <a:chOff x="0" y="0"/>
+          <a:chExt cx="0" cy="0"/>
+        </a:xfrm>
+      </p:grpSpPr>
       <p:pic>
         <p:nvPicPr>
           <p:cNvPr id="5" name="コンテンツ プレースホルダー 4" descr="テキスト が含まれている画像&#10;&#10;高い精度で生成された説明">
@@ -3418,7 +3863,7 @@
 </p:sld>
 </file>
 
-<file path=ppt/slides/slide11.xml><?xml version="1.0" encoding="utf-8"?>
+<file path=ppt/slides/slide12.xml><?xml version="1.0" encoding="utf-8"?>
 <p:sld xmlns:a="http://schemas.openxmlformats.org/drawingml/2006/main" xmlns:r="http://schemas.openxmlformats.org/officeDocument/2006/relationships" xmlns:p="http://schemas.openxmlformats.org/presentationml/2006/main">
   <p:cSld>
     <p:spTree>
@@ -3532,55 +3977,115 @@
             </a:r>
             <a:r>
               <a:rPr kumimoji="1" lang="ja-JP" altLang="en-US" dirty="0"/>
-              <a:t>の行列はドット積が行えないが、片方を</a:t>
-            </a:r>
-            <a:r>
-              <a:rPr kumimoji="1" lang="en-US" altLang="ja-JP" dirty="0"/>
+              <a:t>の行列はドット積が行えないが、</a:t>
+            </a:r>
+            <a:r>
+              <a:rPr kumimoji="1" lang="ja-JP" altLang="en-US" dirty="0">
+                <a:solidFill>
+                  <a:srgbClr val="FF0000"/>
+                </a:solidFill>
+              </a:rPr>
+              <a:t>片方を</a:t>
+            </a:r>
+            <a:r>
+              <a:rPr kumimoji="1" lang="en-US" altLang="ja-JP" dirty="0">
+                <a:solidFill>
+                  <a:srgbClr val="FF0000"/>
+                </a:solidFill>
+              </a:rPr>
               <a:t>3</a:t>
             </a:r>
             <a:r>
+              <a:rPr kumimoji="1" lang="ja-JP" altLang="en-US" dirty="0">
+                <a:solidFill>
+                  <a:srgbClr val="FF0000"/>
+                </a:solidFill>
+              </a:rPr>
+              <a:t>*</a:t>
+            </a:r>
+            <a:r>
+              <a:rPr kumimoji="1" lang="en-US" altLang="ja-JP" dirty="0">
+                <a:solidFill>
+                  <a:srgbClr val="FF0000"/>
+                </a:solidFill>
+              </a:rPr>
+              <a:t>2</a:t>
+            </a:r>
+            <a:r>
+              <a:rPr kumimoji="1" lang="ja-JP" altLang="en-US" dirty="0">
+                <a:solidFill>
+                  <a:srgbClr val="FF0000"/>
+                </a:solidFill>
+              </a:rPr>
+              <a:t>に変換すれば</a:t>
+            </a:r>
+            <a:r>
+              <a:rPr kumimoji="1" lang="en-US" altLang="ja-JP" dirty="0">
+                <a:solidFill>
+                  <a:srgbClr val="FF0000"/>
+                </a:solidFill>
+              </a:rPr>
+              <a:t>2</a:t>
+            </a:r>
+            <a:r>
+              <a:rPr kumimoji="1" lang="ja-JP" altLang="en-US" dirty="0">
+                <a:solidFill>
+                  <a:srgbClr val="FF0000"/>
+                </a:solidFill>
+              </a:rPr>
+              <a:t>*</a:t>
+            </a:r>
+            <a:r>
+              <a:rPr kumimoji="1" lang="en-US" altLang="ja-JP" dirty="0">
+                <a:solidFill>
+                  <a:srgbClr val="FF0000"/>
+                </a:solidFill>
+              </a:rPr>
+              <a:t>3</a:t>
+            </a:r>
+            <a:r>
+              <a:rPr kumimoji="1" lang="ja-JP" altLang="en-US" dirty="0">
+                <a:solidFill>
+                  <a:srgbClr val="FF0000"/>
+                </a:solidFill>
+              </a:rPr>
+              <a:t>・</a:t>
+            </a:r>
+            <a:r>
+              <a:rPr kumimoji="1" lang="en-US" altLang="ja-JP" dirty="0">
+                <a:solidFill>
+                  <a:srgbClr val="FF0000"/>
+                </a:solidFill>
+              </a:rPr>
+              <a:t>3</a:t>
+            </a:r>
+            <a:r>
+              <a:rPr kumimoji="1" lang="ja-JP" altLang="en-US" dirty="0">
+                <a:solidFill>
+                  <a:srgbClr val="FF0000"/>
+                </a:solidFill>
+              </a:rPr>
+              <a:t>*</a:t>
+            </a:r>
+            <a:r>
+              <a:rPr kumimoji="1" lang="en-US" altLang="ja-JP" dirty="0">
+                <a:solidFill>
+                  <a:srgbClr val="FF0000"/>
+                </a:solidFill>
+              </a:rPr>
+              <a:t>2</a:t>
+            </a:r>
+            <a:r>
+              <a:rPr kumimoji="1" lang="ja-JP" altLang="en-US" dirty="0">
+                <a:solidFill>
+                  <a:srgbClr val="FF0000"/>
+                </a:solidFill>
+              </a:rPr>
+              <a:t>でドット積が可能になる</a:t>
+            </a:r>
+            <a:r>
               <a:rPr kumimoji="1" lang="ja-JP" altLang="en-US" dirty="0"/>
-              <a:t>*</a:t>
-            </a:r>
-            <a:r>
-              <a:rPr kumimoji="1" lang="en-US" altLang="ja-JP" dirty="0"/>
-              <a:t>2</a:t>
-            </a:r>
-            <a:r>
-              <a:rPr kumimoji="1" lang="ja-JP" altLang="en-US" dirty="0"/>
-              <a:t>に変換すれば</a:t>
-            </a:r>
-            <a:r>
-              <a:rPr kumimoji="1" lang="en-US" altLang="ja-JP" dirty="0"/>
-              <a:t>2</a:t>
-            </a:r>
-            <a:r>
-              <a:rPr kumimoji="1" lang="ja-JP" altLang="en-US" dirty="0"/>
-              <a:t>*</a:t>
-            </a:r>
-            <a:r>
-              <a:rPr kumimoji="1" lang="en-US" altLang="ja-JP" dirty="0"/>
-              <a:t>3</a:t>
-            </a:r>
-            <a:r>
-              <a:rPr kumimoji="1" lang="ja-JP" altLang="en-US" dirty="0"/>
-              <a:t>・</a:t>
-            </a:r>
-            <a:r>
-              <a:rPr kumimoji="1" lang="en-US" altLang="ja-JP" dirty="0"/>
-              <a:t>3</a:t>
-            </a:r>
-            <a:r>
-              <a:rPr kumimoji="1" lang="ja-JP" altLang="en-US" dirty="0"/>
-              <a:t>*</a:t>
-            </a:r>
-            <a:r>
-              <a:rPr kumimoji="1" lang="en-US" altLang="ja-JP" dirty="0"/>
-              <a:t>2</a:t>
-            </a:r>
-            <a:r>
-              <a:rPr kumimoji="1" lang="ja-JP" altLang="en-US" dirty="0"/>
-              <a:t>でドット積が可能になる。</a:t>
+              <a:t>。よかったね。</a:t>
             </a:r>
             <a:endParaRPr kumimoji="1" lang="en-US" altLang="ja-JP" dirty="0"/>
           </a:p>
@@ -3590,11 +4095,19 @@
           </a:p>
           <a:p>
             <a:r>
-              <a:rPr lang="en-US" altLang="ja-JP" dirty="0" err="1"/>
+              <a:rPr lang="en-US" altLang="ja-JP" dirty="0" err="1">
+                <a:solidFill>
+                  <a:srgbClr val="FF0000"/>
+                </a:solidFill>
+              </a:rPr>
               <a:t>numpy</a:t>
             </a:r>
             <a:r>
-              <a:rPr kumimoji="1" lang="en-US" altLang="ja-JP" dirty="0" err="1"/>
+              <a:rPr kumimoji="1" lang="en-US" altLang="ja-JP" dirty="0" err="1">
+                <a:solidFill>
+                  <a:srgbClr val="FF0000"/>
+                </a:solidFill>
+              </a:rPr>
               <a:t>.array.T</a:t>
             </a:r>
             <a:r>
@@ -3609,6 +4122,19 @@
               <a:rPr kumimoji="1" lang="ja-JP" altLang="en-US" dirty="0"/>
               <a:t>を取得できる</a:t>
             </a:r>
+            <a:endParaRPr kumimoji="1" lang="en-US" altLang="ja-JP" dirty="0"/>
+          </a:p>
+          <a:p>
+            <a:pPr lvl="1"/>
+            <a:r>
+              <a:rPr kumimoji="1" lang="ja-JP" altLang="en-US" dirty="0"/>
+              <a:t>ドット積できない</a:t>
+            </a:r>
+            <a:r>
+              <a:rPr lang="ja-JP" altLang="en-US" dirty="0"/>
+              <a:t>時は転置してみては？</a:t>
+            </a:r>
+            <a:endParaRPr kumimoji="1" lang="ja-JP" altLang="en-US" dirty="0"/>
           </a:p>
         </p:txBody>
       </p:sp>
@@ -3625,7 +4151,7 @@
 </p:sld>
 </file>
 
-<file path=ppt/slides/slide12.xml><?xml version="1.0" encoding="utf-8"?>
+<file path=ppt/slides/slide13.xml><?xml version="1.0" encoding="utf-8"?>
 <p:sld xmlns:a="http://schemas.openxmlformats.org/drawingml/2006/main" xmlns:r="http://schemas.openxmlformats.org/officeDocument/2006/relationships" xmlns:p="http://schemas.openxmlformats.org/presentationml/2006/main">
   <p:cSld>
     <p:spTree>
@@ -3702,6 +4228,14 @@
             <a:endParaRPr lang="en-US" altLang="ja-JP" dirty="0"/>
           </a:p>
           <a:p>
+            <a:pPr lvl="1"/>
+            <a:r>
+              <a:rPr lang="ja-JP" altLang="en-US" dirty="0"/>
+              <a:t>二次関数の接線も出る。というかこっちがメイン。</a:t>
+            </a:r>
+            <a:endParaRPr lang="en-US" altLang="ja-JP" dirty="0"/>
+          </a:p>
+          <a:p>
             <a:endParaRPr kumimoji="1" lang="en-US" altLang="ja-JP" dirty="0"/>
           </a:p>
           <a:p>
@@ -3744,12 +4278,48 @@
           <a:p>
             <a:pPr lvl="1"/>
             <a:r>
-              <a:rPr kumimoji="1" lang="en-US" altLang="ja-JP" dirty="0"/>
+              <a:rPr kumimoji="1" lang="en-US" altLang="ja-JP" dirty="0">
+                <a:solidFill>
+                  <a:srgbClr val="FF0000"/>
+                </a:solidFill>
+              </a:rPr>
               <a:t>Lim</a:t>
             </a:r>
             <a:r>
+              <a:rPr kumimoji="1" lang="ja-JP" altLang="en-US" dirty="0">
+                <a:solidFill>
+                  <a:srgbClr val="FF0000"/>
+                </a:solidFill>
+              </a:rPr>
+              <a:t>の下にある指示に従って右の式を解く</a:t>
+            </a:r>
+            <a:endParaRPr kumimoji="1" lang="en-US" altLang="ja-JP" dirty="0">
+              <a:solidFill>
+                <a:srgbClr val="FF0000"/>
+              </a:solidFill>
+            </a:endParaRPr>
+          </a:p>
+          <a:p>
+            <a:pPr lvl="2"/>
+            <a:r>
+              <a:rPr lang="ja-JP" altLang="en-US" dirty="0">
+                <a:solidFill>
+                  <a:srgbClr val="FF0000"/>
+                </a:solidFill>
+              </a:rPr>
+              <a:t>微分だと大体０に近づけろと言われる</a:t>
+            </a:r>
+            <a:endParaRPr lang="en-US" altLang="ja-JP" dirty="0">
+              <a:solidFill>
+                <a:srgbClr val="FF0000"/>
+              </a:solidFill>
+            </a:endParaRPr>
+          </a:p>
+          <a:p>
+            <a:pPr lvl="2"/>
+            <a:r>
               <a:rPr kumimoji="1" lang="ja-JP" altLang="en-US" dirty="0"/>
-              <a:t>の下にある指示に従って右の式を解く</a:t>
+              <a:t>“０にする”じゃないところがミソ</a:t>
             </a:r>
             <a:endParaRPr kumimoji="1" lang="en-US" altLang="ja-JP" dirty="0"/>
           </a:p>
@@ -3768,7 +4338,7 @@
 </p:sld>
 </file>
 
-<file path=ppt/slides/slide13.xml><?xml version="1.0" encoding="utf-8"?>
+<file path=ppt/slides/slide14.xml><?xml version="1.0" encoding="utf-8"?>
 <p:sld xmlns:a="http://schemas.openxmlformats.org/drawingml/2006/main" xmlns:r="http://schemas.openxmlformats.org/officeDocument/2006/relationships" xmlns:p="http://schemas.openxmlformats.org/presentationml/2006/main">
   <p:cSld>
     <p:spTree>
@@ -3813,12 +4383,584 @@
           </a:p>
         </p:txBody>
       </p:sp>
+      <mc:AlternateContent xmlns:mc="http://schemas.openxmlformats.org/markup-compatibility/2006">
+        <mc:Choice xmlns:a14="http://schemas.microsoft.com/office/drawing/2010/main" Requires="a14">
+          <p:sp>
+            <p:nvSpPr>
+              <p:cNvPr id="3" name="コンテンツ プレースホルダー 2">
+                <a:extLst>
+                  <a:ext uri="{FF2B5EF4-FFF2-40B4-BE49-F238E27FC236}">
+                    <a16:creationId xmlns:a16="http://schemas.microsoft.com/office/drawing/2014/main" id="{F338D794-BF80-46BE-BC42-DF92FCE47F90}"/>
+                  </a:ext>
+                </a:extLst>
+              </p:cNvPr>
+              <p:cNvSpPr>
+                <a:spLocks noGrp="1"/>
+              </p:cNvSpPr>
+              <p:nvPr>
+                <p:ph idx="1"/>
+              </p:nvPr>
+            </p:nvSpPr>
+            <p:spPr/>
+            <p:txBody>
+              <a:bodyPr/>
+              <a:lstStyle/>
+              <a:p>
+                <a:r>
+                  <a:rPr kumimoji="1" lang="ja-JP" altLang="en-US" dirty="0"/>
+                  <a:t>ある関数</a:t>
+                </a:r>
+                <a:r>
+                  <a:rPr kumimoji="1" lang="en-US" altLang="ja-JP" dirty="0"/>
+                  <a:t>f(x)</a:t>
+                </a:r>
+                <a:r>
+                  <a:rPr kumimoji="1" lang="ja-JP" altLang="en-US" dirty="0"/>
+                  <a:t>について、その関数の</a:t>
+                </a:r>
+                <a:r>
+                  <a:rPr kumimoji="1" lang="ja-JP" altLang="en-US" dirty="0">
+                    <a:solidFill>
+                      <a:srgbClr val="FF0000"/>
+                    </a:solidFill>
+                  </a:rPr>
+                  <a:t>微小な範囲</a:t>
+                </a:r>
+                <a:r>
+                  <a:rPr kumimoji="1" lang="en-US" altLang="ja-JP" dirty="0">
+                    <a:solidFill>
+                      <a:srgbClr val="FF0000"/>
+                    </a:solidFill>
+                  </a:rPr>
+                  <a:t>dx</a:t>
+                </a:r>
+                <a:r>
+                  <a:rPr kumimoji="1" lang="ja-JP" altLang="en-US" dirty="0">
+                    <a:solidFill>
+                      <a:srgbClr val="FF0000"/>
+                    </a:solidFill>
+                  </a:rPr>
+                  <a:t>と</a:t>
+                </a:r>
+                <a:r>
+                  <a:rPr lang="ja-JP" altLang="en-US" dirty="0">
+                    <a:solidFill>
+                      <a:srgbClr val="FF0000"/>
+                    </a:solidFill>
+                  </a:rPr>
+                  <a:t>その範囲</a:t>
+                </a:r>
+                <a:r>
+                  <a:rPr kumimoji="1" lang="ja-JP" altLang="en-US" dirty="0">
+                    <a:solidFill>
+                      <a:srgbClr val="FF0000"/>
+                    </a:solidFill>
+                  </a:rPr>
+                  <a:t>における</a:t>
+                </a:r>
+                <a:r>
+                  <a:rPr kumimoji="1" lang="en-US" altLang="ja-JP" dirty="0">
+                    <a:solidFill>
+                      <a:srgbClr val="FF0000"/>
+                    </a:solidFill>
+                  </a:rPr>
+                  <a:t>f(x)</a:t>
+                </a:r>
+                <a:r>
+                  <a:rPr kumimoji="1" lang="ja-JP" altLang="en-US" dirty="0">
+                    <a:solidFill>
+                      <a:srgbClr val="FF0000"/>
+                    </a:solidFill>
+                  </a:rPr>
+                  <a:t>の変化量を</a:t>
+                </a:r>
+                <a:r>
+                  <a:rPr lang="ja-JP" altLang="en-US" dirty="0">
+                    <a:solidFill>
+                      <a:srgbClr val="FF0000"/>
+                    </a:solidFill>
+                  </a:rPr>
+                  <a:t>用いて</a:t>
+                </a:r>
+                <a:r>
+                  <a:rPr lang="en-US" altLang="ja-JP" dirty="0">
+                    <a:solidFill>
+                      <a:srgbClr val="FF0000"/>
+                    </a:solidFill>
+                  </a:rPr>
+                  <a:t>f’(x)</a:t>
+                </a:r>
+                <a:r>
+                  <a:rPr lang="ja-JP" altLang="en-US" dirty="0"/>
+                  <a:t>を求めること</a:t>
+                </a:r>
+                <a:endParaRPr lang="en-US" altLang="ja-JP" dirty="0"/>
+              </a:p>
+              <a:p>
+                <a:pPr lvl="1"/>
+                <a:r>
+                  <a:rPr lang="ja-JP" altLang="en-US" dirty="0"/>
+                  <a:t>定義なので文章が抽象的すぎる</a:t>
+                </a:r>
+                <a:r>
+                  <a:rPr lang="en-US" altLang="ja-JP" dirty="0"/>
+                  <a:t>…</a:t>
+                </a:r>
+                <a:endParaRPr kumimoji="1" lang="en-US" altLang="ja-JP" dirty="0"/>
+              </a:p>
+              <a:p>
+                <a:pPr lvl="1"/>
+                <a:endParaRPr lang="en-US" altLang="ja-JP" dirty="0"/>
+              </a:p>
+              <a:p>
+                <a14:m>
+                  <m:oMath xmlns:m="http://schemas.openxmlformats.org/officeDocument/2006/math">
+                    <m:r>
+                      <a:rPr kumimoji="1" lang="en-US" altLang="ja-JP" b="0" i="1" smtClean="0">
+                        <a:latin typeface="Cambria Math" panose="02040503050406030204" pitchFamily="18" charset="0"/>
+                      </a:rPr>
+                      <m:t>𝑦</m:t>
+                    </m:r>
+                    <m:r>
+                      <a:rPr kumimoji="1" lang="en-US" altLang="ja-JP" i="1" smtClean="0">
+                        <a:latin typeface="Cambria Math" panose="02040503050406030204" pitchFamily="18" charset="0"/>
+                      </a:rPr>
+                      <m:t>=</m:t>
+                    </m:r>
+                    <m:sSup>
+                      <m:sSupPr>
+                        <m:ctrlPr>
+                          <a:rPr kumimoji="1" lang="en-US" altLang="ja-JP" i="1" smtClean="0">
+                            <a:latin typeface="Cambria Math" panose="02040503050406030204" pitchFamily="18" charset="0"/>
+                          </a:rPr>
+                        </m:ctrlPr>
+                      </m:sSupPr>
+                      <m:e>
+                        <m:r>
+                          <a:rPr kumimoji="1" lang="en-US" altLang="ja-JP" b="0" i="1" smtClean="0">
+                            <a:latin typeface="Cambria Math" panose="02040503050406030204" pitchFamily="18" charset="0"/>
+                          </a:rPr>
+                          <m:t>𝑥</m:t>
+                        </m:r>
+                      </m:e>
+                      <m:sup>
+                        <m:r>
+                          <a:rPr kumimoji="1" lang="en-US" altLang="ja-JP" i="1" smtClean="0">
+                            <a:latin typeface="Cambria Math" panose="02040503050406030204" pitchFamily="18" charset="0"/>
+                          </a:rPr>
+                          <m:t>2</m:t>
+                        </m:r>
+                      </m:sup>
+                    </m:sSup>
+                  </m:oMath>
+                </a14:m>
+                <a:r>
+                  <a:rPr kumimoji="1" lang="ja-JP" altLang="en-US" dirty="0"/>
+                  <a:t>という二次関数がある。</a:t>
+                </a:r>
+                <a:r>
+                  <a:rPr lang="en-US" altLang="ja-JP" dirty="0">
+                    <a:solidFill>
+                      <a:srgbClr val="FF0000"/>
+                    </a:solidFill>
+                  </a:rPr>
+                  <a:t>x</a:t>
+                </a:r>
+                <a:r>
+                  <a:rPr kumimoji="1" lang="en-US" altLang="ja-JP" dirty="0">
+                    <a:solidFill>
+                      <a:srgbClr val="FF0000"/>
+                    </a:solidFill>
+                  </a:rPr>
+                  <a:t>=2</a:t>
+                </a:r>
+                <a:r>
+                  <a:rPr kumimoji="1" lang="ja-JP" altLang="en-US" dirty="0">
+                    <a:solidFill>
+                      <a:srgbClr val="FF0000"/>
+                    </a:solidFill>
+                  </a:rPr>
+                  <a:t>の時と</a:t>
+                </a:r>
+                <a:r>
+                  <a:rPr kumimoji="1" lang="en-US" altLang="ja-JP" dirty="0">
+                    <a:solidFill>
+                      <a:srgbClr val="FF0000"/>
+                    </a:solidFill>
+                  </a:rPr>
+                  <a:t>x=2.00001</a:t>
+                </a:r>
+                <a:r>
+                  <a:rPr kumimoji="1" lang="ja-JP" altLang="en-US" dirty="0">
+                    <a:solidFill>
+                      <a:srgbClr val="FF0000"/>
+                    </a:solidFill>
+                  </a:rPr>
+                  <a:t>の時の</a:t>
+                </a:r>
+                <a:r>
+                  <a:rPr kumimoji="1" lang="en-US" altLang="ja-JP" dirty="0">
+                    <a:solidFill>
+                      <a:srgbClr val="FF0000"/>
+                    </a:solidFill>
+                  </a:rPr>
+                  <a:t>y</a:t>
+                </a:r>
+                <a:r>
+                  <a:rPr kumimoji="1" lang="ja-JP" altLang="en-US" dirty="0">
+                    <a:solidFill>
+                      <a:srgbClr val="FF0000"/>
+                    </a:solidFill>
+                  </a:rPr>
+                  <a:t>の値を使うと</a:t>
+                </a:r>
+                <a:r>
+                  <a:rPr kumimoji="1" lang="en-US" altLang="ja-JP" dirty="0">
+                    <a:solidFill>
+                      <a:srgbClr val="FF0000"/>
+                    </a:solidFill>
+                  </a:rPr>
+                  <a:t>y=2x</a:t>
+                </a:r>
+                <a:r>
+                  <a:rPr kumimoji="1" lang="ja-JP" altLang="en-US" dirty="0">
+                    <a:solidFill>
+                      <a:srgbClr val="FF0000"/>
+                    </a:solidFill>
+                  </a:rPr>
+                  <a:t>という一次関数ができた</a:t>
+                </a:r>
+                <a:r>
+                  <a:rPr kumimoji="1" lang="ja-JP" altLang="en-US" dirty="0"/>
+                  <a:t>。</a:t>
+                </a:r>
+                <a:endParaRPr kumimoji="1" lang="en-US" altLang="ja-JP" dirty="0"/>
+              </a:p>
+              <a:p>
+                <a:pPr lvl="1"/>
+                <a:r>
+                  <a:rPr lang="ja-JP" altLang="en-US" dirty="0"/>
+                  <a:t>具体例になってしまったけど、</a:t>
+                </a:r>
+                <a:r>
+                  <a:rPr lang="ja-JP" altLang="en-US" dirty="0">
+                    <a:solidFill>
+                      <a:srgbClr val="FF0000"/>
+                    </a:solidFill>
+                  </a:rPr>
+                  <a:t>このような操作が常微分</a:t>
+                </a:r>
+                <a:r>
+                  <a:rPr lang="ja-JP" altLang="en-US" dirty="0"/>
+                  <a:t>。</a:t>
+                </a:r>
+                <a:endParaRPr lang="en-US" altLang="ja-JP" dirty="0"/>
+              </a:p>
+              <a:p>
+                <a:pPr lvl="1"/>
+                <a:endParaRPr lang="en-US" altLang="ja-JP" dirty="0"/>
+              </a:p>
+              <a:p>
+                <a:r>
+                  <a:rPr lang="ja-JP" altLang="en-US" dirty="0"/>
+                  <a:t>先の具体例を一般化すると、</a:t>
+                </a:r>
+                <a14:m>
+                  <m:oMath xmlns:m="http://schemas.openxmlformats.org/officeDocument/2006/math">
+                    <m:f>
+                      <m:fPr>
+                        <m:ctrlPr>
+                          <a:rPr lang="en-US" altLang="ja-JP" i="1" smtClean="0">
+                            <a:solidFill>
+                              <a:srgbClr val="FF0000"/>
+                            </a:solidFill>
+                            <a:latin typeface="Cambria Math" panose="02040503050406030204" pitchFamily="18" charset="0"/>
+                          </a:rPr>
+                        </m:ctrlPr>
+                      </m:fPr>
+                      <m:num>
+                        <m:r>
+                          <a:rPr lang="en-US" altLang="ja-JP" i="1" smtClean="0">
+                            <a:solidFill>
+                              <a:srgbClr val="FF0000"/>
+                            </a:solidFill>
+                            <a:latin typeface="Cambria Math" panose="02040503050406030204" pitchFamily="18" charset="0"/>
+                          </a:rPr>
+                          <m:t>𝑑</m:t>
+                        </m:r>
+                      </m:num>
+                      <m:den>
+                        <m:r>
+                          <a:rPr lang="en-US" altLang="ja-JP" i="1" smtClean="0">
+                            <a:solidFill>
+                              <a:srgbClr val="FF0000"/>
+                            </a:solidFill>
+                            <a:latin typeface="Cambria Math" panose="02040503050406030204" pitchFamily="18" charset="0"/>
+                          </a:rPr>
+                          <m:t>𝑑𝑥</m:t>
+                        </m:r>
+                      </m:den>
+                    </m:f>
+                    <m:r>
+                      <m:rPr>
+                        <m:sty m:val="p"/>
+                      </m:rPr>
+                      <a:rPr lang="en-US" altLang="ja-JP" b="0" i="0" smtClean="0">
+                        <a:solidFill>
+                          <a:srgbClr val="FF0000"/>
+                        </a:solidFill>
+                        <a:latin typeface="Cambria Math" panose="02040503050406030204" pitchFamily="18" charset="0"/>
+                      </a:rPr>
+                      <m:t>f</m:t>
+                    </m:r>
+                    <m:d>
+                      <m:dPr>
+                        <m:ctrlPr>
+                          <a:rPr lang="en-US" altLang="ja-JP" b="0" i="0" smtClean="0">
+                            <a:solidFill>
+                              <a:srgbClr val="FF0000"/>
+                            </a:solidFill>
+                            <a:latin typeface="Cambria Math" panose="02040503050406030204" pitchFamily="18" charset="0"/>
+                          </a:rPr>
+                        </m:ctrlPr>
+                      </m:dPr>
+                      <m:e>
+                        <m:r>
+                          <m:rPr>
+                            <m:sty m:val="p"/>
+                          </m:rPr>
+                          <a:rPr lang="en-US" altLang="ja-JP" b="0" i="0" smtClean="0">
+                            <a:solidFill>
+                              <a:srgbClr val="FF0000"/>
+                            </a:solidFill>
+                            <a:latin typeface="Cambria Math" panose="02040503050406030204" pitchFamily="18" charset="0"/>
+                          </a:rPr>
+                          <m:t>x</m:t>
+                        </m:r>
+                      </m:e>
+                    </m:d>
+                    <m:r>
+                      <a:rPr lang="en-US" altLang="ja-JP" b="0" i="0" smtClean="0">
+                        <a:solidFill>
+                          <a:srgbClr val="FF0000"/>
+                        </a:solidFill>
+                        <a:latin typeface="Cambria Math" panose="02040503050406030204" pitchFamily="18" charset="0"/>
+                      </a:rPr>
+                      <m:t>=</m:t>
+                    </m:r>
+                    <m:r>
+                      <m:rPr>
+                        <m:sty m:val="p"/>
+                      </m:rPr>
+                      <a:rPr lang="en-US" altLang="ja-JP" b="0" i="0" smtClean="0">
+                        <a:solidFill>
+                          <a:srgbClr val="FF0000"/>
+                        </a:solidFill>
+                        <a:latin typeface="Cambria Math" panose="02040503050406030204" pitchFamily="18" charset="0"/>
+                      </a:rPr>
+                      <m:t>r</m:t>
+                    </m:r>
+                    <m:sSup>
+                      <m:sSupPr>
+                        <m:ctrlPr>
+                          <a:rPr lang="en-US" altLang="ja-JP" dirty="0" smtClean="0">
+                            <a:solidFill>
+                              <a:srgbClr val="FF0000"/>
+                            </a:solidFill>
+                            <a:latin typeface="Cambria Math" panose="02040503050406030204" pitchFamily="18" charset="0"/>
+                          </a:rPr>
+                        </m:ctrlPr>
+                      </m:sSupPr>
+                      <m:e>
+                        <m:r>
+                          <a:rPr lang="en-US" altLang="ja-JP" b="0" i="1" dirty="0" smtClean="0">
+                            <a:solidFill>
+                              <a:srgbClr val="FF0000"/>
+                            </a:solidFill>
+                            <a:latin typeface="Cambria Math" panose="02040503050406030204" pitchFamily="18" charset="0"/>
+                          </a:rPr>
+                          <m:t>𝑥</m:t>
+                        </m:r>
+                      </m:e>
+                      <m:sup>
+                        <m:r>
+                          <a:rPr lang="en-US" altLang="ja-JP" i="1" dirty="0">
+                            <a:solidFill>
+                              <a:srgbClr val="FF0000"/>
+                            </a:solidFill>
+                            <a:latin typeface="Cambria Math" panose="02040503050406030204" pitchFamily="18" charset="0"/>
+                          </a:rPr>
+                          <m:t>𝑟</m:t>
+                        </m:r>
+                        <m:r>
+                          <a:rPr lang="en-US" altLang="ja-JP" b="0" i="1" dirty="0" smtClean="0">
+                            <a:solidFill>
+                              <a:srgbClr val="FF0000"/>
+                            </a:solidFill>
+                            <a:latin typeface="Cambria Math" panose="02040503050406030204" pitchFamily="18" charset="0"/>
+                          </a:rPr>
+                          <m:t>−1</m:t>
+                        </m:r>
+                      </m:sup>
+                    </m:sSup>
+                  </m:oMath>
+                </a14:m>
+                <a:r>
+                  <a:rPr lang="ja-JP" altLang="en-US" dirty="0"/>
+                  <a:t>となる</a:t>
+                </a:r>
+                <a:endParaRPr lang="en-US" altLang="ja-JP" dirty="0"/>
+              </a:p>
+              <a:p>
+                <a:pPr lvl="1"/>
+                <a14:m>
+                  <m:oMath xmlns:m="http://schemas.openxmlformats.org/officeDocument/2006/math">
+                    <m:f>
+                      <m:fPr>
+                        <m:ctrlPr>
+                          <a:rPr lang="en-US" altLang="ja-JP" i="1">
+                            <a:latin typeface="Cambria Math" panose="02040503050406030204" pitchFamily="18" charset="0"/>
+                          </a:rPr>
+                        </m:ctrlPr>
+                      </m:fPr>
+                      <m:num>
+                        <m:r>
+                          <a:rPr lang="en-US" altLang="ja-JP" i="1">
+                            <a:latin typeface="Cambria Math" panose="02040503050406030204" pitchFamily="18" charset="0"/>
+                          </a:rPr>
+                          <m:t>𝑑</m:t>
+                        </m:r>
+                      </m:num>
+                      <m:den>
+                        <m:r>
+                          <a:rPr lang="en-US" altLang="ja-JP" i="1">
+                            <a:latin typeface="Cambria Math" panose="02040503050406030204" pitchFamily="18" charset="0"/>
+                          </a:rPr>
+                          <m:t>𝑑𝑥</m:t>
+                        </m:r>
+                      </m:den>
+                    </m:f>
+                  </m:oMath>
+                </a14:m>
+                <a:r>
+                  <a:rPr lang="ja-JP" altLang="en-US" dirty="0"/>
+                  <a:t>は「右にあるやつを微分するぞ！」という意味。</a:t>
+                </a:r>
+                <a:endParaRPr lang="en-US" altLang="ja-JP" dirty="0"/>
+              </a:p>
+              <a:p>
+                <a:endParaRPr kumimoji="1" lang="en-US" altLang="ja-JP" dirty="0"/>
+              </a:p>
+              <a:p>
+                <a:endParaRPr kumimoji="1" lang="en-US" altLang="ja-JP" dirty="0"/>
+              </a:p>
+            </p:txBody>
+          </p:sp>
+        </mc:Choice>
+        <mc:Fallback>
+          <p:sp>
+            <p:nvSpPr>
+              <p:cNvPr id="3" name="コンテンツ プレースホルダー 2">
+                <a:extLst>
+                  <a:ext uri="{FF2B5EF4-FFF2-40B4-BE49-F238E27FC236}">
+                    <a16:creationId xmlns:a16="http://schemas.microsoft.com/office/drawing/2014/main" id="{F338D794-BF80-46BE-BC42-DF92FCE47F90}"/>
+                  </a:ext>
+                </a:extLst>
+              </p:cNvPr>
+              <p:cNvSpPr>
+                <a:spLocks noGrp="1" noRot="1" noChangeAspect="1" noMove="1" noResize="1" noEditPoints="1" noAdjustHandles="1" noChangeArrowheads="1" noChangeShapeType="1" noTextEdit="1"/>
+              </p:cNvSpPr>
+              <p:nvPr>
+                <p:ph idx="1"/>
+              </p:nvPr>
+            </p:nvSpPr>
+            <p:spPr>
+              <a:blipFill>
+                <a:blip r:embed="rId2"/>
+                <a:stretch>
+                  <a:fillRect l="-1043" t="-1977"/>
+                </a:stretch>
+              </a:blipFill>
+            </p:spPr>
+            <p:txBody>
+              <a:bodyPr/>
+              <a:lstStyle/>
+              <a:p>
+                <a:r>
+                  <a:rPr lang="ja-JP" altLang="en-US">
+                    <a:noFill/>
+                  </a:rPr>
+                  <a:t> </a:t>
+                </a:r>
+              </a:p>
+            </p:txBody>
+          </p:sp>
+        </mc:Fallback>
+      </mc:AlternateContent>
+    </p:spTree>
+    <p:extLst>
+      <p:ext uri="{BB962C8B-B14F-4D97-AF65-F5344CB8AC3E}">
+        <p14:creationId xmlns:p14="http://schemas.microsoft.com/office/powerpoint/2010/main" val="24998684"/>
+      </p:ext>
+    </p:extLst>
+  </p:cSld>
+  <p:clrMapOvr>
+    <a:masterClrMapping/>
+  </p:clrMapOvr>
+</p:sld>
+</file>
+
+<file path=ppt/slides/slide15.xml><?xml version="1.0" encoding="utf-8"?>
+<p:sld xmlns:a="http://schemas.openxmlformats.org/drawingml/2006/main" xmlns:r="http://schemas.openxmlformats.org/officeDocument/2006/relationships" xmlns:p="http://schemas.openxmlformats.org/presentationml/2006/main">
+  <p:cSld>
+    <p:spTree>
+      <p:nvGrpSpPr>
+        <p:cNvPr id="1" name=""/>
+        <p:cNvGrpSpPr/>
+        <p:nvPr/>
+      </p:nvGrpSpPr>
+      <p:grpSpPr>
+        <a:xfrm>
+          <a:off x="0" y="0"/>
+          <a:ext cx="0" cy="0"/>
+          <a:chOff x="0" y="0"/>
+          <a:chExt cx="0" cy="0"/>
+        </a:xfrm>
+      </p:grpSpPr>
+      <p:sp>
+        <p:nvSpPr>
+          <p:cNvPr id="2" name="タイトル 1">
+            <a:extLst>
+              <a:ext uri="{FF2B5EF4-FFF2-40B4-BE49-F238E27FC236}">
+                <a16:creationId xmlns:a16="http://schemas.microsoft.com/office/drawing/2014/main" id="{8A0E22A7-7ADA-4E48-9904-911A6B7D4B93}"/>
+              </a:ext>
+            </a:extLst>
+          </p:cNvPr>
+          <p:cNvSpPr>
+            <a:spLocks noGrp="1"/>
+          </p:cNvSpPr>
+          <p:nvPr>
+            <p:ph type="title"/>
+          </p:nvPr>
+        </p:nvSpPr>
+        <p:spPr/>
+        <p:txBody>
+          <a:bodyPr/>
+          <a:lstStyle/>
+          <a:p>
+            <a:r>
+              <a:rPr kumimoji="1" lang="ja-JP" altLang="en-US" dirty="0"/>
+              <a:t>常微分の持つ意味</a:t>
+            </a:r>
+          </a:p>
+        </p:txBody>
+      </p:sp>
       <p:sp>
         <p:nvSpPr>
           <p:cNvPr id="3" name="コンテンツ プレースホルダー 2">
             <a:extLst>
               <a:ext uri="{FF2B5EF4-FFF2-40B4-BE49-F238E27FC236}">
-                <a16:creationId xmlns:a16="http://schemas.microsoft.com/office/drawing/2014/main" id="{F338D794-BF80-46BE-BC42-DF92FCE47F90}"/>
+                <a16:creationId xmlns:a16="http://schemas.microsoft.com/office/drawing/2014/main" id="{0537F4B4-BCA3-453C-A921-F9D367D754FD}"/>
               </a:ext>
             </a:extLst>
           </p:cNvPr>
@@ -3836,81 +4978,2014 @@
           <a:p>
             <a:r>
               <a:rPr kumimoji="1" lang="ja-JP" altLang="en-US" dirty="0"/>
-              <a:t>ある関数</a:t>
+              <a:t>ある単一変数の関数のある点において</a:t>
+            </a:r>
+            <a:r>
+              <a:rPr lang="ja-JP" altLang="en-US" dirty="0"/>
+              <a:t>の</a:t>
+            </a:r>
+            <a:r>
+              <a:rPr kumimoji="1" lang="ja-JP" altLang="en-US" dirty="0">
+                <a:solidFill>
+                  <a:srgbClr val="FF0000"/>
+                </a:solidFill>
+              </a:rPr>
+              <a:t>接線（勾配）を求めることができる</a:t>
+            </a:r>
+            <a:r>
+              <a:rPr kumimoji="1" lang="ja-JP" altLang="en-US" dirty="0"/>
+              <a:t>。</a:t>
+            </a:r>
+            <a:endParaRPr kumimoji="1" lang="en-US" altLang="ja-JP" dirty="0"/>
+          </a:p>
+          <a:p>
+            <a:pPr lvl="1"/>
+            <a:r>
+              <a:rPr kumimoji="1" lang="ja-JP" altLang="en-US" dirty="0"/>
+              <a:t>点</a:t>
             </a:r>
             <a:r>
               <a:rPr kumimoji="1" lang="en-US" altLang="ja-JP" dirty="0"/>
-              <a:t>f(x)</a:t>
-            </a:r>
-            <a:r>
-              <a:rPr kumimoji="1" lang="ja-JP" altLang="en-US" dirty="0"/>
-              <a:t>について、その関数の微小な範囲</a:t>
+              <a:t>(</a:t>
+            </a:r>
+            <a:r>
+              <a:rPr kumimoji="1" lang="en-US" altLang="ja-JP" dirty="0" err="1"/>
+              <a:t>a,f</a:t>
             </a:r>
             <a:r>
               <a:rPr kumimoji="1" lang="en-US" altLang="ja-JP" dirty="0"/>
-              <a:t>dx</a:t>
-            </a:r>
-            <a:r>
-              <a:rPr kumimoji="1" lang="ja-JP" altLang="en-US" dirty="0"/>
-              <a:t>と</a:t>
+              <a:t>(a</a:t>
+            </a:r>
+            <a:r>
+              <a:rPr lang="en-US" altLang="ja-JP" dirty="0"/>
+              <a:t>))</a:t>
             </a:r>
             <a:r>
               <a:rPr lang="ja-JP" altLang="en-US" dirty="0"/>
-              <a:t>その範囲</a:t>
-            </a:r>
-            <a:r>
-              <a:rPr kumimoji="1" lang="ja-JP" altLang="en-US" dirty="0"/>
-              <a:t>における</a:t>
-            </a:r>
-            <a:r>
-              <a:rPr kumimoji="1" lang="en-US" altLang="ja-JP" dirty="0"/>
-              <a:t>f(x)</a:t>
-            </a:r>
-            <a:r>
-              <a:rPr kumimoji="1" lang="ja-JP" altLang="en-US" dirty="0"/>
-              <a:t>の変化量を</a:t>
+              <a:t>における勾配は</a:t>
+            </a:r>
+            <a:r>
+              <a:rPr lang="en-US" altLang="ja-JP" dirty="0"/>
+              <a:t>f’(a)</a:t>
             </a:r>
             <a:r>
               <a:rPr lang="ja-JP" altLang="en-US" dirty="0"/>
-              <a:t>用いて</a:t>
-            </a:r>
-            <a:r>
-              <a:rPr lang="en-US" altLang="ja-JP" dirty="0"/>
-              <a:t>f’(x)</a:t>
-            </a:r>
-            <a:r>
-              <a:rPr lang="ja-JP" altLang="en-US" dirty="0"/>
-              <a:t>を求める</a:t>
+              <a:t>ということ。</a:t>
             </a:r>
             <a:endParaRPr lang="en-US" altLang="ja-JP" dirty="0"/>
-          </a:p>
-          <a:p>
-            <a:pPr lvl="1"/>
-            <a:r>
-              <a:rPr kumimoji="1" lang="ja-JP" altLang="en-US" dirty="0"/>
-              <a:t>このとき</a:t>
-            </a:r>
-            <a:endParaRPr kumimoji="1" lang="en-US" altLang="ja-JP" dirty="0"/>
           </a:p>
           <a:p>
             <a:pPr lvl="1"/>
             <a:endParaRPr kumimoji="1" lang="en-US" altLang="ja-JP" dirty="0"/>
           </a:p>
           <a:p>
+            <a:r>
+              <a:rPr lang="ja-JP" altLang="en-US" dirty="0"/>
+              <a:t>勾配降下法というアルゴリズムで活躍する</a:t>
+            </a:r>
             <a:endParaRPr lang="en-US" altLang="ja-JP" dirty="0"/>
           </a:p>
           <a:p>
-            <a:endParaRPr kumimoji="1" lang="en-US" altLang="ja-JP" dirty="0"/>
-          </a:p>
-          <a:p>
-            <a:endParaRPr kumimoji="1" lang="en-US" altLang="ja-JP" dirty="0"/>
+            <a:pPr lvl="1"/>
+            <a:r>
+              <a:rPr kumimoji="1" lang="ja-JP" altLang="en-US" dirty="0"/>
+              <a:t>今後の活躍に期待。</a:t>
+            </a:r>
           </a:p>
         </p:txBody>
       </p:sp>
     </p:spTree>
     <p:extLst>
       <p:ext uri="{BB962C8B-B14F-4D97-AF65-F5344CB8AC3E}">
-        <p14:creationId xmlns:p14="http://schemas.microsoft.com/office/powerpoint/2010/main" val="24998684"/>
+        <p14:creationId xmlns:p14="http://schemas.microsoft.com/office/powerpoint/2010/main" val="4291606351"/>
+      </p:ext>
+    </p:extLst>
+  </p:cSld>
+  <p:clrMapOvr>
+    <a:masterClrMapping/>
+  </p:clrMapOvr>
+</p:sld>
+</file>
+
+<file path=ppt/slides/slide16.xml><?xml version="1.0" encoding="utf-8"?>
+<p:sld xmlns:a="http://schemas.openxmlformats.org/drawingml/2006/main" xmlns:r="http://schemas.openxmlformats.org/officeDocument/2006/relationships" xmlns:p="http://schemas.openxmlformats.org/presentationml/2006/main">
+  <p:cSld>
+    <p:spTree>
+      <p:nvGrpSpPr>
+        <p:cNvPr id="1" name=""/>
+        <p:cNvGrpSpPr/>
+        <p:nvPr/>
+      </p:nvGrpSpPr>
+      <p:grpSpPr>
+        <a:xfrm>
+          <a:off x="0" y="0"/>
+          <a:ext cx="0" cy="0"/>
+          <a:chOff x="0" y="0"/>
+          <a:chExt cx="0" cy="0"/>
+        </a:xfrm>
+      </p:grpSpPr>
+      <p:sp>
+        <p:nvSpPr>
+          <p:cNvPr id="2" name="タイトル 1">
+            <a:extLst>
+              <a:ext uri="{FF2B5EF4-FFF2-40B4-BE49-F238E27FC236}">
+                <a16:creationId xmlns:a16="http://schemas.microsoft.com/office/drawing/2014/main" id="{99758C69-AB15-4BDA-910E-C03B83BECE39}"/>
+              </a:ext>
+            </a:extLst>
+          </p:cNvPr>
+          <p:cNvSpPr>
+            <a:spLocks noGrp="1"/>
+          </p:cNvSpPr>
+          <p:nvPr>
+            <p:ph type="title"/>
+          </p:nvPr>
+        </p:nvSpPr>
+        <p:spPr/>
+        <p:txBody>
+          <a:bodyPr/>
+          <a:lstStyle/>
+          <a:p>
+            <a:r>
+              <a:rPr kumimoji="1" lang="ja-JP" altLang="en-US" dirty="0"/>
+              <a:t>微分の</a:t>
+            </a:r>
+            <a:r>
+              <a:rPr lang="ja-JP" altLang="en-US" dirty="0"/>
+              <a:t>性質</a:t>
+            </a:r>
+            <a:endParaRPr kumimoji="1" lang="ja-JP" altLang="en-US" dirty="0"/>
+          </a:p>
+        </p:txBody>
+      </p:sp>
+      <mc:AlternateContent xmlns:mc="http://schemas.openxmlformats.org/markup-compatibility/2006">
+        <mc:Choice xmlns:a14="http://schemas.microsoft.com/office/drawing/2010/main" Requires="a14">
+          <p:sp>
+            <p:nvSpPr>
+              <p:cNvPr id="3" name="コンテンツ プレースホルダー 2">
+                <a:extLst>
+                  <a:ext uri="{FF2B5EF4-FFF2-40B4-BE49-F238E27FC236}">
+                    <a16:creationId xmlns:a16="http://schemas.microsoft.com/office/drawing/2014/main" id="{47A32EA0-B128-41EE-AC17-267CB56186C2}"/>
+                  </a:ext>
+                </a:extLst>
+              </p:cNvPr>
+              <p:cNvSpPr>
+                <a:spLocks noGrp="1"/>
+              </p:cNvSpPr>
+              <p:nvPr>
+                <p:ph idx="1"/>
+              </p:nvPr>
+            </p:nvSpPr>
+            <p:spPr>
+              <a:xfrm>
+                <a:off x="838200" y="1479175"/>
+                <a:ext cx="10515600" cy="5242299"/>
+              </a:xfrm>
+            </p:spPr>
+            <p:txBody>
+              <a:bodyPr/>
+              <a:lstStyle/>
+              <a:p>
+                <a:r>
+                  <a:rPr kumimoji="1" lang="ja-JP" altLang="en-US" dirty="0"/>
+                  <a:t>加減算</a:t>
+                </a:r>
+                <a:endParaRPr kumimoji="1" lang="en-US" altLang="ja-JP" i="1" dirty="0">
+                  <a:latin typeface="Cambria Math" panose="02040503050406030204" pitchFamily="18" charset="0"/>
+                </a:endParaRPr>
+              </a:p>
+              <a:p>
+                <a:pPr lvl="1"/>
+                <a14:m>
+                  <m:oMath xmlns:m="http://schemas.openxmlformats.org/officeDocument/2006/math">
+                    <m:f>
+                      <m:fPr>
+                        <m:ctrlPr>
+                          <a:rPr kumimoji="1" lang="en-US" altLang="ja-JP" i="1" smtClean="0">
+                            <a:latin typeface="Cambria Math" panose="02040503050406030204" pitchFamily="18" charset="0"/>
+                          </a:rPr>
+                        </m:ctrlPr>
+                      </m:fPr>
+                      <m:num>
+                        <m:r>
+                          <a:rPr kumimoji="1" lang="en-US" altLang="ja-JP" i="1" smtClean="0">
+                            <a:latin typeface="Cambria Math" panose="02040503050406030204" pitchFamily="18" charset="0"/>
+                          </a:rPr>
+                          <m:t>𝑑</m:t>
+                        </m:r>
+                      </m:num>
+                      <m:den>
+                        <m:r>
+                          <a:rPr kumimoji="1" lang="en-US" altLang="ja-JP" i="1" smtClean="0">
+                            <a:latin typeface="Cambria Math" panose="02040503050406030204" pitchFamily="18" charset="0"/>
+                          </a:rPr>
+                          <m:t>𝑑𝑥</m:t>
+                        </m:r>
+                      </m:den>
+                    </m:f>
+                    <m:d>
+                      <m:dPr>
+                        <m:ctrlPr>
+                          <a:rPr kumimoji="1" lang="en-US" altLang="ja-JP" b="0" i="0" smtClean="0">
+                            <a:latin typeface="Cambria Math" panose="02040503050406030204" pitchFamily="18" charset="0"/>
+                          </a:rPr>
+                        </m:ctrlPr>
+                      </m:dPr>
+                      <m:e>
+                        <m:r>
+                          <m:rPr>
+                            <m:sty m:val="p"/>
+                          </m:rPr>
+                          <a:rPr kumimoji="1" lang="en-US" altLang="ja-JP" b="0" i="0" smtClean="0">
+                            <a:latin typeface="Cambria Math" panose="02040503050406030204" pitchFamily="18" charset="0"/>
+                          </a:rPr>
+                          <m:t>f</m:t>
+                        </m:r>
+                        <m:d>
+                          <m:dPr>
+                            <m:ctrlPr>
+                              <a:rPr kumimoji="1" lang="en-US" altLang="ja-JP" b="0" i="0" smtClean="0">
+                                <a:latin typeface="Cambria Math" panose="02040503050406030204" pitchFamily="18" charset="0"/>
+                              </a:rPr>
+                            </m:ctrlPr>
+                          </m:dPr>
+                          <m:e>
+                            <m:r>
+                              <m:rPr>
+                                <m:sty m:val="p"/>
+                              </m:rPr>
+                              <a:rPr kumimoji="1" lang="en-US" altLang="ja-JP" b="0" i="0" smtClean="0">
+                                <a:latin typeface="Cambria Math" panose="02040503050406030204" pitchFamily="18" charset="0"/>
+                              </a:rPr>
+                              <m:t>x</m:t>
+                            </m:r>
+                          </m:e>
+                        </m:d>
+                        <m:r>
+                          <a:rPr kumimoji="1" lang="en-US" altLang="ja-JP" b="0" i="0" smtClean="0">
+                            <a:latin typeface="Cambria Math" panose="02040503050406030204" pitchFamily="18" charset="0"/>
+                          </a:rPr>
+                          <m:t>+</m:t>
+                        </m:r>
+                        <m:r>
+                          <m:rPr>
+                            <m:sty m:val="p"/>
+                          </m:rPr>
+                          <a:rPr kumimoji="1" lang="en-US" altLang="ja-JP" b="0" i="0" smtClean="0">
+                            <a:latin typeface="Cambria Math" panose="02040503050406030204" pitchFamily="18" charset="0"/>
+                          </a:rPr>
+                          <m:t>g</m:t>
+                        </m:r>
+                        <m:d>
+                          <m:dPr>
+                            <m:ctrlPr>
+                              <a:rPr kumimoji="1" lang="en-US" altLang="ja-JP" b="0" i="0" smtClean="0">
+                                <a:latin typeface="Cambria Math" panose="02040503050406030204" pitchFamily="18" charset="0"/>
+                              </a:rPr>
+                            </m:ctrlPr>
+                          </m:dPr>
+                          <m:e>
+                            <m:r>
+                              <m:rPr>
+                                <m:sty m:val="p"/>
+                              </m:rPr>
+                              <a:rPr kumimoji="1" lang="en-US" altLang="ja-JP" b="0" i="0" smtClean="0">
+                                <a:latin typeface="Cambria Math" panose="02040503050406030204" pitchFamily="18" charset="0"/>
+                              </a:rPr>
+                              <m:t>x</m:t>
+                            </m:r>
+                          </m:e>
+                        </m:d>
+                      </m:e>
+                    </m:d>
+                    <m:r>
+                      <a:rPr kumimoji="1" lang="en-US" altLang="ja-JP" b="0" i="0" smtClean="0">
+                        <a:latin typeface="Cambria Math" panose="02040503050406030204" pitchFamily="18" charset="0"/>
+                      </a:rPr>
+                      <m:t>=</m:t>
+                    </m:r>
+                    <m:f>
+                      <m:fPr>
+                        <m:ctrlPr>
+                          <a:rPr lang="en-US" altLang="ja-JP" i="1">
+                            <a:latin typeface="Cambria Math" panose="02040503050406030204" pitchFamily="18" charset="0"/>
+                          </a:rPr>
+                        </m:ctrlPr>
+                      </m:fPr>
+                      <m:num>
+                        <m:r>
+                          <a:rPr lang="en-US" altLang="ja-JP" i="1">
+                            <a:latin typeface="Cambria Math" panose="02040503050406030204" pitchFamily="18" charset="0"/>
+                          </a:rPr>
+                          <m:t>𝑑</m:t>
+                        </m:r>
+                      </m:num>
+                      <m:den>
+                        <m:r>
+                          <a:rPr lang="en-US" altLang="ja-JP" i="1">
+                            <a:latin typeface="Cambria Math" panose="02040503050406030204" pitchFamily="18" charset="0"/>
+                          </a:rPr>
+                          <m:t>𝑑𝑥</m:t>
+                        </m:r>
+                      </m:den>
+                    </m:f>
+                    <m:r>
+                      <m:rPr>
+                        <m:sty m:val="p"/>
+                      </m:rPr>
+                      <a:rPr lang="en-US" altLang="ja-JP" b="0" i="0" smtClean="0">
+                        <a:latin typeface="Cambria Math" panose="02040503050406030204" pitchFamily="18" charset="0"/>
+                      </a:rPr>
+                      <m:t>f</m:t>
+                    </m:r>
+                    <m:d>
+                      <m:dPr>
+                        <m:ctrlPr>
+                          <a:rPr lang="en-US" altLang="ja-JP" b="0" i="0" smtClean="0">
+                            <a:latin typeface="Cambria Math" panose="02040503050406030204" pitchFamily="18" charset="0"/>
+                          </a:rPr>
+                        </m:ctrlPr>
+                      </m:dPr>
+                      <m:e>
+                        <m:r>
+                          <m:rPr>
+                            <m:sty m:val="p"/>
+                          </m:rPr>
+                          <a:rPr lang="en-US" altLang="ja-JP" b="0" i="0" smtClean="0">
+                            <a:latin typeface="Cambria Math" panose="02040503050406030204" pitchFamily="18" charset="0"/>
+                          </a:rPr>
+                          <m:t>x</m:t>
+                        </m:r>
+                      </m:e>
+                    </m:d>
+                    <m:r>
+                      <a:rPr lang="en-US" altLang="ja-JP" b="0" i="0" smtClean="0">
+                        <a:latin typeface="Cambria Math" panose="02040503050406030204" pitchFamily="18" charset="0"/>
+                      </a:rPr>
+                      <m:t>+</m:t>
+                    </m:r>
+                    <m:f>
+                      <m:fPr>
+                        <m:ctrlPr>
+                          <a:rPr lang="en-US" altLang="ja-JP" i="1">
+                            <a:latin typeface="Cambria Math" panose="02040503050406030204" pitchFamily="18" charset="0"/>
+                          </a:rPr>
+                        </m:ctrlPr>
+                      </m:fPr>
+                      <m:num>
+                        <m:r>
+                          <a:rPr lang="en-US" altLang="ja-JP" i="1">
+                            <a:latin typeface="Cambria Math" panose="02040503050406030204" pitchFamily="18" charset="0"/>
+                          </a:rPr>
+                          <m:t>𝑑</m:t>
+                        </m:r>
+                      </m:num>
+                      <m:den>
+                        <m:r>
+                          <a:rPr lang="en-US" altLang="ja-JP" i="1">
+                            <a:latin typeface="Cambria Math" panose="02040503050406030204" pitchFamily="18" charset="0"/>
+                          </a:rPr>
+                          <m:t>𝑑𝑥</m:t>
+                        </m:r>
+                      </m:den>
+                    </m:f>
+                    <m:r>
+                      <m:rPr>
+                        <m:sty m:val="p"/>
+                      </m:rPr>
+                      <a:rPr lang="en-US" altLang="ja-JP" b="0" i="0" smtClean="0">
+                        <a:latin typeface="Cambria Math" panose="02040503050406030204" pitchFamily="18" charset="0"/>
+                      </a:rPr>
+                      <m:t>g</m:t>
+                    </m:r>
+                    <m:r>
+                      <a:rPr lang="en-US" altLang="ja-JP" b="0" i="0" smtClean="0">
+                        <a:latin typeface="Cambria Math" panose="02040503050406030204" pitchFamily="18" charset="0"/>
+                      </a:rPr>
+                      <m:t>(</m:t>
+                    </m:r>
+                    <m:r>
+                      <m:rPr>
+                        <m:sty m:val="p"/>
+                      </m:rPr>
+                      <a:rPr lang="en-US" altLang="ja-JP" b="0" i="0" smtClean="0">
+                        <a:latin typeface="Cambria Math" panose="02040503050406030204" pitchFamily="18" charset="0"/>
+                      </a:rPr>
+                      <m:t>x</m:t>
+                    </m:r>
+                    <m:r>
+                      <a:rPr lang="en-US" altLang="ja-JP" b="0" i="0" smtClean="0">
+                        <a:latin typeface="Cambria Math" panose="02040503050406030204" pitchFamily="18" charset="0"/>
+                      </a:rPr>
+                      <m:t>)</m:t>
+                    </m:r>
+                  </m:oMath>
+                </a14:m>
+                <a:endParaRPr kumimoji="1" lang="en-US" altLang="ja-JP" dirty="0"/>
+              </a:p>
+              <a:p>
+                <a:pPr lvl="1"/>
+                <a:r>
+                  <a:rPr lang="ja-JP" altLang="en-US" dirty="0">
+                    <a:solidFill>
+                      <a:srgbClr val="FF0000"/>
+                    </a:solidFill>
+                  </a:rPr>
+                  <a:t>足してから微分しても、微分してから足しても同じ</a:t>
+                </a:r>
+                <a:endParaRPr lang="en-US" altLang="ja-JP" dirty="0">
+                  <a:solidFill>
+                    <a:srgbClr val="FF0000"/>
+                  </a:solidFill>
+                </a:endParaRPr>
+              </a:p>
+              <a:p>
+                <a:pPr lvl="1"/>
+                <a:endParaRPr lang="en-US" altLang="ja-JP" dirty="0">
+                  <a:solidFill>
+                    <a:srgbClr val="FF0000"/>
+                  </a:solidFill>
+                </a:endParaRPr>
+              </a:p>
+              <a:p>
+                <a:r>
+                  <a:rPr lang="ja-JP" altLang="en-US" dirty="0"/>
+                  <a:t>定数の扱い</a:t>
+                </a:r>
+                <a:endParaRPr lang="en-US" altLang="ja-JP" dirty="0"/>
+              </a:p>
+              <a:p>
+                <a:pPr lvl="1"/>
+                <a14:m>
+                  <m:oMath xmlns:m="http://schemas.openxmlformats.org/officeDocument/2006/math">
+                    <m:f>
+                      <m:fPr>
+                        <m:ctrlPr>
+                          <a:rPr lang="en-US" altLang="ja-JP" i="1">
+                            <a:latin typeface="Cambria Math" panose="02040503050406030204" pitchFamily="18" charset="0"/>
+                          </a:rPr>
+                        </m:ctrlPr>
+                      </m:fPr>
+                      <m:num>
+                        <m:r>
+                          <a:rPr lang="en-US" altLang="ja-JP" i="1">
+                            <a:latin typeface="Cambria Math" panose="02040503050406030204" pitchFamily="18" charset="0"/>
+                          </a:rPr>
+                          <m:t>𝑑</m:t>
+                        </m:r>
+                      </m:num>
+                      <m:den>
+                        <m:r>
+                          <a:rPr lang="en-US" altLang="ja-JP" i="1">
+                            <a:latin typeface="Cambria Math" panose="02040503050406030204" pitchFamily="18" charset="0"/>
+                          </a:rPr>
+                          <m:t>𝑑𝑥</m:t>
+                        </m:r>
+                      </m:den>
+                    </m:f>
+                    <m:r>
+                      <a:rPr lang="en-US" altLang="ja-JP" i="1">
+                        <a:latin typeface="Cambria Math" panose="02040503050406030204" pitchFamily="18" charset="0"/>
+                      </a:rPr>
+                      <m:t> </m:t>
+                    </m:r>
+                    <m:r>
+                      <m:rPr>
+                        <m:sty m:val="p"/>
+                      </m:rPr>
+                      <a:rPr lang="en-US" altLang="ja-JP" b="0" i="0" smtClean="0">
+                        <a:latin typeface="Cambria Math" panose="02040503050406030204" pitchFamily="18" charset="0"/>
+                      </a:rPr>
+                      <m:t>k</m:t>
+                    </m:r>
+                    <m:r>
+                      <m:rPr>
+                        <m:sty m:val="p"/>
+                      </m:rPr>
+                      <a:rPr lang="en-US" altLang="ja-JP">
+                        <a:latin typeface="Cambria Math" panose="02040503050406030204" pitchFamily="18" charset="0"/>
+                      </a:rPr>
+                      <m:t>f</m:t>
+                    </m:r>
+                    <m:d>
+                      <m:dPr>
+                        <m:ctrlPr>
+                          <a:rPr lang="en-US" altLang="ja-JP" i="1">
+                            <a:latin typeface="Cambria Math" panose="02040503050406030204" pitchFamily="18" charset="0"/>
+                          </a:rPr>
+                        </m:ctrlPr>
+                      </m:dPr>
+                      <m:e>
+                        <m:r>
+                          <m:rPr>
+                            <m:sty m:val="p"/>
+                          </m:rPr>
+                          <a:rPr lang="en-US" altLang="ja-JP">
+                            <a:latin typeface="Cambria Math" panose="02040503050406030204" pitchFamily="18" charset="0"/>
+                          </a:rPr>
+                          <m:t>x</m:t>
+                        </m:r>
+                      </m:e>
+                    </m:d>
+                    <m:r>
+                      <a:rPr lang="en-US" altLang="ja-JP" b="0" i="0" smtClean="0">
+                        <a:latin typeface="Cambria Math" panose="02040503050406030204" pitchFamily="18" charset="0"/>
+                      </a:rPr>
+                      <m:t>=</m:t>
+                    </m:r>
+                    <m:r>
+                      <m:rPr>
+                        <m:sty m:val="p"/>
+                      </m:rPr>
+                      <a:rPr lang="en-US" altLang="ja-JP" b="0" i="0" smtClean="0">
+                        <a:latin typeface="Cambria Math" panose="02040503050406030204" pitchFamily="18" charset="0"/>
+                      </a:rPr>
+                      <m:t>k</m:t>
+                    </m:r>
+                    <m:f>
+                      <m:fPr>
+                        <m:ctrlPr>
+                          <a:rPr lang="en-US" altLang="ja-JP" i="1">
+                            <a:latin typeface="Cambria Math" panose="02040503050406030204" pitchFamily="18" charset="0"/>
+                          </a:rPr>
+                        </m:ctrlPr>
+                      </m:fPr>
+                      <m:num>
+                        <m:r>
+                          <a:rPr lang="en-US" altLang="ja-JP" i="1">
+                            <a:latin typeface="Cambria Math" panose="02040503050406030204" pitchFamily="18" charset="0"/>
+                          </a:rPr>
+                          <m:t>𝑑</m:t>
+                        </m:r>
+                      </m:num>
+                      <m:den>
+                        <m:r>
+                          <a:rPr lang="en-US" altLang="ja-JP" i="1">
+                            <a:latin typeface="Cambria Math" panose="02040503050406030204" pitchFamily="18" charset="0"/>
+                          </a:rPr>
+                          <m:t>𝑑𝑥</m:t>
+                        </m:r>
+                      </m:den>
+                    </m:f>
+                    <m:r>
+                      <a:rPr lang="en-US" altLang="ja-JP" i="1">
+                        <a:latin typeface="Cambria Math" panose="02040503050406030204" pitchFamily="18" charset="0"/>
+                      </a:rPr>
+                      <m:t> </m:t>
+                    </m:r>
+                    <m:r>
+                      <m:rPr>
+                        <m:sty m:val="p"/>
+                      </m:rPr>
+                      <a:rPr lang="en-US" altLang="ja-JP">
+                        <a:latin typeface="Cambria Math" panose="02040503050406030204" pitchFamily="18" charset="0"/>
+                      </a:rPr>
+                      <m:t>f</m:t>
+                    </m:r>
+                    <m:d>
+                      <m:dPr>
+                        <m:ctrlPr>
+                          <a:rPr lang="en-US" altLang="ja-JP" i="1">
+                            <a:latin typeface="Cambria Math" panose="02040503050406030204" pitchFamily="18" charset="0"/>
+                          </a:rPr>
+                        </m:ctrlPr>
+                      </m:dPr>
+                      <m:e>
+                        <m:r>
+                          <m:rPr>
+                            <m:sty m:val="p"/>
+                          </m:rPr>
+                          <a:rPr lang="en-US" altLang="ja-JP">
+                            <a:latin typeface="Cambria Math" panose="02040503050406030204" pitchFamily="18" charset="0"/>
+                          </a:rPr>
+                          <m:t>x</m:t>
+                        </m:r>
+                      </m:e>
+                    </m:d>
+                  </m:oMath>
+                </a14:m>
+                <a:endParaRPr lang="en-US" altLang="ja-JP" dirty="0"/>
+              </a:p>
+              <a:p>
+                <a:pPr lvl="1"/>
+                <a:r>
+                  <a:rPr lang="ja-JP" altLang="en-US" dirty="0">
+                    <a:solidFill>
+                      <a:srgbClr val="FF0000"/>
+                    </a:solidFill>
+                  </a:rPr>
+                  <a:t>定数は後から掛けても先に掛けても良い</a:t>
+                </a:r>
+                <a:endParaRPr lang="en-US" altLang="ja-JP" dirty="0">
+                  <a:solidFill>
+                    <a:srgbClr val="FF0000"/>
+                  </a:solidFill>
+                </a:endParaRPr>
+              </a:p>
+              <a:p>
+                <a:pPr lvl="1"/>
+                <a:endParaRPr kumimoji="1" lang="en-US" altLang="ja-JP" dirty="0"/>
+              </a:p>
+              <a:p>
+                <a:r>
+                  <a:rPr kumimoji="1" lang="ja-JP" altLang="en-US" dirty="0"/>
+                  <a:t>乗除算</a:t>
+                </a:r>
+                <a:endParaRPr kumimoji="1" lang="en-US" altLang="ja-JP" dirty="0"/>
+              </a:p>
+              <a:p>
+                <a:pPr lvl="1"/>
+                <a14:m>
+                  <m:oMath xmlns:m="http://schemas.openxmlformats.org/officeDocument/2006/math">
+                    <m:f>
+                      <m:fPr>
+                        <m:ctrlPr>
+                          <a:rPr lang="en-US" altLang="ja-JP" i="1">
+                            <a:latin typeface="Cambria Math" panose="02040503050406030204" pitchFamily="18" charset="0"/>
+                          </a:rPr>
+                        </m:ctrlPr>
+                      </m:fPr>
+                      <m:num>
+                        <m:r>
+                          <a:rPr lang="en-US" altLang="ja-JP" i="1">
+                            <a:latin typeface="Cambria Math" panose="02040503050406030204" pitchFamily="18" charset="0"/>
+                          </a:rPr>
+                          <m:t>𝑑</m:t>
+                        </m:r>
+                      </m:num>
+                      <m:den>
+                        <m:r>
+                          <a:rPr lang="en-US" altLang="ja-JP" i="1">
+                            <a:latin typeface="Cambria Math" panose="02040503050406030204" pitchFamily="18" charset="0"/>
+                          </a:rPr>
+                          <m:t>𝑑𝑥</m:t>
+                        </m:r>
+                      </m:den>
+                    </m:f>
+                    <m:d>
+                      <m:dPr>
+                        <m:ctrlPr>
+                          <a:rPr lang="en-US" altLang="ja-JP" i="1">
+                            <a:latin typeface="Cambria Math" panose="02040503050406030204" pitchFamily="18" charset="0"/>
+                          </a:rPr>
+                        </m:ctrlPr>
+                      </m:dPr>
+                      <m:e>
+                        <m:r>
+                          <m:rPr>
+                            <m:sty m:val="p"/>
+                          </m:rPr>
+                          <a:rPr lang="en-US" altLang="ja-JP">
+                            <a:latin typeface="Cambria Math" panose="02040503050406030204" pitchFamily="18" charset="0"/>
+                          </a:rPr>
+                          <m:t>f</m:t>
+                        </m:r>
+                        <m:d>
+                          <m:dPr>
+                            <m:ctrlPr>
+                              <a:rPr lang="en-US" altLang="ja-JP" i="1">
+                                <a:latin typeface="Cambria Math" panose="02040503050406030204" pitchFamily="18" charset="0"/>
+                              </a:rPr>
+                            </m:ctrlPr>
+                          </m:dPr>
+                          <m:e>
+                            <m:r>
+                              <m:rPr>
+                                <m:sty m:val="p"/>
+                              </m:rPr>
+                              <a:rPr lang="en-US" altLang="ja-JP">
+                                <a:latin typeface="Cambria Math" panose="02040503050406030204" pitchFamily="18" charset="0"/>
+                              </a:rPr>
+                              <m:t>x</m:t>
+                            </m:r>
+                          </m:e>
+                        </m:d>
+                        <m:r>
+                          <m:rPr>
+                            <m:sty m:val="p"/>
+                          </m:rPr>
+                          <a:rPr lang="en-US" altLang="ja-JP">
+                            <a:latin typeface="Cambria Math" panose="02040503050406030204" pitchFamily="18" charset="0"/>
+                          </a:rPr>
+                          <m:t>g</m:t>
+                        </m:r>
+                        <m:d>
+                          <m:dPr>
+                            <m:ctrlPr>
+                              <a:rPr lang="en-US" altLang="ja-JP" i="1">
+                                <a:latin typeface="Cambria Math" panose="02040503050406030204" pitchFamily="18" charset="0"/>
+                              </a:rPr>
+                            </m:ctrlPr>
+                          </m:dPr>
+                          <m:e>
+                            <m:r>
+                              <m:rPr>
+                                <m:sty m:val="p"/>
+                              </m:rPr>
+                              <a:rPr lang="en-US" altLang="ja-JP">
+                                <a:latin typeface="Cambria Math" panose="02040503050406030204" pitchFamily="18" charset="0"/>
+                              </a:rPr>
+                              <m:t>x</m:t>
+                            </m:r>
+                          </m:e>
+                        </m:d>
+                      </m:e>
+                    </m:d>
+                    <m:r>
+                      <a:rPr lang="en-US" altLang="ja-JP">
+                        <a:latin typeface="Cambria Math" panose="02040503050406030204" pitchFamily="18" charset="0"/>
+                      </a:rPr>
+                      <m:t>=</m:t>
+                    </m:r>
+                    <m:r>
+                      <m:rPr>
+                        <m:sty m:val="p"/>
+                      </m:rPr>
+                      <a:rPr lang="en-US" altLang="ja-JP">
+                        <a:latin typeface="Cambria Math" panose="02040503050406030204" pitchFamily="18" charset="0"/>
+                      </a:rPr>
+                      <m:t>g</m:t>
+                    </m:r>
+                    <m:r>
+                      <a:rPr lang="en-US" altLang="ja-JP">
+                        <a:latin typeface="Cambria Math" panose="02040503050406030204" pitchFamily="18" charset="0"/>
+                      </a:rPr>
+                      <m:t>(</m:t>
+                    </m:r>
+                    <m:r>
+                      <m:rPr>
+                        <m:sty m:val="p"/>
+                      </m:rPr>
+                      <a:rPr lang="en-US" altLang="ja-JP">
+                        <a:latin typeface="Cambria Math" panose="02040503050406030204" pitchFamily="18" charset="0"/>
+                      </a:rPr>
+                      <m:t>x</m:t>
+                    </m:r>
+                    <m:r>
+                      <a:rPr lang="en-US" altLang="ja-JP">
+                        <a:latin typeface="Cambria Math" panose="02040503050406030204" pitchFamily="18" charset="0"/>
+                      </a:rPr>
+                      <m:t>)</m:t>
+                    </m:r>
+                    <m:f>
+                      <m:fPr>
+                        <m:ctrlPr>
+                          <a:rPr lang="en-US" altLang="ja-JP" i="1">
+                            <a:latin typeface="Cambria Math" panose="02040503050406030204" pitchFamily="18" charset="0"/>
+                          </a:rPr>
+                        </m:ctrlPr>
+                      </m:fPr>
+                      <m:num>
+                        <m:r>
+                          <a:rPr lang="en-US" altLang="ja-JP" i="1">
+                            <a:latin typeface="Cambria Math" panose="02040503050406030204" pitchFamily="18" charset="0"/>
+                          </a:rPr>
+                          <m:t>𝑑</m:t>
+                        </m:r>
+                      </m:num>
+                      <m:den>
+                        <m:r>
+                          <a:rPr lang="en-US" altLang="ja-JP" i="1">
+                            <a:latin typeface="Cambria Math" panose="02040503050406030204" pitchFamily="18" charset="0"/>
+                          </a:rPr>
+                          <m:t>𝑑𝑥</m:t>
+                        </m:r>
+                      </m:den>
+                    </m:f>
+                    <m:r>
+                      <m:rPr>
+                        <m:sty m:val="p"/>
+                      </m:rPr>
+                      <a:rPr lang="en-US" altLang="ja-JP">
+                        <a:latin typeface="Cambria Math" panose="02040503050406030204" pitchFamily="18" charset="0"/>
+                      </a:rPr>
+                      <m:t>f</m:t>
+                    </m:r>
+                    <m:d>
+                      <m:dPr>
+                        <m:ctrlPr>
+                          <a:rPr lang="en-US" altLang="ja-JP" i="1">
+                            <a:latin typeface="Cambria Math" panose="02040503050406030204" pitchFamily="18" charset="0"/>
+                          </a:rPr>
+                        </m:ctrlPr>
+                      </m:dPr>
+                      <m:e>
+                        <m:r>
+                          <m:rPr>
+                            <m:sty m:val="p"/>
+                          </m:rPr>
+                          <a:rPr lang="en-US" altLang="ja-JP">
+                            <a:latin typeface="Cambria Math" panose="02040503050406030204" pitchFamily="18" charset="0"/>
+                          </a:rPr>
+                          <m:t>x</m:t>
+                        </m:r>
+                      </m:e>
+                    </m:d>
+                    <m:r>
+                      <a:rPr lang="en-US" altLang="ja-JP">
+                        <a:latin typeface="Cambria Math" panose="02040503050406030204" pitchFamily="18" charset="0"/>
+                      </a:rPr>
+                      <m:t>+</m:t>
+                    </m:r>
+                    <m:r>
+                      <m:rPr>
+                        <m:sty m:val="p"/>
+                      </m:rPr>
+                      <a:rPr lang="en-US" altLang="ja-JP">
+                        <a:latin typeface="Cambria Math" panose="02040503050406030204" pitchFamily="18" charset="0"/>
+                      </a:rPr>
+                      <m:t>f</m:t>
+                    </m:r>
+                    <m:d>
+                      <m:dPr>
+                        <m:ctrlPr>
+                          <a:rPr lang="en-US" altLang="ja-JP" i="1">
+                            <a:latin typeface="Cambria Math" panose="02040503050406030204" pitchFamily="18" charset="0"/>
+                          </a:rPr>
+                        </m:ctrlPr>
+                      </m:dPr>
+                      <m:e>
+                        <m:r>
+                          <m:rPr>
+                            <m:sty m:val="p"/>
+                          </m:rPr>
+                          <a:rPr lang="en-US" altLang="ja-JP">
+                            <a:latin typeface="Cambria Math" panose="02040503050406030204" pitchFamily="18" charset="0"/>
+                          </a:rPr>
+                          <m:t>x</m:t>
+                        </m:r>
+                      </m:e>
+                    </m:d>
+                    <m:f>
+                      <m:fPr>
+                        <m:ctrlPr>
+                          <a:rPr lang="en-US" altLang="ja-JP" i="1">
+                            <a:latin typeface="Cambria Math" panose="02040503050406030204" pitchFamily="18" charset="0"/>
+                          </a:rPr>
+                        </m:ctrlPr>
+                      </m:fPr>
+                      <m:num>
+                        <m:r>
+                          <a:rPr lang="en-US" altLang="ja-JP" i="1">
+                            <a:latin typeface="Cambria Math" panose="02040503050406030204" pitchFamily="18" charset="0"/>
+                          </a:rPr>
+                          <m:t>𝑑</m:t>
+                        </m:r>
+                      </m:num>
+                      <m:den>
+                        <m:r>
+                          <a:rPr lang="en-US" altLang="ja-JP" i="1">
+                            <a:latin typeface="Cambria Math" panose="02040503050406030204" pitchFamily="18" charset="0"/>
+                          </a:rPr>
+                          <m:t>𝑑𝑥</m:t>
+                        </m:r>
+                      </m:den>
+                    </m:f>
+                    <m:r>
+                      <m:rPr>
+                        <m:sty m:val="p"/>
+                      </m:rPr>
+                      <a:rPr lang="en-US" altLang="ja-JP">
+                        <a:latin typeface="Cambria Math" panose="02040503050406030204" pitchFamily="18" charset="0"/>
+                      </a:rPr>
+                      <m:t>g</m:t>
+                    </m:r>
+                    <m:r>
+                      <a:rPr lang="en-US" altLang="ja-JP">
+                        <a:latin typeface="Cambria Math" panose="02040503050406030204" pitchFamily="18" charset="0"/>
+                      </a:rPr>
+                      <m:t>(</m:t>
+                    </m:r>
+                    <m:r>
+                      <m:rPr>
+                        <m:sty m:val="p"/>
+                      </m:rPr>
+                      <a:rPr lang="en-US" altLang="ja-JP">
+                        <a:latin typeface="Cambria Math" panose="02040503050406030204" pitchFamily="18" charset="0"/>
+                      </a:rPr>
+                      <m:t>x</m:t>
+                    </m:r>
+                    <m:r>
+                      <a:rPr lang="en-US" altLang="ja-JP">
+                        <a:latin typeface="Cambria Math" panose="02040503050406030204" pitchFamily="18" charset="0"/>
+                      </a:rPr>
+                      <m:t>)</m:t>
+                    </m:r>
+                  </m:oMath>
+                </a14:m>
+                <a:endParaRPr lang="en-US" altLang="ja-JP" dirty="0"/>
+              </a:p>
+              <a:p>
+                <a:pPr lvl="1"/>
+                <a:r>
+                  <a:rPr lang="ja-JP" altLang="en-US" dirty="0">
+                    <a:solidFill>
+                      <a:srgbClr val="FF0000"/>
+                    </a:solidFill>
+                  </a:rPr>
+                  <a:t>お互いにお互いを定数として扱っていると考えると楽</a:t>
+                </a:r>
+                <a:endParaRPr lang="en-US" altLang="ja-JP" dirty="0">
+                  <a:solidFill>
+                    <a:srgbClr val="FF0000"/>
+                  </a:solidFill>
+                </a:endParaRPr>
+              </a:p>
+            </p:txBody>
+          </p:sp>
+        </mc:Choice>
+        <mc:Fallback>
+          <p:sp>
+            <p:nvSpPr>
+              <p:cNvPr id="3" name="コンテンツ プレースホルダー 2">
+                <a:extLst>
+                  <a:ext uri="{FF2B5EF4-FFF2-40B4-BE49-F238E27FC236}">
+                    <a16:creationId xmlns:a16="http://schemas.microsoft.com/office/drawing/2014/main" id="{47A32EA0-B128-41EE-AC17-267CB56186C2}"/>
+                  </a:ext>
+                </a:extLst>
+              </p:cNvPr>
+              <p:cNvSpPr>
+                <a:spLocks noGrp="1" noRot="1" noChangeAspect="1" noMove="1" noResize="1" noEditPoints="1" noAdjustHandles="1" noChangeArrowheads="1" noChangeShapeType="1" noTextEdit="1"/>
+              </p:cNvSpPr>
+              <p:nvPr>
+                <p:ph idx="1"/>
+              </p:nvPr>
+            </p:nvSpPr>
+            <p:spPr>
+              <a:xfrm>
+                <a:off x="838200" y="1479175"/>
+                <a:ext cx="10515600" cy="5242299"/>
+              </a:xfrm>
+              <a:blipFill>
+                <a:blip r:embed="rId2"/>
+                <a:stretch>
+                  <a:fillRect l="-1043" t="-1977"/>
+                </a:stretch>
+              </a:blipFill>
+            </p:spPr>
+            <p:txBody>
+              <a:bodyPr/>
+              <a:lstStyle/>
+              <a:p>
+                <a:r>
+                  <a:rPr lang="ja-JP" altLang="en-US">
+                    <a:noFill/>
+                  </a:rPr>
+                  <a:t> </a:t>
+                </a:r>
+              </a:p>
+            </p:txBody>
+          </p:sp>
+        </mc:Fallback>
+      </mc:AlternateContent>
+    </p:spTree>
+    <p:extLst>
+      <p:ext uri="{BB962C8B-B14F-4D97-AF65-F5344CB8AC3E}">
+        <p14:creationId xmlns:p14="http://schemas.microsoft.com/office/powerpoint/2010/main" val="246651663"/>
+      </p:ext>
+    </p:extLst>
+  </p:cSld>
+  <p:clrMapOvr>
+    <a:masterClrMapping/>
+  </p:clrMapOvr>
+</p:sld>
+</file>
+
+<file path=ppt/slides/slide17.xml><?xml version="1.0" encoding="utf-8"?>
+<p:sld xmlns:a="http://schemas.openxmlformats.org/drawingml/2006/main" xmlns:r="http://schemas.openxmlformats.org/officeDocument/2006/relationships" xmlns:p="http://schemas.openxmlformats.org/presentationml/2006/main">
+  <p:cSld>
+    <p:spTree>
+      <p:nvGrpSpPr>
+        <p:cNvPr id="1" name=""/>
+        <p:cNvGrpSpPr/>
+        <p:nvPr/>
+      </p:nvGrpSpPr>
+      <p:grpSpPr>
+        <a:xfrm>
+          <a:off x="0" y="0"/>
+          <a:ext cx="0" cy="0"/>
+          <a:chOff x="0" y="0"/>
+          <a:chExt cx="0" cy="0"/>
+        </a:xfrm>
+      </p:grpSpPr>
+      <p:sp>
+        <p:nvSpPr>
+          <p:cNvPr id="2" name="タイトル 1">
+            <a:extLst>
+              <a:ext uri="{FF2B5EF4-FFF2-40B4-BE49-F238E27FC236}">
+                <a16:creationId xmlns:a16="http://schemas.microsoft.com/office/drawing/2014/main" id="{4E13B7BC-6375-4C54-A751-4888F39924C5}"/>
+              </a:ext>
+            </a:extLst>
+          </p:cNvPr>
+          <p:cNvSpPr>
+            <a:spLocks noGrp="1"/>
+          </p:cNvSpPr>
+          <p:nvPr>
+            <p:ph type="title"/>
+          </p:nvPr>
+        </p:nvSpPr>
+        <p:spPr/>
+        <p:txBody>
+          <a:bodyPr/>
+          <a:lstStyle/>
+          <a:p>
+            <a:r>
+              <a:rPr kumimoji="1" lang="ja-JP" altLang="en-US" dirty="0"/>
+              <a:t>微分の性質　</a:t>
+            </a:r>
+            <a:r>
+              <a:rPr kumimoji="1" lang="en-US" altLang="ja-JP" dirty="0"/>
+              <a:t>2</a:t>
+            </a:r>
+            <a:endParaRPr kumimoji="1" lang="ja-JP" altLang="en-US" dirty="0"/>
+          </a:p>
+        </p:txBody>
+      </p:sp>
+      <mc:AlternateContent xmlns:mc="http://schemas.openxmlformats.org/markup-compatibility/2006">
+        <mc:Choice xmlns:a14="http://schemas.microsoft.com/office/drawing/2010/main" Requires="a14">
+          <p:sp>
+            <p:nvSpPr>
+              <p:cNvPr id="3" name="コンテンツ プレースホルダー 2">
+                <a:extLst>
+                  <a:ext uri="{FF2B5EF4-FFF2-40B4-BE49-F238E27FC236}">
+                    <a16:creationId xmlns:a16="http://schemas.microsoft.com/office/drawing/2014/main" id="{A487666A-CC9D-4BE5-B769-CC7339308E33}"/>
+                  </a:ext>
+                </a:extLst>
+              </p:cNvPr>
+              <p:cNvSpPr>
+                <a:spLocks noGrp="1"/>
+              </p:cNvSpPr>
+              <p:nvPr>
+                <p:ph idx="1"/>
+              </p:nvPr>
+            </p:nvSpPr>
+            <p:spPr/>
+            <p:txBody>
+              <a:bodyPr/>
+              <a:lstStyle/>
+              <a:p>
+                <a:r>
+                  <a:rPr kumimoji="1" lang="ja-JP" altLang="en-US" dirty="0"/>
+                  <a:t>累乗</a:t>
+                </a:r>
+                <a:endParaRPr kumimoji="1" lang="en-US" altLang="ja-JP" dirty="0"/>
+              </a:p>
+              <a:p>
+                <a:pPr lvl="1"/>
+                <a14:m>
+                  <m:oMath xmlns:m="http://schemas.openxmlformats.org/officeDocument/2006/math">
+                    <m:f>
+                      <m:fPr>
+                        <m:ctrlPr>
+                          <a:rPr lang="en-US" altLang="ja-JP" i="1">
+                            <a:latin typeface="Cambria Math" panose="02040503050406030204" pitchFamily="18" charset="0"/>
+                          </a:rPr>
+                        </m:ctrlPr>
+                      </m:fPr>
+                      <m:num>
+                        <m:r>
+                          <a:rPr lang="en-US" altLang="ja-JP" i="1">
+                            <a:latin typeface="Cambria Math" panose="02040503050406030204" pitchFamily="18" charset="0"/>
+                          </a:rPr>
+                          <m:t>𝑑</m:t>
+                        </m:r>
+                      </m:num>
+                      <m:den>
+                        <m:r>
+                          <a:rPr lang="en-US" altLang="ja-JP" i="1">
+                            <a:latin typeface="Cambria Math" panose="02040503050406030204" pitchFamily="18" charset="0"/>
+                          </a:rPr>
+                          <m:t>𝑑𝑥</m:t>
+                        </m:r>
+                      </m:den>
+                    </m:f>
+                    <m:sSup>
+                      <m:sSupPr>
+                        <m:ctrlPr>
+                          <a:rPr kumimoji="1" lang="ja-JP" altLang="en-US" dirty="0" smtClean="0">
+                            <a:latin typeface="Cambria Math" panose="02040503050406030204" pitchFamily="18" charset="0"/>
+                          </a:rPr>
+                        </m:ctrlPr>
+                      </m:sSupPr>
+                      <m:e>
+                        <m:r>
+                          <a:rPr kumimoji="1" lang="ja-JP" altLang="en-US" i="1" dirty="0">
+                            <a:latin typeface="Cambria Math" panose="02040503050406030204" pitchFamily="18" charset="0"/>
+                          </a:rPr>
+                          <m:t>𝑟</m:t>
+                        </m:r>
+                      </m:e>
+                      <m:sup>
+                        <m:r>
+                          <a:rPr kumimoji="1" lang="ja-JP" altLang="en-US" i="1" dirty="0">
+                            <a:latin typeface="Cambria Math" panose="02040503050406030204" pitchFamily="18" charset="0"/>
+                          </a:rPr>
+                          <m:t>𝑥</m:t>
+                        </m:r>
+                      </m:sup>
+                    </m:sSup>
+                    <m:r>
+                      <a:rPr kumimoji="1" lang="en-US" altLang="ja-JP" b="0" i="0" dirty="0" smtClean="0">
+                        <a:latin typeface="Cambria Math" panose="02040503050406030204" pitchFamily="18" charset="0"/>
+                      </a:rPr>
+                      <m:t>=</m:t>
+                    </m:r>
+                  </m:oMath>
+                </a14:m>
+                <a:r>
+                  <a:rPr lang="ja-JP" altLang="en-US" dirty="0"/>
+                  <a:t> </a:t>
+                </a:r>
+                <a14:m>
+                  <m:oMath xmlns:m="http://schemas.openxmlformats.org/officeDocument/2006/math">
+                    <m:sSup>
+                      <m:sSupPr>
+                        <m:ctrlPr>
+                          <a:rPr lang="ja-JP" altLang="en-US" i="1" dirty="0">
+                            <a:latin typeface="Cambria Math" panose="02040503050406030204" pitchFamily="18" charset="0"/>
+                          </a:rPr>
+                        </m:ctrlPr>
+                      </m:sSupPr>
+                      <m:e>
+                        <m:r>
+                          <a:rPr lang="ja-JP" altLang="en-US" i="1" dirty="0">
+                            <a:latin typeface="Cambria Math" panose="02040503050406030204" pitchFamily="18" charset="0"/>
+                          </a:rPr>
+                          <m:t>𝑟</m:t>
+                        </m:r>
+                      </m:e>
+                      <m:sup>
+                        <m:r>
+                          <a:rPr lang="ja-JP" altLang="en-US" i="1" dirty="0">
+                            <a:latin typeface="Cambria Math" panose="02040503050406030204" pitchFamily="18" charset="0"/>
+                          </a:rPr>
+                          <m:t>𝑥</m:t>
+                        </m:r>
+                      </m:sup>
+                    </m:sSup>
+                    <m:r>
+                      <m:rPr>
+                        <m:sty m:val="p"/>
+                      </m:rPr>
+                      <a:rPr lang="en-US" altLang="ja-JP" b="0" i="0" dirty="0" smtClean="0">
+                        <a:latin typeface="Cambria Math" panose="02040503050406030204" pitchFamily="18" charset="0"/>
+                      </a:rPr>
+                      <m:t>log</m:t>
+                    </m:r>
+                    <m:r>
+                      <a:rPr lang="en-US" altLang="ja-JP" b="0" i="0" dirty="0" smtClean="0">
+                        <a:latin typeface="Cambria Math" panose="02040503050406030204" pitchFamily="18" charset="0"/>
+                      </a:rPr>
+                      <m:t> </m:t>
+                    </m:r>
+                    <m:r>
+                      <m:rPr>
+                        <m:sty m:val="p"/>
+                      </m:rPr>
+                      <a:rPr lang="en-US" altLang="ja-JP" b="0" i="0" dirty="0" smtClean="0">
+                        <a:latin typeface="Cambria Math" panose="02040503050406030204" pitchFamily="18" charset="0"/>
+                      </a:rPr>
+                      <m:t>r</m:t>
+                    </m:r>
+                  </m:oMath>
+                </a14:m>
+                <a:endParaRPr lang="en-US" altLang="ja-JP" b="0" dirty="0"/>
+              </a:p>
+              <a:p>
+                <a:pPr lvl="1"/>
+                <a:r>
+                  <a:rPr lang="ja-JP" altLang="en-US" b="0" dirty="0">
+                    <a:solidFill>
+                      <a:srgbClr val="FF0000"/>
+                    </a:solidFill>
+                  </a:rPr>
+                  <a:t>指数関数では</a:t>
+                </a:r>
+                <a:r>
+                  <a:rPr lang="en-US" altLang="ja-JP" b="0" dirty="0">
+                    <a:solidFill>
+                      <a:srgbClr val="FF0000"/>
+                    </a:solidFill>
+                  </a:rPr>
+                  <a:t>log r </a:t>
+                </a:r>
+                <a:r>
+                  <a:rPr lang="ja-JP" altLang="en-US" b="0" dirty="0">
+                    <a:solidFill>
+                      <a:srgbClr val="FF0000"/>
+                    </a:solidFill>
+                  </a:rPr>
+                  <a:t>が出てくる。指数は減らないので注意。</a:t>
+                </a:r>
+                <a:endParaRPr lang="en-US" altLang="ja-JP" b="0" dirty="0">
+                  <a:solidFill>
+                    <a:srgbClr val="FF0000"/>
+                  </a:solidFill>
+                </a:endParaRPr>
+              </a:p>
+              <a:p>
+                <a:pPr lvl="1"/>
+                <a:endParaRPr lang="en-US" altLang="ja-JP" dirty="0"/>
+              </a:p>
+              <a:p>
+                <a:r>
+                  <a:rPr lang="ja-JP" altLang="en-US" b="0" dirty="0"/>
+                  <a:t>ネイピア数の見所さん</a:t>
+                </a:r>
+                <a:endParaRPr lang="en-US" altLang="ja-JP" b="0" dirty="0"/>
+              </a:p>
+              <a:p>
+                <a:pPr lvl="1"/>
+                <a:r>
+                  <a:rPr lang="ja-JP" altLang="en-US" dirty="0"/>
+                  <a:t>累乗の微分の際、</a:t>
+                </a:r>
+                <a:r>
+                  <a:rPr lang="ja-JP" altLang="en-US" dirty="0">
+                    <a:solidFill>
+                      <a:srgbClr val="FF0000"/>
+                    </a:solidFill>
+                  </a:rPr>
+                  <a:t>底が</a:t>
+                </a:r>
+                <a:r>
+                  <a:rPr lang="en-US" altLang="ja-JP" dirty="0">
+                    <a:solidFill>
+                      <a:srgbClr val="FF0000"/>
+                    </a:solidFill>
+                  </a:rPr>
+                  <a:t>e</a:t>
+                </a:r>
+                <a:r>
+                  <a:rPr lang="ja-JP" altLang="en-US" dirty="0">
+                    <a:solidFill>
+                      <a:srgbClr val="FF0000"/>
+                    </a:solidFill>
+                  </a:rPr>
+                  <a:t>なら、</a:t>
+                </a:r>
+                <a:r>
+                  <a:rPr lang="en-US" altLang="ja-JP" dirty="0">
+                    <a:solidFill>
+                      <a:srgbClr val="FF0000"/>
+                    </a:solidFill>
+                  </a:rPr>
+                  <a:t>log e</a:t>
+                </a:r>
+                <a:r>
+                  <a:rPr lang="ja-JP" altLang="en-US" dirty="0">
+                    <a:solidFill>
+                      <a:srgbClr val="FF0000"/>
+                    </a:solidFill>
+                  </a:rPr>
+                  <a:t>＝</a:t>
+                </a:r>
+                <a:r>
+                  <a:rPr lang="en-US" altLang="ja-JP" dirty="0">
+                    <a:solidFill>
+                      <a:srgbClr val="FF0000"/>
+                    </a:solidFill>
+                  </a:rPr>
+                  <a:t>1</a:t>
+                </a:r>
+                <a:r>
+                  <a:rPr lang="ja-JP" altLang="en-US" dirty="0" err="1">
+                    <a:solidFill>
+                      <a:srgbClr val="FF0000"/>
+                    </a:solidFill>
+                  </a:rPr>
+                  <a:t>なの</a:t>
+                </a:r>
+                <a:r>
+                  <a:rPr lang="ja-JP" altLang="en-US" dirty="0">
+                    <a:solidFill>
+                      <a:srgbClr val="FF0000"/>
+                    </a:solidFill>
+                  </a:rPr>
+                  <a:t>で</a:t>
+                </a:r>
+                <a14:m>
+                  <m:oMath xmlns:m="http://schemas.openxmlformats.org/officeDocument/2006/math">
+                    <m:f>
+                      <m:fPr>
+                        <m:ctrlPr>
+                          <a:rPr lang="en-US" altLang="ja-JP" i="1">
+                            <a:solidFill>
+                              <a:srgbClr val="FF0000"/>
+                            </a:solidFill>
+                            <a:latin typeface="Cambria Math" panose="02040503050406030204" pitchFamily="18" charset="0"/>
+                          </a:rPr>
+                        </m:ctrlPr>
+                      </m:fPr>
+                      <m:num>
+                        <m:r>
+                          <a:rPr lang="en-US" altLang="ja-JP" i="1">
+                            <a:solidFill>
+                              <a:srgbClr val="FF0000"/>
+                            </a:solidFill>
+                            <a:latin typeface="Cambria Math" panose="02040503050406030204" pitchFamily="18" charset="0"/>
+                          </a:rPr>
+                          <m:t>𝑑</m:t>
+                        </m:r>
+                      </m:num>
+                      <m:den>
+                        <m:r>
+                          <a:rPr lang="en-US" altLang="ja-JP" i="1">
+                            <a:solidFill>
+                              <a:srgbClr val="FF0000"/>
+                            </a:solidFill>
+                            <a:latin typeface="Cambria Math" panose="02040503050406030204" pitchFamily="18" charset="0"/>
+                          </a:rPr>
+                          <m:t>𝑑𝑥</m:t>
+                        </m:r>
+                      </m:den>
+                    </m:f>
+                    <m:sSup>
+                      <m:sSupPr>
+                        <m:ctrlPr>
+                          <a:rPr lang="ja-JP" altLang="en-US" i="1" dirty="0">
+                            <a:solidFill>
+                              <a:srgbClr val="FF0000"/>
+                            </a:solidFill>
+                            <a:latin typeface="Cambria Math" panose="02040503050406030204" pitchFamily="18" charset="0"/>
+                          </a:rPr>
+                        </m:ctrlPr>
+                      </m:sSupPr>
+                      <m:e>
+                        <m:r>
+                          <a:rPr lang="en-US" altLang="ja-JP" b="0" i="1" dirty="0" smtClean="0">
+                            <a:solidFill>
+                              <a:srgbClr val="FF0000"/>
+                            </a:solidFill>
+                            <a:latin typeface="Cambria Math" panose="02040503050406030204" pitchFamily="18" charset="0"/>
+                          </a:rPr>
+                          <m:t>𝑒</m:t>
+                        </m:r>
+                      </m:e>
+                      <m:sup>
+                        <m:r>
+                          <a:rPr lang="ja-JP" altLang="en-US" i="1" dirty="0">
+                            <a:solidFill>
+                              <a:srgbClr val="FF0000"/>
+                            </a:solidFill>
+                            <a:latin typeface="Cambria Math" panose="02040503050406030204" pitchFamily="18" charset="0"/>
+                          </a:rPr>
+                          <m:t>𝑥</m:t>
+                        </m:r>
+                      </m:sup>
+                    </m:sSup>
+                    <m:r>
+                      <a:rPr lang="en-US" altLang="ja-JP" dirty="0">
+                        <a:solidFill>
+                          <a:srgbClr val="FF0000"/>
+                        </a:solidFill>
+                        <a:latin typeface="Cambria Math" panose="02040503050406030204" pitchFamily="18" charset="0"/>
+                      </a:rPr>
+                      <m:t>=</m:t>
+                    </m:r>
+                  </m:oMath>
+                </a14:m>
+                <a:r>
+                  <a:rPr lang="ja-JP" altLang="en-US" dirty="0">
+                    <a:solidFill>
+                      <a:srgbClr val="FF0000"/>
+                    </a:solidFill>
+                  </a:rPr>
+                  <a:t> </a:t>
+                </a:r>
+                <a14:m>
+                  <m:oMath xmlns:m="http://schemas.openxmlformats.org/officeDocument/2006/math">
+                    <m:sSup>
+                      <m:sSupPr>
+                        <m:ctrlPr>
+                          <a:rPr lang="ja-JP" altLang="en-US" i="1" dirty="0">
+                            <a:solidFill>
+                              <a:srgbClr val="FF0000"/>
+                            </a:solidFill>
+                            <a:latin typeface="Cambria Math" panose="02040503050406030204" pitchFamily="18" charset="0"/>
+                          </a:rPr>
+                        </m:ctrlPr>
+                      </m:sSupPr>
+                      <m:e>
+                        <m:r>
+                          <a:rPr lang="en-US" altLang="ja-JP" b="0" i="1" dirty="0" smtClean="0">
+                            <a:solidFill>
+                              <a:srgbClr val="FF0000"/>
+                            </a:solidFill>
+                            <a:latin typeface="Cambria Math" panose="02040503050406030204" pitchFamily="18" charset="0"/>
+                          </a:rPr>
+                          <m:t>𝑒</m:t>
+                        </m:r>
+                      </m:e>
+                      <m:sup>
+                        <m:r>
+                          <a:rPr lang="ja-JP" altLang="en-US" i="1" dirty="0">
+                            <a:solidFill>
+                              <a:srgbClr val="FF0000"/>
+                            </a:solidFill>
+                            <a:latin typeface="Cambria Math" panose="02040503050406030204" pitchFamily="18" charset="0"/>
+                          </a:rPr>
+                          <m:t>𝑥</m:t>
+                        </m:r>
+                      </m:sup>
+                    </m:sSup>
+                    <m:r>
+                      <a:rPr lang="ja-JP" altLang="en-US" i="1" dirty="0">
+                        <a:solidFill>
+                          <a:srgbClr val="FF0000"/>
+                        </a:solidFill>
+                        <a:latin typeface="Cambria Math" panose="02040503050406030204" pitchFamily="18" charset="0"/>
+                      </a:rPr>
+                      <m:t>が</m:t>
+                    </m:r>
+                  </m:oMath>
+                </a14:m>
+                <a:r>
+                  <a:rPr lang="ja-JP" altLang="en-US" b="0" dirty="0">
+                    <a:solidFill>
+                      <a:srgbClr val="FF0000"/>
+                    </a:solidFill>
+                  </a:rPr>
+                  <a:t>成り立つ</a:t>
+                </a:r>
+                <a:endParaRPr lang="en-US" altLang="ja-JP" b="0" dirty="0"/>
+              </a:p>
+            </p:txBody>
+          </p:sp>
+        </mc:Choice>
+        <mc:Fallback>
+          <p:sp>
+            <p:nvSpPr>
+              <p:cNvPr id="3" name="コンテンツ プレースホルダー 2">
+                <a:extLst>
+                  <a:ext uri="{FF2B5EF4-FFF2-40B4-BE49-F238E27FC236}">
+                    <a16:creationId xmlns:a16="http://schemas.microsoft.com/office/drawing/2014/main" id="{A487666A-CC9D-4BE5-B769-CC7339308E33}"/>
+                  </a:ext>
+                </a:extLst>
+              </p:cNvPr>
+              <p:cNvSpPr>
+                <a:spLocks noGrp="1" noRot="1" noChangeAspect="1" noMove="1" noResize="1" noEditPoints="1" noAdjustHandles="1" noChangeArrowheads="1" noChangeShapeType="1" noTextEdit="1"/>
+              </p:cNvSpPr>
+              <p:nvPr>
+                <p:ph idx="1"/>
+              </p:nvPr>
+            </p:nvSpPr>
+            <p:spPr>
+              <a:blipFill>
+                <a:blip r:embed="rId2"/>
+                <a:stretch>
+                  <a:fillRect l="-1043" t="-1977"/>
+                </a:stretch>
+              </a:blipFill>
+            </p:spPr>
+            <p:txBody>
+              <a:bodyPr/>
+              <a:lstStyle/>
+              <a:p>
+                <a:r>
+                  <a:rPr lang="ja-JP" altLang="en-US">
+                    <a:noFill/>
+                  </a:rPr>
+                  <a:t> </a:t>
+                </a:r>
+              </a:p>
+            </p:txBody>
+          </p:sp>
+        </mc:Fallback>
+      </mc:AlternateContent>
+    </p:spTree>
+    <p:extLst>
+      <p:ext uri="{BB962C8B-B14F-4D97-AF65-F5344CB8AC3E}">
+        <p14:creationId xmlns:p14="http://schemas.microsoft.com/office/powerpoint/2010/main" val="2192291713"/>
+      </p:ext>
+    </p:extLst>
+  </p:cSld>
+  <p:clrMapOvr>
+    <a:masterClrMapping/>
+  </p:clrMapOvr>
+</p:sld>
+</file>
+
+<file path=ppt/slides/slide18.xml><?xml version="1.0" encoding="utf-8"?>
+<p:sld xmlns:a="http://schemas.openxmlformats.org/drawingml/2006/main" xmlns:r="http://schemas.openxmlformats.org/officeDocument/2006/relationships" xmlns:p="http://schemas.openxmlformats.org/presentationml/2006/main">
+  <p:cSld>
+    <p:spTree>
+      <p:nvGrpSpPr>
+        <p:cNvPr id="1" name=""/>
+        <p:cNvGrpSpPr/>
+        <p:nvPr/>
+      </p:nvGrpSpPr>
+      <p:grpSpPr>
+        <a:xfrm>
+          <a:off x="0" y="0"/>
+          <a:ext cx="0" cy="0"/>
+          <a:chOff x="0" y="0"/>
+          <a:chExt cx="0" cy="0"/>
+        </a:xfrm>
+      </p:grpSpPr>
+      <p:sp>
+        <p:nvSpPr>
+          <p:cNvPr id="2" name="タイトル 1">
+            <a:extLst>
+              <a:ext uri="{FF2B5EF4-FFF2-40B4-BE49-F238E27FC236}">
+                <a16:creationId xmlns:a16="http://schemas.microsoft.com/office/drawing/2014/main" id="{84ADB016-7187-406E-9BAE-4DE927D2EBC3}"/>
+              </a:ext>
+            </a:extLst>
+          </p:cNvPr>
+          <p:cNvSpPr>
+            <a:spLocks noGrp="1"/>
+          </p:cNvSpPr>
+          <p:nvPr>
+            <p:ph type="title"/>
+          </p:nvPr>
+        </p:nvSpPr>
+        <p:spPr/>
+        <p:txBody>
+          <a:bodyPr/>
+          <a:lstStyle/>
+          <a:p>
+            <a:r>
+              <a:rPr kumimoji="1" lang="ja-JP" altLang="en-US" dirty="0"/>
+              <a:t>合成関数</a:t>
+            </a:r>
+          </a:p>
+        </p:txBody>
+      </p:sp>
+      <mc:AlternateContent xmlns:mc="http://schemas.openxmlformats.org/markup-compatibility/2006">
+        <mc:Choice xmlns:a14="http://schemas.microsoft.com/office/drawing/2010/main" Requires="a14">
+          <p:sp>
+            <p:nvSpPr>
+              <p:cNvPr id="3" name="コンテンツ プレースホルダー 2">
+                <a:extLst>
+                  <a:ext uri="{FF2B5EF4-FFF2-40B4-BE49-F238E27FC236}">
+                    <a16:creationId xmlns:a16="http://schemas.microsoft.com/office/drawing/2014/main" id="{C2576DA1-F267-45D4-90C5-E5517B1E783A}"/>
+                  </a:ext>
+                </a:extLst>
+              </p:cNvPr>
+              <p:cNvSpPr>
+                <a:spLocks noGrp="1"/>
+              </p:cNvSpPr>
+              <p:nvPr>
+                <p:ph idx="1"/>
+              </p:nvPr>
+            </p:nvSpPr>
+            <p:spPr/>
+            <p:txBody>
+              <a:bodyPr/>
+              <a:lstStyle/>
+              <a:p>
+                <a:r>
+                  <a:rPr lang="ja-JP" altLang="en-US" dirty="0">
+                    <a:solidFill>
+                      <a:srgbClr val="FF0000"/>
+                    </a:solidFill>
+                  </a:rPr>
+                  <a:t>一つの関数が他の関数を内包している状態</a:t>
+                </a:r>
+                <a:r>
+                  <a:rPr lang="ja-JP" altLang="en-US" dirty="0"/>
+                  <a:t>のこと。</a:t>
+                </a:r>
+                <a:endParaRPr lang="en-US" altLang="ja-JP" dirty="0"/>
+              </a:p>
+              <a:p>
+                <a:pPr lvl="1"/>
+                <a:r>
+                  <a:rPr lang="ja-JP" altLang="en-US" dirty="0"/>
+                  <a:t>定義です。最終的にはこれを自分で思いつける様にすると便利。</a:t>
+                </a:r>
+                <a:endParaRPr lang="en-US" altLang="ja-JP" dirty="0"/>
+              </a:p>
+              <a:p>
+                <a:pPr lvl="1"/>
+                <a:endParaRPr lang="en-US" altLang="ja-JP" dirty="0"/>
+              </a:p>
+              <a:p>
+                <a:r>
+                  <a:rPr lang="en-US" altLang="ja-JP" dirty="0"/>
+                  <a:t> </a:t>
+                </a:r>
+                <a14:m>
+                  <m:oMath xmlns:m="http://schemas.openxmlformats.org/officeDocument/2006/math">
+                    <m:sSup>
+                      <m:sSupPr>
+                        <m:ctrlPr>
+                          <a:rPr lang="pt-BR" altLang="ja-JP" i="1" smtClean="0">
+                            <a:latin typeface="Cambria Math" panose="02040503050406030204" pitchFamily="18" charset="0"/>
+                          </a:rPr>
+                        </m:ctrlPr>
+                      </m:sSupPr>
+                      <m:e>
+                        <m:r>
+                          <a:rPr lang="en-US" altLang="ja-JP" b="0" i="1" smtClean="0">
+                            <a:latin typeface="Cambria Math" panose="02040503050406030204" pitchFamily="18" charset="0"/>
+                          </a:rPr>
+                          <m:t>𝑦</m:t>
+                        </m:r>
+                      </m:e>
+                      <m:sup>
+                        <m:r>
+                          <a:rPr lang="pt-BR" altLang="ja-JP" i="1" smtClean="0">
+                            <a:latin typeface="Cambria Math" panose="02040503050406030204" pitchFamily="18" charset="0"/>
+                          </a:rPr>
+                          <m:t>2</m:t>
+                        </m:r>
+                      </m:sup>
+                    </m:sSup>
+                    <m:r>
+                      <a:rPr lang="pt-BR" altLang="ja-JP" i="1" smtClean="0">
+                        <a:latin typeface="Cambria Math" panose="02040503050406030204" pitchFamily="18" charset="0"/>
+                      </a:rPr>
+                      <m:t>=</m:t>
+                    </m:r>
+                    <m:sSup>
+                      <m:sSupPr>
+                        <m:ctrlPr>
+                          <a:rPr lang="pt-BR" altLang="ja-JP" i="1" smtClean="0">
+                            <a:latin typeface="Cambria Math" panose="02040503050406030204" pitchFamily="18" charset="0"/>
+                          </a:rPr>
+                        </m:ctrlPr>
+                      </m:sSupPr>
+                      <m:e>
+                        <m:r>
+                          <a:rPr lang="en-US" altLang="ja-JP" b="0" i="1" smtClean="0">
+                            <a:latin typeface="Cambria Math" panose="02040503050406030204" pitchFamily="18" charset="0"/>
+                          </a:rPr>
+                          <m:t>𝑎</m:t>
+                        </m:r>
+                      </m:e>
+                      <m:sup>
+                        <m:r>
+                          <a:rPr lang="pt-BR" altLang="ja-JP" i="1" smtClean="0">
+                            <a:latin typeface="Cambria Math" panose="02040503050406030204" pitchFamily="18" charset="0"/>
+                          </a:rPr>
+                          <m:t>2</m:t>
+                        </m:r>
+                      </m:sup>
+                    </m:sSup>
+                  </m:oMath>
+                </a14:m>
+                <a:r>
+                  <a:rPr lang="en-US" altLang="ja-JP" dirty="0"/>
+                  <a:t> </a:t>
+                </a:r>
+                <a:r>
+                  <a:rPr lang="ja-JP" altLang="en-US" dirty="0"/>
+                  <a:t>かつ </a:t>
+                </a:r>
+                <a14:m>
+                  <m:oMath xmlns:m="http://schemas.openxmlformats.org/officeDocument/2006/math">
+                    <m:r>
+                      <a:rPr lang="en-US" altLang="ja-JP" i="1" dirty="0" smtClean="0">
+                        <a:latin typeface="Cambria Math" panose="02040503050406030204" pitchFamily="18" charset="0"/>
+                      </a:rPr>
+                      <m:t>𝑎</m:t>
+                    </m:r>
+                    <m:r>
+                      <a:rPr lang="en-US" altLang="ja-JP" i="0" dirty="0" smtClean="0">
+                        <a:latin typeface="Cambria Math" panose="02040503050406030204" pitchFamily="18" charset="0"/>
+                      </a:rPr>
+                      <m:t>=3</m:t>
+                    </m:r>
+                    <m:sSup>
+                      <m:sSupPr>
+                        <m:ctrlPr>
+                          <a:rPr lang="en-US" altLang="ja-JP" i="1" dirty="0" smtClean="0">
+                            <a:latin typeface="Cambria Math" panose="02040503050406030204" pitchFamily="18" charset="0"/>
+                          </a:rPr>
+                        </m:ctrlPr>
+                      </m:sSupPr>
+                      <m:e>
+                        <m:r>
+                          <a:rPr lang="en-US" altLang="ja-JP" i="1" dirty="0" smtClean="0">
+                            <a:latin typeface="Cambria Math" panose="02040503050406030204" pitchFamily="18" charset="0"/>
+                          </a:rPr>
+                          <m:t>𝑥</m:t>
+                        </m:r>
+                      </m:e>
+                      <m:sup>
+                        <m:r>
+                          <a:rPr lang="en-US" altLang="ja-JP" i="0" dirty="0" smtClean="0">
+                            <a:latin typeface="Cambria Math" panose="02040503050406030204" pitchFamily="18" charset="0"/>
+                          </a:rPr>
+                          <m:t>2</m:t>
+                        </m:r>
+                      </m:sup>
+                    </m:sSup>
+                    <m:r>
+                      <a:rPr lang="en-US" altLang="ja-JP" i="0" dirty="0" smtClean="0">
+                        <a:latin typeface="Cambria Math" panose="02040503050406030204" pitchFamily="18" charset="0"/>
+                      </a:rPr>
+                      <m:t>+</m:t>
+                    </m:r>
+                    <m:r>
+                      <a:rPr lang="en-US" altLang="ja-JP" i="1" dirty="0" smtClean="0">
+                        <a:latin typeface="Cambria Math" panose="02040503050406030204" pitchFamily="18" charset="0"/>
+                      </a:rPr>
+                      <m:t>𝑥</m:t>
+                    </m:r>
+                    <m:r>
+                      <a:rPr lang="en-US" altLang="ja-JP" i="0" dirty="0" smtClean="0">
+                        <a:latin typeface="Cambria Math" panose="02040503050406030204" pitchFamily="18" charset="0"/>
+                      </a:rPr>
+                      <m:t>+4</m:t>
+                    </m:r>
+                  </m:oMath>
+                </a14:m>
+                <a:r>
+                  <a:rPr lang="en-US" altLang="ja-JP" dirty="0"/>
+                  <a:t> </a:t>
+                </a:r>
+                <a:r>
+                  <a:rPr lang="ja-JP" altLang="en-US" dirty="0"/>
+                  <a:t>みたいな状態</a:t>
+                </a:r>
+                <a:endParaRPr lang="en-US" altLang="ja-JP" dirty="0"/>
+              </a:p>
+              <a:p>
+                <a:pPr lvl="1"/>
+                <a:endParaRPr lang="en-US" altLang="ja-JP" dirty="0"/>
+              </a:p>
+              <a:p>
+                <a:r>
+                  <a:rPr lang="ja-JP" altLang="en-US" dirty="0"/>
+                  <a:t>何でそんなことするの？？</a:t>
+                </a:r>
+                <a:endParaRPr lang="en-US" altLang="ja-JP" dirty="0"/>
+              </a:p>
+              <a:p>
+                <a:pPr lvl="1"/>
+                <a:r>
+                  <a:rPr lang="ja-JP" altLang="en-US" dirty="0"/>
+                  <a:t>連鎖律で使うから</a:t>
+                </a:r>
+                <a:r>
+                  <a:rPr lang="en-US" altLang="ja-JP" dirty="0"/>
+                  <a:t>…</a:t>
+                </a:r>
+                <a:r>
+                  <a:rPr lang="ja-JP" altLang="en-US" dirty="0"/>
+                  <a:t>ゆるして</a:t>
+                </a:r>
+                <a:r>
+                  <a:rPr lang="en-US" altLang="ja-JP" dirty="0"/>
+                  <a:t>…</a:t>
+                </a:r>
+              </a:p>
+            </p:txBody>
+          </p:sp>
+        </mc:Choice>
+        <mc:Fallback>
+          <p:sp>
+            <p:nvSpPr>
+              <p:cNvPr id="3" name="コンテンツ プレースホルダー 2">
+                <a:extLst>
+                  <a:ext uri="{FF2B5EF4-FFF2-40B4-BE49-F238E27FC236}">
+                    <a16:creationId xmlns:a16="http://schemas.microsoft.com/office/drawing/2014/main" id="{C2576DA1-F267-45D4-90C5-E5517B1E783A}"/>
+                  </a:ext>
+                </a:extLst>
+              </p:cNvPr>
+              <p:cNvSpPr>
+                <a:spLocks noGrp="1" noRot="1" noChangeAspect="1" noMove="1" noResize="1" noEditPoints="1" noAdjustHandles="1" noChangeArrowheads="1" noChangeShapeType="1" noTextEdit="1"/>
+              </p:cNvSpPr>
+              <p:nvPr>
+                <p:ph idx="1"/>
+              </p:nvPr>
+            </p:nvSpPr>
+            <p:spPr>
+              <a:blipFill>
+                <a:blip r:embed="rId2"/>
+                <a:stretch>
+                  <a:fillRect l="-1043" t="-1977"/>
+                </a:stretch>
+              </a:blipFill>
+            </p:spPr>
+            <p:txBody>
+              <a:bodyPr/>
+              <a:lstStyle/>
+              <a:p>
+                <a:r>
+                  <a:rPr lang="ja-JP" altLang="en-US">
+                    <a:noFill/>
+                  </a:rPr>
+                  <a:t> </a:t>
+                </a:r>
+              </a:p>
+            </p:txBody>
+          </p:sp>
+        </mc:Fallback>
+      </mc:AlternateContent>
+    </p:spTree>
+    <p:extLst>
+      <p:ext uri="{BB962C8B-B14F-4D97-AF65-F5344CB8AC3E}">
+        <p14:creationId xmlns:p14="http://schemas.microsoft.com/office/powerpoint/2010/main" val="296249474"/>
+      </p:ext>
+    </p:extLst>
+  </p:cSld>
+  <p:clrMapOvr>
+    <a:masterClrMapping/>
+  </p:clrMapOvr>
+</p:sld>
+</file>
+
+<file path=ppt/slides/slide19.xml><?xml version="1.0" encoding="utf-8"?>
+<p:sld xmlns:a="http://schemas.openxmlformats.org/drawingml/2006/main" xmlns:r="http://schemas.openxmlformats.org/officeDocument/2006/relationships" xmlns:p="http://schemas.openxmlformats.org/presentationml/2006/main">
+  <p:cSld>
+    <p:spTree>
+      <p:nvGrpSpPr>
+        <p:cNvPr id="1" name=""/>
+        <p:cNvGrpSpPr/>
+        <p:nvPr/>
+      </p:nvGrpSpPr>
+      <p:grpSpPr>
+        <a:xfrm>
+          <a:off x="0" y="0"/>
+          <a:ext cx="0" cy="0"/>
+          <a:chOff x="0" y="0"/>
+          <a:chExt cx="0" cy="0"/>
+        </a:xfrm>
+      </p:grpSpPr>
+      <p:sp>
+        <p:nvSpPr>
+          <p:cNvPr id="2" name="タイトル 1">
+            <a:extLst>
+              <a:ext uri="{FF2B5EF4-FFF2-40B4-BE49-F238E27FC236}">
+                <a16:creationId xmlns:a16="http://schemas.microsoft.com/office/drawing/2014/main" id="{A17A3D8D-F73C-4275-A2A5-4B582D78B06B}"/>
+              </a:ext>
+            </a:extLst>
+          </p:cNvPr>
+          <p:cNvSpPr>
+            <a:spLocks noGrp="1"/>
+          </p:cNvSpPr>
+          <p:nvPr>
+            <p:ph type="title"/>
+          </p:nvPr>
+        </p:nvSpPr>
+        <p:spPr/>
+        <p:txBody>
+          <a:bodyPr/>
+          <a:lstStyle/>
+          <a:p>
+            <a:r>
+              <a:rPr kumimoji="1" lang="ja-JP" altLang="en-US" dirty="0"/>
+              <a:t>連鎖律</a:t>
+            </a:r>
+          </a:p>
+        </p:txBody>
+      </p:sp>
+      <p:sp>
+        <p:nvSpPr>
+          <p:cNvPr id="3" name="コンテンツ プレースホルダー 2">
+            <a:extLst>
+              <a:ext uri="{FF2B5EF4-FFF2-40B4-BE49-F238E27FC236}">
+                <a16:creationId xmlns:a16="http://schemas.microsoft.com/office/drawing/2014/main" id="{F9CBF807-2E03-4501-A195-B7B66358E006}"/>
+              </a:ext>
+            </a:extLst>
+          </p:cNvPr>
+          <p:cNvSpPr>
+            <a:spLocks noGrp="1"/>
+          </p:cNvSpPr>
+          <p:nvPr>
+            <p:ph idx="1"/>
+          </p:nvPr>
+        </p:nvSpPr>
+        <p:spPr/>
+        <p:txBody>
+          <a:bodyPr/>
+          <a:lstStyle/>
+          <a:p>
+            <a:r>
+              <a:rPr kumimoji="1" lang="ja-JP" altLang="en-US" dirty="0"/>
+              <a:t>合成関数の微分は</a:t>
+            </a:r>
+            <a:r>
+              <a:rPr kumimoji="1" lang="ja-JP" altLang="en-US" dirty="0">
+                <a:solidFill>
+                  <a:srgbClr val="FF0000"/>
+                </a:solidFill>
+              </a:rPr>
+              <a:t>それを構成する関数の導関数の積</a:t>
+            </a:r>
+            <a:r>
+              <a:rPr kumimoji="1" lang="ja-JP" altLang="en-US" dirty="0"/>
+              <a:t>で表せる</a:t>
+            </a:r>
+            <a:endParaRPr kumimoji="1" lang="en-US" altLang="ja-JP" dirty="0"/>
+          </a:p>
+          <a:p>
+            <a:pPr lvl="1"/>
+            <a:r>
+              <a:rPr lang="ja-JP" altLang="en-US" dirty="0"/>
+              <a:t>定義タイムです</a:t>
+            </a:r>
+            <a:endParaRPr lang="en-US" altLang="ja-JP" dirty="0"/>
+          </a:p>
+          <a:p>
+            <a:pPr lvl="1"/>
+            <a:endParaRPr kumimoji="1" lang="en-US" altLang="ja-JP" dirty="0"/>
+          </a:p>
+          <a:p>
+            <a:r>
+              <a:rPr kumimoji="1" lang="ja-JP" altLang="en-US" dirty="0"/>
+              <a:t>何ができるかというと、合成関数の中の変数で微分できる</a:t>
+            </a:r>
+            <a:endParaRPr kumimoji="1" lang="en-US" altLang="ja-JP" dirty="0"/>
+          </a:p>
+          <a:p>
+            <a:pPr lvl="1"/>
+            <a:r>
+              <a:rPr lang="ja-JP" altLang="en-US" dirty="0"/>
+              <a:t>前の例だと、</a:t>
+            </a:r>
+            <a:r>
+              <a:rPr lang="en-US" altLang="ja-JP" dirty="0">
+                <a:solidFill>
+                  <a:srgbClr val="FF0000"/>
+                </a:solidFill>
+              </a:rPr>
+              <a:t>y</a:t>
+            </a:r>
+            <a:r>
+              <a:rPr lang="ja-JP" altLang="en-US" dirty="0">
+                <a:solidFill>
+                  <a:srgbClr val="FF0000"/>
+                </a:solidFill>
+              </a:rPr>
+              <a:t>を</a:t>
+            </a:r>
+            <a:r>
+              <a:rPr lang="en-US" altLang="ja-JP" dirty="0">
+                <a:solidFill>
+                  <a:srgbClr val="FF0000"/>
+                </a:solidFill>
+              </a:rPr>
+              <a:t>x</a:t>
+            </a:r>
+            <a:r>
+              <a:rPr lang="ja-JP" altLang="en-US" dirty="0">
+                <a:solidFill>
+                  <a:srgbClr val="FF0000"/>
+                </a:solidFill>
+              </a:rPr>
+              <a:t>で微分できる</a:t>
+            </a:r>
+            <a:r>
+              <a:rPr lang="ja-JP" altLang="en-US" dirty="0"/>
+              <a:t>ということ。</a:t>
+            </a:r>
+            <a:endParaRPr lang="en-US" altLang="ja-JP" dirty="0"/>
+          </a:p>
+          <a:p>
+            <a:pPr lvl="2"/>
+            <a:r>
+              <a:rPr kumimoji="1" lang="ja-JP" altLang="en-US" dirty="0"/>
+              <a:t>自分で</a:t>
+            </a:r>
+            <a:r>
+              <a:rPr kumimoji="1" lang="en-US" altLang="ja-JP" dirty="0"/>
+              <a:t>a</a:t>
+            </a:r>
+            <a:r>
+              <a:rPr kumimoji="1" lang="ja-JP" altLang="en-US" dirty="0"/>
+              <a:t>に</a:t>
+            </a:r>
+            <a:r>
+              <a:rPr kumimoji="1" lang="en-US" altLang="ja-JP" dirty="0"/>
+              <a:t>x</a:t>
+            </a:r>
+            <a:r>
+              <a:rPr kumimoji="1" lang="ja-JP" altLang="en-US" dirty="0"/>
+              <a:t>を入れたんだから感覚的にも正しいことは分かるはず</a:t>
+            </a:r>
+            <a:endParaRPr kumimoji="1" lang="en-US" altLang="ja-JP" dirty="0"/>
+          </a:p>
+          <a:p>
+            <a:endParaRPr kumimoji="1" lang="en-US" altLang="ja-JP" dirty="0"/>
+          </a:p>
+          <a:p>
+            <a:r>
+              <a:rPr lang="en-US" altLang="ja-JP" dirty="0"/>
+              <a:t>5</a:t>
+            </a:r>
+            <a:r>
+              <a:rPr lang="ja-JP" altLang="en-US" dirty="0"/>
+              <a:t>章：バックプロパゲーションで活躍するらしい</a:t>
+            </a:r>
+            <a:endParaRPr lang="en-US" altLang="ja-JP" dirty="0"/>
+          </a:p>
+          <a:p>
+            <a:pPr lvl="1"/>
+            <a:r>
+              <a:rPr lang="ja-JP" altLang="en-US" dirty="0"/>
+              <a:t>今後の活躍に期待</a:t>
+            </a:r>
+            <a:endParaRPr lang="en-US" altLang="ja-JP" dirty="0"/>
+          </a:p>
+        </p:txBody>
+      </p:sp>
+    </p:spTree>
+    <p:extLst>
+      <p:ext uri="{BB962C8B-B14F-4D97-AF65-F5344CB8AC3E}">
+        <p14:creationId xmlns:p14="http://schemas.microsoft.com/office/powerpoint/2010/main" val="2816130618"/>
       </p:ext>
     </p:extLst>
   </p:cSld>
@@ -3963,8 +7038,8 @@
           </a:p>
         </p:txBody>
       </p:sp>
-      <mc:AlternateContent xmlns:mc="http://schemas.openxmlformats.org/markup-compatibility/2006" xmlns:a14="http://schemas.microsoft.com/office/drawing/2010/main">
-        <mc:Choice Requires="a14">
+      <mc:AlternateContent xmlns:mc="http://schemas.openxmlformats.org/markup-compatibility/2006">
+        <mc:Choice xmlns:a14="http://schemas.microsoft.com/office/drawing/2010/main" Requires="a14">
           <p:sp>
             <p:nvSpPr>
               <p:cNvPr id="3" name="コンテンツ プレースホルダー 2"/>
@@ -4366,7 +7441,7 @@
                 </a:r>
                 <a:r>
                   <a:rPr lang="ja-JP" altLang="en-US" dirty="0"/>
-                  <a:t>を使う</a:t>
+                  <a:t>を使ってみる</a:t>
                 </a:r>
                 <a:endParaRPr lang="en-US" altLang="ja-JP" dirty="0"/>
               </a:p>
@@ -4529,7 +7604,7 @@
             </p:txBody>
           </p:sp>
         </mc:Choice>
-        <mc:Fallback xmlns="">
+        <mc:Fallback>
           <p:sp>
             <p:nvSpPr>
               <p:cNvPr id="3" name="コンテンツ プレースホルダー 2"/>
@@ -4593,6 +7668,872 @@
     <p:extLst>
       <p:ext uri="{BB962C8B-B14F-4D97-AF65-F5344CB8AC3E}">
         <p14:creationId xmlns:p14="http://schemas.microsoft.com/office/powerpoint/2010/main" val="3649672504"/>
+      </p:ext>
+    </p:extLst>
+  </p:cSld>
+  <p:clrMapOvr>
+    <a:masterClrMapping/>
+  </p:clrMapOvr>
+</p:sld>
+</file>
+
+<file path=ppt/slides/slide20.xml><?xml version="1.0" encoding="utf-8"?>
+<p:sld xmlns:a="http://schemas.openxmlformats.org/drawingml/2006/main" xmlns:r="http://schemas.openxmlformats.org/officeDocument/2006/relationships" xmlns:p="http://schemas.openxmlformats.org/presentationml/2006/main">
+  <p:cSld>
+    <p:spTree>
+      <p:nvGrpSpPr>
+        <p:cNvPr id="1" name=""/>
+        <p:cNvGrpSpPr/>
+        <p:nvPr/>
+      </p:nvGrpSpPr>
+      <p:grpSpPr>
+        <a:xfrm>
+          <a:off x="0" y="0"/>
+          <a:ext cx="0" cy="0"/>
+          <a:chOff x="0" y="0"/>
+          <a:chExt cx="0" cy="0"/>
+        </a:xfrm>
+      </p:grpSpPr>
+      <p:sp>
+        <p:nvSpPr>
+          <p:cNvPr id="2" name="タイトル 1">
+            <a:extLst>
+              <a:ext uri="{FF2B5EF4-FFF2-40B4-BE49-F238E27FC236}">
+                <a16:creationId xmlns:a16="http://schemas.microsoft.com/office/drawing/2014/main" id="{1194CF36-0BF5-407C-88DB-9D2A6E00A363}"/>
+              </a:ext>
+            </a:extLst>
+          </p:cNvPr>
+          <p:cNvSpPr>
+            <a:spLocks noGrp="1"/>
+          </p:cNvSpPr>
+          <p:nvPr>
+            <p:ph type="title"/>
+          </p:nvPr>
+        </p:nvSpPr>
+        <p:spPr/>
+        <p:txBody>
+          <a:bodyPr/>
+          <a:lstStyle/>
+          <a:p>
+            <a:r>
+              <a:rPr kumimoji="1" lang="ja-JP" altLang="en-US" dirty="0"/>
+              <a:t>偏微分</a:t>
+            </a:r>
+          </a:p>
+        </p:txBody>
+      </p:sp>
+      <mc:AlternateContent xmlns:mc="http://schemas.openxmlformats.org/markup-compatibility/2006">
+        <mc:Choice xmlns:a14="http://schemas.microsoft.com/office/drawing/2010/main" Requires="a14">
+          <p:sp>
+            <p:nvSpPr>
+              <p:cNvPr id="3" name="コンテンツ プレースホルダー 2">
+                <a:extLst>
+                  <a:ext uri="{FF2B5EF4-FFF2-40B4-BE49-F238E27FC236}">
+                    <a16:creationId xmlns:a16="http://schemas.microsoft.com/office/drawing/2014/main" id="{69958269-1B07-4552-837A-66FC0DBC6211}"/>
+                  </a:ext>
+                </a:extLst>
+              </p:cNvPr>
+              <p:cNvSpPr>
+                <a:spLocks noGrp="1"/>
+              </p:cNvSpPr>
+              <p:nvPr>
+                <p:ph idx="1"/>
+              </p:nvPr>
+            </p:nvSpPr>
+            <p:spPr/>
+            <p:txBody>
+              <a:bodyPr>
+                <a:normAutofit/>
+              </a:bodyPr>
+              <a:lstStyle/>
+              <a:p>
+                <a:r>
+                  <a:rPr kumimoji="1" lang="ja-JP" altLang="en-US" dirty="0"/>
+                  <a:t>今までの</a:t>
+                </a:r>
+                <a:r>
+                  <a:rPr lang="ja-JP" altLang="en-US" dirty="0"/>
+                  <a:t>関数：</a:t>
+                </a:r>
+                <a14:m>
+                  <m:oMath xmlns:m="http://schemas.openxmlformats.org/officeDocument/2006/math">
+                    <m:r>
+                      <a:rPr kumimoji="1" lang="en-US" altLang="ja-JP" i="1" smtClean="0">
+                        <a:latin typeface="Cambria Math" panose="02040503050406030204" pitchFamily="18" charset="0"/>
+                      </a:rPr>
+                      <m:t>𝑦</m:t>
+                    </m:r>
+                    <m:r>
+                      <a:rPr kumimoji="1" lang="en-US" altLang="ja-JP" i="0" smtClean="0">
+                        <a:latin typeface="Cambria Math" panose="02040503050406030204" pitchFamily="18" charset="0"/>
+                      </a:rPr>
+                      <m:t>=</m:t>
+                    </m:r>
+                    <m:sSup>
+                      <m:sSupPr>
+                        <m:ctrlPr>
+                          <a:rPr kumimoji="1" lang="en-US" altLang="ja-JP" i="1" smtClean="0">
+                            <a:latin typeface="Cambria Math" panose="02040503050406030204" pitchFamily="18" charset="0"/>
+                          </a:rPr>
+                        </m:ctrlPr>
+                      </m:sSupPr>
+                      <m:e>
+                        <m:r>
+                          <a:rPr kumimoji="1" lang="en-US" altLang="ja-JP" i="1" smtClean="0">
+                            <a:latin typeface="Cambria Math" panose="02040503050406030204" pitchFamily="18" charset="0"/>
+                          </a:rPr>
+                          <m:t>𝑥</m:t>
+                        </m:r>
+                      </m:e>
+                      <m:sup>
+                        <m:r>
+                          <a:rPr kumimoji="1" lang="en-US" altLang="ja-JP" i="0" smtClean="0">
+                            <a:latin typeface="Cambria Math" panose="02040503050406030204" pitchFamily="18" charset="0"/>
+                          </a:rPr>
+                          <m:t>2</m:t>
+                        </m:r>
+                      </m:sup>
+                    </m:sSup>
+                    <m:r>
+                      <a:rPr kumimoji="1" lang="en-US" altLang="ja-JP" i="0" smtClean="0">
+                        <a:latin typeface="Cambria Math" panose="02040503050406030204" pitchFamily="18" charset="0"/>
+                      </a:rPr>
+                      <m:t>+3</m:t>
+                    </m:r>
+                    <m:r>
+                      <a:rPr kumimoji="1" lang="en-US" altLang="ja-JP" i="1" smtClean="0">
+                        <a:latin typeface="Cambria Math" panose="02040503050406030204" pitchFamily="18" charset="0"/>
+                      </a:rPr>
+                      <m:t>𝑥</m:t>
+                    </m:r>
+                    <m:r>
+                      <a:rPr kumimoji="1" lang="en-US" altLang="ja-JP" i="0" smtClean="0">
+                        <a:latin typeface="Cambria Math" panose="02040503050406030204" pitchFamily="18" charset="0"/>
+                      </a:rPr>
+                      <m:t>+2</m:t>
+                    </m:r>
+                  </m:oMath>
+                </a14:m>
+                <a:endParaRPr kumimoji="1" lang="en-US" altLang="ja-JP" dirty="0"/>
+              </a:p>
+              <a:p>
+                <a:r>
+                  <a:rPr kumimoji="1" lang="ja-JP" altLang="en-US" dirty="0"/>
+                  <a:t>ここからの関数：</a:t>
+                </a:r>
+                <a14:m>
+                  <m:oMath xmlns:m="http://schemas.openxmlformats.org/officeDocument/2006/math">
+                    <m:r>
+                      <a:rPr kumimoji="1" lang="en-US" altLang="ja-JP" b="0" i="1" smtClean="0">
+                        <a:latin typeface="Cambria Math" panose="02040503050406030204" pitchFamily="18" charset="0"/>
+                      </a:rPr>
+                      <m:t>𝑧</m:t>
+                    </m:r>
+                    <m:r>
+                      <a:rPr kumimoji="1" lang="en-US" altLang="ja-JP" b="0" i="1" smtClean="0">
+                        <a:latin typeface="Cambria Math" panose="02040503050406030204" pitchFamily="18" charset="0"/>
+                      </a:rPr>
+                      <m:t>=</m:t>
+                    </m:r>
+                    <m:r>
+                      <a:rPr kumimoji="1" lang="en-US" altLang="ja-JP" b="0" i="1" smtClean="0">
+                        <a:latin typeface="Cambria Math" panose="02040503050406030204" pitchFamily="18" charset="0"/>
+                      </a:rPr>
+                      <m:t>𝑥</m:t>
+                    </m:r>
+                    <m:r>
+                      <a:rPr kumimoji="1" lang="en-US" altLang="ja-JP" b="0" i="1" smtClean="0">
+                        <a:latin typeface="Cambria Math" panose="02040503050406030204" pitchFamily="18" charset="0"/>
+                      </a:rPr>
+                      <m:t>+</m:t>
+                    </m:r>
+                    <m:r>
+                      <a:rPr kumimoji="1" lang="en-US" altLang="ja-JP" b="0" i="1" smtClean="0">
+                        <a:latin typeface="Cambria Math" panose="02040503050406030204" pitchFamily="18" charset="0"/>
+                      </a:rPr>
+                      <m:t>𝑦</m:t>
+                    </m:r>
+                    <m:r>
+                      <a:rPr kumimoji="1" lang="en-US" altLang="ja-JP" b="0" i="1" smtClean="0">
+                        <a:latin typeface="Cambria Math" panose="02040503050406030204" pitchFamily="18" charset="0"/>
+                      </a:rPr>
+                      <m:t>+6</m:t>
+                    </m:r>
+                  </m:oMath>
+                </a14:m>
+                <a:endParaRPr kumimoji="1" lang="en-US" altLang="ja-JP" dirty="0"/>
+              </a:p>
+              <a:p>
+                <a:pPr lvl="1"/>
+                <a:r>
+                  <a:rPr kumimoji="1" lang="ja-JP" altLang="en-US" dirty="0">
+                    <a:solidFill>
+                      <a:srgbClr val="FF0000"/>
+                    </a:solidFill>
+                  </a:rPr>
+                  <a:t>変数が複数個になります！</a:t>
+                </a:r>
+                <a:endParaRPr kumimoji="1" lang="en-US" altLang="ja-JP" dirty="0">
+                  <a:solidFill>
+                    <a:srgbClr val="FF0000"/>
+                  </a:solidFill>
+                </a:endParaRPr>
+              </a:p>
+              <a:p>
+                <a:pPr lvl="1"/>
+                <a:endParaRPr lang="en-US" altLang="ja-JP" dirty="0"/>
+              </a:p>
+              <a:p>
+                <a:r>
+                  <a:rPr kumimoji="1" lang="ja-JP" altLang="en-US" dirty="0"/>
+                  <a:t>偏微分とは、変数が複数ある関数に対して、</a:t>
+                </a:r>
+                <a:r>
+                  <a:rPr kumimoji="1" lang="en-US" altLang="ja-JP" dirty="0">
+                    <a:solidFill>
+                      <a:srgbClr val="FF0000"/>
+                    </a:solidFill>
+                  </a:rPr>
+                  <a:t>1</a:t>
+                </a:r>
+                <a:r>
+                  <a:rPr kumimoji="1" lang="ja-JP" altLang="en-US" dirty="0" err="1">
+                    <a:solidFill>
+                      <a:srgbClr val="FF0000"/>
+                    </a:solidFill>
+                  </a:rPr>
+                  <a:t>つの</a:t>
+                </a:r>
+                <a:r>
+                  <a:rPr kumimoji="1" lang="ja-JP" altLang="en-US" dirty="0">
+                    <a:solidFill>
+                      <a:srgbClr val="FF0000"/>
+                    </a:solidFill>
+                  </a:rPr>
+                  <a:t>変数のみについての微分を行うこと</a:t>
+                </a:r>
+                <a:r>
+                  <a:rPr kumimoji="1" lang="ja-JP" altLang="en-US" dirty="0"/>
+                  <a:t>である</a:t>
+                </a:r>
+                <a:endParaRPr kumimoji="1" lang="en-US" altLang="ja-JP" dirty="0"/>
+              </a:p>
+              <a:p>
+                <a:pPr lvl="1"/>
+                <a:r>
+                  <a:rPr lang="ja-JP" altLang="en-US" dirty="0"/>
+                  <a:t>他の変数は定数として扱う</a:t>
+                </a:r>
+                <a:endParaRPr lang="en-US" altLang="ja-JP" dirty="0"/>
+              </a:p>
+              <a:p>
+                <a:pPr lvl="2"/>
+                <a:r>
+                  <a:rPr lang="ja-JP" altLang="en-US" dirty="0"/>
+                  <a:t>つまり、常微分とほぼ変わらない。</a:t>
+                </a:r>
+                <a:endParaRPr lang="en-US" altLang="ja-JP" dirty="0"/>
+              </a:p>
+              <a:p>
+                <a:pPr lvl="1"/>
+                <a:r>
+                  <a:rPr lang="ja-JP" altLang="en-US" dirty="0"/>
+                  <a:t>この微分で導出した関数を「偏導関数」と呼ぶ</a:t>
+                </a:r>
+                <a:endParaRPr lang="en-US" altLang="ja-JP" dirty="0"/>
+              </a:p>
+              <a:p>
+                <a:pPr lvl="1"/>
+                <a:endParaRPr lang="en-US" altLang="ja-JP" dirty="0"/>
+              </a:p>
+              <a:p>
+                <a:r>
+                  <a:rPr lang="ja-JP" altLang="en-US" dirty="0"/>
+                  <a:t>これも</a:t>
+                </a:r>
+                <a:r>
+                  <a:rPr lang="en-US" altLang="ja-JP" dirty="0"/>
+                  <a:t>5</a:t>
+                </a:r>
+                <a:r>
+                  <a:rPr lang="ja-JP" altLang="en-US" dirty="0"/>
+                  <a:t>章で使うらしい</a:t>
+                </a:r>
+                <a:endParaRPr lang="en-US" altLang="ja-JP" dirty="0"/>
+              </a:p>
+            </p:txBody>
+          </p:sp>
+        </mc:Choice>
+        <mc:Fallback>
+          <p:sp>
+            <p:nvSpPr>
+              <p:cNvPr id="3" name="コンテンツ プレースホルダー 2">
+                <a:extLst>
+                  <a:ext uri="{FF2B5EF4-FFF2-40B4-BE49-F238E27FC236}">
+                    <a16:creationId xmlns:a16="http://schemas.microsoft.com/office/drawing/2014/main" id="{69958269-1B07-4552-837A-66FC0DBC6211}"/>
+                  </a:ext>
+                </a:extLst>
+              </p:cNvPr>
+              <p:cNvSpPr>
+                <a:spLocks noGrp="1" noRot="1" noChangeAspect="1" noMove="1" noResize="1" noEditPoints="1" noAdjustHandles="1" noChangeArrowheads="1" noChangeShapeType="1" noTextEdit="1"/>
+              </p:cNvSpPr>
+              <p:nvPr>
+                <p:ph idx="1"/>
+              </p:nvPr>
+            </p:nvSpPr>
+            <p:spPr>
+              <a:blipFill>
+                <a:blip r:embed="rId2"/>
+                <a:stretch>
+                  <a:fillRect l="-1043" t="-1977"/>
+                </a:stretch>
+              </a:blipFill>
+            </p:spPr>
+            <p:txBody>
+              <a:bodyPr/>
+              <a:lstStyle/>
+              <a:p>
+                <a:r>
+                  <a:rPr lang="ja-JP" altLang="en-US">
+                    <a:noFill/>
+                  </a:rPr>
+                  <a:t> </a:t>
+                </a:r>
+              </a:p>
+            </p:txBody>
+          </p:sp>
+        </mc:Fallback>
+      </mc:AlternateContent>
+    </p:spTree>
+    <p:extLst>
+      <p:ext uri="{BB962C8B-B14F-4D97-AF65-F5344CB8AC3E}">
+        <p14:creationId xmlns:p14="http://schemas.microsoft.com/office/powerpoint/2010/main" val="1061641145"/>
+      </p:ext>
+    </p:extLst>
+  </p:cSld>
+  <p:clrMapOvr>
+    <a:masterClrMapping/>
+  </p:clrMapOvr>
+</p:sld>
+</file>
+
+<file path=ppt/slides/slide21.xml><?xml version="1.0" encoding="utf-8"?>
+<p:sld xmlns:a="http://schemas.openxmlformats.org/drawingml/2006/main" xmlns:r="http://schemas.openxmlformats.org/officeDocument/2006/relationships" xmlns:p="http://schemas.openxmlformats.org/presentationml/2006/main">
+  <p:cSld>
+    <p:spTree>
+      <p:nvGrpSpPr>
+        <p:cNvPr id="1" name=""/>
+        <p:cNvGrpSpPr/>
+        <p:nvPr/>
+      </p:nvGrpSpPr>
+      <p:grpSpPr>
+        <a:xfrm>
+          <a:off x="0" y="0"/>
+          <a:ext cx="0" cy="0"/>
+          <a:chOff x="0" y="0"/>
+          <a:chExt cx="0" cy="0"/>
+        </a:xfrm>
+      </p:grpSpPr>
+      <p:sp>
+        <p:nvSpPr>
+          <p:cNvPr id="2" name="タイトル 1">
+            <a:extLst>
+              <a:ext uri="{FF2B5EF4-FFF2-40B4-BE49-F238E27FC236}">
+                <a16:creationId xmlns:a16="http://schemas.microsoft.com/office/drawing/2014/main" id="{EE0F7F46-CEA4-4828-AC26-8E201AE806D4}"/>
+              </a:ext>
+            </a:extLst>
+          </p:cNvPr>
+          <p:cNvSpPr>
+            <a:spLocks noGrp="1"/>
+          </p:cNvSpPr>
+          <p:nvPr>
+            <p:ph type="title"/>
+          </p:nvPr>
+        </p:nvSpPr>
+        <p:spPr/>
+        <p:txBody>
+          <a:bodyPr/>
+          <a:lstStyle/>
+          <a:p>
+            <a:r>
+              <a:rPr kumimoji="1" lang="ja-JP" altLang="en-US" dirty="0"/>
+              <a:t>全微分</a:t>
+            </a:r>
+          </a:p>
+        </p:txBody>
+      </p:sp>
+      <p:sp>
+        <p:nvSpPr>
+          <p:cNvPr id="3" name="コンテンツ プレースホルダー 2">
+            <a:extLst>
+              <a:ext uri="{FF2B5EF4-FFF2-40B4-BE49-F238E27FC236}">
+                <a16:creationId xmlns:a16="http://schemas.microsoft.com/office/drawing/2014/main" id="{A67A369B-D3A4-4BE6-A54B-0CCC2CB988B8}"/>
+              </a:ext>
+            </a:extLst>
+          </p:cNvPr>
+          <p:cNvSpPr>
+            <a:spLocks noGrp="1"/>
+          </p:cNvSpPr>
+          <p:nvPr>
+            <p:ph idx="1"/>
+          </p:nvPr>
+        </p:nvSpPr>
+        <p:spPr/>
+        <p:txBody>
+          <a:bodyPr/>
+          <a:lstStyle/>
+          <a:p>
+            <a:r>
+              <a:rPr lang="ja-JP" altLang="en-US" dirty="0"/>
+              <a:t>複数の変数を持つ関数の全ての変数の変化に対する、関数の値の変化の割合を求めること</a:t>
+            </a:r>
+            <a:endParaRPr lang="en-US" altLang="ja-JP" dirty="0"/>
+          </a:p>
+          <a:p>
+            <a:endParaRPr lang="en-US" altLang="ja-JP" dirty="0"/>
+          </a:p>
+          <a:p>
+            <a:r>
+              <a:rPr lang="ja-JP" altLang="en-US" dirty="0"/>
+              <a:t>難しそうな式が書いてありますが、以下の流れをやってるだけ</a:t>
+            </a:r>
+            <a:endParaRPr lang="en-US" altLang="ja-JP" dirty="0"/>
+          </a:p>
+          <a:p>
+            <a:pPr lvl="1"/>
+            <a:r>
+              <a:rPr lang="ja-JP" altLang="en-US" dirty="0"/>
+              <a:t>変化量＝変化後－変化前</a:t>
+            </a:r>
+            <a:endParaRPr lang="en-US" altLang="ja-JP" dirty="0"/>
+          </a:p>
+          <a:p>
+            <a:pPr lvl="1"/>
+            <a:r>
+              <a:rPr lang="ja-JP" altLang="en-US" dirty="0"/>
+              <a:t>値を変更しない変形で偏微分の式に近づけてく</a:t>
+            </a:r>
+            <a:endParaRPr lang="en-US" altLang="ja-JP" dirty="0"/>
+          </a:p>
+          <a:p>
+            <a:pPr lvl="1"/>
+            <a:r>
+              <a:rPr lang="ja-JP" altLang="en-US" dirty="0"/>
+              <a:t>極限を取って微小な変化量とみなし、不要な項を無視する</a:t>
+            </a:r>
+            <a:endParaRPr lang="en-US" altLang="ja-JP" dirty="0"/>
+          </a:p>
+          <a:p>
+            <a:pPr lvl="1"/>
+            <a:r>
+              <a:rPr lang="ja-JP" altLang="en-US" dirty="0"/>
+              <a:t>偏微分の部分を定義に則って置換する</a:t>
+            </a:r>
+            <a:endParaRPr lang="en-US" altLang="ja-JP" dirty="0"/>
+          </a:p>
+          <a:p>
+            <a:endParaRPr kumimoji="1" lang="en-US" altLang="ja-JP" dirty="0"/>
+          </a:p>
+          <a:p>
+            <a:r>
+              <a:rPr kumimoji="1" lang="ja-JP" altLang="en-US" dirty="0"/>
+              <a:t>最終的に</a:t>
+            </a:r>
+            <a:r>
+              <a:rPr lang="ja-JP" altLang="en-US" dirty="0"/>
+              <a:t>は全変数の微小な変化量にその変数の偏微分をかけた物の総和になります</a:t>
+            </a:r>
+            <a:endParaRPr lang="en-US" altLang="ja-JP" dirty="0"/>
+          </a:p>
+        </p:txBody>
+      </p:sp>
+    </p:spTree>
+    <p:extLst>
+      <p:ext uri="{BB962C8B-B14F-4D97-AF65-F5344CB8AC3E}">
+        <p14:creationId xmlns:p14="http://schemas.microsoft.com/office/powerpoint/2010/main" val="3432840509"/>
+      </p:ext>
+    </p:extLst>
+  </p:cSld>
+  <p:clrMapOvr>
+    <a:masterClrMapping/>
+  </p:clrMapOvr>
+</p:sld>
+</file>
+
+<file path=ppt/slides/slide22.xml><?xml version="1.0" encoding="utf-8"?>
+<p:sld xmlns:a="http://schemas.openxmlformats.org/drawingml/2006/main" xmlns:r="http://schemas.openxmlformats.org/officeDocument/2006/relationships" xmlns:p="http://schemas.openxmlformats.org/presentationml/2006/main">
+  <p:cSld>
+    <p:spTree>
+      <p:nvGrpSpPr>
+        <p:cNvPr id="1" name=""/>
+        <p:cNvGrpSpPr/>
+        <p:nvPr/>
+      </p:nvGrpSpPr>
+      <p:grpSpPr>
+        <a:xfrm>
+          <a:off x="0" y="0"/>
+          <a:ext cx="0" cy="0"/>
+          <a:chOff x="0" y="0"/>
+          <a:chExt cx="0" cy="0"/>
+        </a:xfrm>
+      </p:grpSpPr>
+      <p:sp>
+        <p:nvSpPr>
+          <p:cNvPr id="2" name="タイトル 1">
+            <a:extLst>
+              <a:ext uri="{FF2B5EF4-FFF2-40B4-BE49-F238E27FC236}">
+                <a16:creationId xmlns:a16="http://schemas.microsoft.com/office/drawing/2014/main" id="{3B3B068C-FBEC-459D-813C-65E33FCA8DF7}"/>
+              </a:ext>
+            </a:extLst>
+          </p:cNvPr>
+          <p:cNvSpPr>
+            <a:spLocks noGrp="1"/>
+          </p:cNvSpPr>
+          <p:nvPr>
+            <p:ph type="title"/>
+          </p:nvPr>
+        </p:nvSpPr>
+        <p:spPr/>
+        <p:txBody>
+          <a:bodyPr/>
+          <a:lstStyle/>
+          <a:p>
+            <a:r>
+              <a:rPr kumimoji="1" lang="ja-JP" altLang="en-US" dirty="0"/>
+              <a:t>多変数の連鎖律</a:t>
+            </a:r>
+          </a:p>
+        </p:txBody>
+      </p:sp>
+      <p:sp>
+        <p:nvSpPr>
+          <p:cNvPr id="3" name="コンテンツ プレースホルダー 2">
+            <a:extLst>
+              <a:ext uri="{FF2B5EF4-FFF2-40B4-BE49-F238E27FC236}">
+                <a16:creationId xmlns:a16="http://schemas.microsoft.com/office/drawing/2014/main" id="{F6943A9B-9510-4929-9EE4-3BDE430FA530}"/>
+              </a:ext>
+            </a:extLst>
+          </p:cNvPr>
+          <p:cNvSpPr>
+            <a:spLocks noGrp="1"/>
+          </p:cNvSpPr>
+          <p:nvPr>
+            <p:ph idx="1"/>
+          </p:nvPr>
+        </p:nvSpPr>
+        <p:spPr/>
+        <p:txBody>
+          <a:bodyPr>
+            <a:normAutofit/>
+          </a:bodyPr>
+          <a:lstStyle/>
+          <a:p>
+            <a:r>
+              <a:rPr kumimoji="1" lang="ja-JP" altLang="en-US" dirty="0"/>
+              <a:t>全微分に連鎖律を適用するとどうなるのか？</a:t>
+            </a:r>
+            <a:endParaRPr kumimoji="1" lang="en-US" altLang="ja-JP" dirty="0"/>
+          </a:p>
+          <a:p>
+            <a:pPr lvl="1"/>
+            <a:r>
+              <a:rPr lang="ja-JP" altLang="en-US" dirty="0"/>
+              <a:t>普通に各変数が関数に変化するのでより複雑になります</a:t>
+            </a:r>
+            <a:endParaRPr lang="en-US" altLang="ja-JP" dirty="0"/>
+          </a:p>
+          <a:p>
+            <a:pPr lvl="1"/>
+            <a:endParaRPr kumimoji="1" lang="en-US" altLang="ja-JP" dirty="0"/>
+          </a:p>
+          <a:p>
+            <a:r>
+              <a:rPr lang="ja-JP" altLang="en-US" dirty="0"/>
+              <a:t>各合成関数の構成要素が一つの変数の場合</a:t>
+            </a:r>
+            <a:endParaRPr lang="en-US" altLang="ja-JP" dirty="0"/>
+          </a:p>
+          <a:p>
+            <a:pPr lvl="1"/>
+            <a:r>
+              <a:rPr kumimoji="1" lang="ja-JP" altLang="en-US" dirty="0"/>
+              <a:t>教科書の</a:t>
+            </a:r>
+            <a:r>
+              <a:rPr kumimoji="1" lang="en-US" altLang="ja-JP" dirty="0"/>
+              <a:t>96</a:t>
+            </a:r>
+            <a:r>
+              <a:rPr kumimoji="1" lang="ja-JP" altLang="en-US" dirty="0"/>
+              <a:t>ページ</a:t>
+            </a:r>
+            <a:r>
+              <a:rPr lang="ja-JP" altLang="en-US" dirty="0"/>
+              <a:t>上の例</a:t>
+            </a:r>
+            <a:endParaRPr lang="en-US" altLang="ja-JP" dirty="0"/>
+          </a:p>
+          <a:p>
+            <a:pPr lvl="1"/>
+            <a:r>
+              <a:rPr kumimoji="1" lang="en-US" altLang="ja-JP" dirty="0"/>
+              <a:t>z</a:t>
+            </a:r>
+            <a:r>
+              <a:rPr kumimoji="1" lang="ja-JP" altLang="en-US" dirty="0"/>
+              <a:t>を</a:t>
+            </a:r>
+            <a:r>
+              <a:rPr kumimoji="1" lang="en-US" altLang="ja-JP" dirty="0"/>
+              <a:t>x</a:t>
+            </a:r>
+            <a:r>
+              <a:rPr kumimoji="1" lang="ja-JP" altLang="en-US" dirty="0"/>
+              <a:t>について微分できるようになる</a:t>
+            </a:r>
+            <a:endParaRPr kumimoji="1" lang="en-US" altLang="ja-JP" dirty="0"/>
+          </a:p>
+          <a:p>
+            <a:pPr lvl="1"/>
+            <a:r>
+              <a:rPr kumimoji="1" lang="ja-JP" altLang="en-US" dirty="0"/>
+              <a:t>各合成関数が普通に連鎖律で解決される。</a:t>
+            </a:r>
+            <a:endParaRPr kumimoji="1" lang="en-US" altLang="ja-JP" dirty="0"/>
+          </a:p>
+          <a:p>
+            <a:pPr lvl="1"/>
+            <a:r>
+              <a:rPr lang="ja-JP" altLang="en-US" dirty="0"/>
+              <a:t>最終的に連鎖律で解決された各項の総和になる</a:t>
+            </a:r>
+            <a:endParaRPr lang="en-US" altLang="ja-JP" dirty="0"/>
+          </a:p>
+          <a:p>
+            <a:endParaRPr lang="en-US" altLang="ja-JP" dirty="0"/>
+          </a:p>
+          <a:p>
+            <a:r>
+              <a:rPr lang="ja-JP" altLang="en-US" dirty="0"/>
+              <a:t>各合成関数の構成要素が複数の変数の場合</a:t>
+            </a:r>
+            <a:endParaRPr lang="en-US" altLang="ja-JP" dirty="0"/>
+          </a:p>
+          <a:p>
+            <a:pPr lvl="1"/>
+            <a:r>
+              <a:rPr lang="ja-JP" altLang="en-US" dirty="0"/>
+              <a:t>二次元配列の様に変数の数だけ上記の操作が行われる</a:t>
+            </a:r>
+            <a:endParaRPr lang="en-US" altLang="ja-JP" dirty="0"/>
+          </a:p>
+          <a:p>
+            <a:pPr lvl="2"/>
+            <a:r>
+              <a:rPr lang="ja-JP" altLang="en-US" dirty="0"/>
+              <a:t>というか行列積にできる</a:t>
+            </a:r>
+            <a:endParaRPr lang="en-US" altLang="ja-JP" dirty="0"/>
+          </a:p>
+          <a:p>
+            <a:pPr lvl="2"/>
+            <a:endParaRPr lang="en-US" altLang="ja-JP" dirty="0"/>
+          </a:p>
+        </p:txBody>
+      </p:sp>
+    </p:spTree>
+    <p:extLst>
+      <p:ext uri="{BB962C8B-B14F-4D97-AF65-F5344CB8AC3E}">
+        <p14:creationId xmlns:p14="http://schemas.microsoft.com/office/powerpoint/2010/main" val="2980924392"/>
+      </p:ext>
+    </p:extLst>
+  </p:cSld>
+  <p:clrMapOvr>
+    <a:masterClrMapping/>
+  </p:clrMapOvr>
+</p:sld>
+</file>
+
+<file path=ppt/slides/slide23.xml><?xml version="1.0" encoding="utf-8"?>
+<p:sld xmlns:a="http://schemas.openxmlformats.org/drawingml/2006/main" xmlns:r="http://schemas.openxmlformats.org/officeDocument/2006/relationships" xmlns:p="http://schemas.openxmlformats.org/presentationml/2006/main">
+  <p:cSld>
+    <p:spTree>
+      <p:nvGrpSpPr>
+        <p:cNvPr id="1" name=""/>
+        <p:cNvGrpSpPr/>
+        <p:nvPr/>
+      </p:nvGrpSpPr>
+      <p:grpSpPr>
+        <a:xfrm>
+          <a:off x="0" y="0"/>
+          <a:ext cx="0" cy="0"/>
+          <a:chOff x="0" y="0"/>
+          <a:chExt cx="0" cy="0"/>
+        </a:xfrm>
+      </p:grpSpPr>
+      <p:sp>
+        <p:nvSpPr>
+          <p:cNvPr id="2" name="タイトル 1">
+            <a:extLst>
+              <a:ext uri="{FF2B5EF4-FFF2-40B4-BE49-F238E27FC236}">
+                <a16:creationId xmlns:a16="http://schemas.microsoft.com/office/drawing/2014/main" id="{F518E635-DFB7-4A10-BBD0-389F267F8C12}"/>
+              </a:ext>
+            </a:extLst>
+          </p:cNvPr>
+          <p:cNvSpPr>
+            <a:spLocks noGrp="1"/>
+          </p:cNvSpPr>
+          <p:nvPr>
+            <p:ph type="title"/>
+          </p:nvPr>
+        </p:nvSpPr>
+        <p:spPr/>
+        <p:txBody>
+          <a:bodyPr/>
+          <a:lstStyle/>
+          <a:p>
+            <a:r>
+              <a:rPr kumimoji="1" lang="ja-JP" altLang="en-US" dirty="0"/>
+              <a:t>正規分布</a:t>
+            </a:r>
+          </a:p>
+        </p:txBody>
+      </p:sp>
+      <p:sp>
+        <p:nvSpPr>
+          <p:cNvPr id="3" name="コンテンツ プレースホルダー 2">
+            <a:extLst>
+              <a:ext uri="{FF2B5EF4-FFF2-40B4-BE49-F238E27FC236}">
+                <a16:creationId xmlns:a16="http://schemas.microsoft.com/office/drawing/2014/main" id="{25CF6E2C-4CEA-47AB-A948-945B6A448B50}"/>
+              </a:ext>
+            </a:extLst>
+          </p:cNvPr>
+          <p:cNvSpPr>
+            <a:spLocks noGrp="1"/>
+          </p:cNvSpPr>
+          <p:nvPr>
+            <p:ph idx="1"/>
+          </p:nvPr>
+        </p:nvSpPr>
+        <p:spPr/>
+        <p:txBody>
+          <a:bodyPr/>
+          <a:lstStyle/>
+          <a:p>
+            <a:r>
+              <a:rPr kumimoji="1" lang="ja-JP" altLang="en-US" dirty="0"/>
+              <a:t>ゲーム数学辺りでやったエンカウントのアレ</a:t>
+            </a:r>
+            <a:endParaRPr kumimoji="1" lang="en-US" altLang="ja-JP" dirty="0"/>
+          </a:p>
+          <a:p>
+            <a:pPr lvl="1"/>
+            <a:r>
+              <a:rPr lang="ja-JP" altLang="en-US" dirty="0"/>
+              <a:t>平均値を中心にエンカウントするようにしたはず</a:t>
+            </a:r>
+            <a:endParaRPr lang="en-US" altLang="ja-JP" dirty="0"/>
+          </a:p>
+          <a:p>
+            <a:pPr lvl="1"/>
+            <a:endParaRPr kumimoji="1" lang="en-US" altLang="ja-JP" dirty="0"/>
+          </a:p>
+          <a:p>
+            <a:r>
+              <a:rPr kumimoji="1" lang="ja-JP" altLang="en-US" dirty="0"/>
+              <a:t>本の方には何か小難しい式が書いてありますが</a:t>
+            </a:r>
+            <a:endParaRPr kumimoji="1" lang="en-US" altLang="ja-JP" dirty="0"/>
+          </a:p>
+          <a:p>
+            <a:pPr lvl="1"/>
+            <a:r>
+              <a:rPr lang="en-US" altLang="ja-JP" dirty="0"/>
+              <a:t>μ</a:t>
+            </a:r>
+            <a:r>
+              <a:rPr kumimoji="1" lang="ja-JP" altLang="en-US" dirty="0"/>
+              <a:t>は平均値、</a:t>
+            </a:r>
+            <a:r>
+              <a:rPr kumimoji="1" lang="en-US" altLang="ja-JP" dirty="0"/>
+              <a:t>ρ</a:t>
+            </a:r>
+            <a:r>
+              <a:rPr kumimoji="1" lang="ja-JP" altLang="en-US" dirty="0"/>
+              <a:t>はばらつき度ぐらいで抑えとけば</a:t>
+            </a:r>
+            <a:r>
+              <a:rPr kumimoji="1" lang="en-US" altLang="ja-JP" dirty="0"/>
+              <a:t>OK</a:t>
+            </a:r>
+            <a:r>
+              <a:rPr kumimoji="1" lang="ja-JP" altLang="en-US" dirty="0"/>
+              <a:t>なはず</a:t>
+            </a:r>
+            <a:endParaRPr lang="en-US" altLang="ja-JP" dirty="0"/>
+          </a:p>
+          <a:p>
+            <a:pPr lvl="1"/>
+            <a:endParaRPr kumimoji="1" lang="en-US" altLang="ja-JP" dirty="0"/>
+          </a:p>
+          <a:p>
+            <a:pPr lvl="1"/>
+            <a:endParaRPr lang="en-US" altLang="ja-JP" dirty="0"/>
+          </a:p>
+          <a:p>
+            <a:r>
+              <a:rPr kumimoji="1" lang="en-US" altLang="ja-JP" dirty="0"/>
+              <a:t>Python</a:t>
+            </a:r>
+            <a:r>
+              <a:rPr kumimoji="1" lang="ja-JP" altLang="en-US" dirty="0"/>
+              <a:t>では</a:t>
+            </a:r>
+            <a:r>
+              <a:rPr kumimoji="1" lang="en-US" altLang="ja-JP" dirty="0" err="1"/>
+              <a:t>nampy.random.nomal</a:t>
+            </a:r>
+            <a:r>
+              <a:rPr kumimoji="1" lang="en-US" altLang="ja-JP" dirty="0"/>
+              <a:t>(</a:t>
+            </a:r>
+            <a:r>
+              <a:rPr kumimoji="1" lang="en-US" altLang="ja-JP" dirty="0" err="1"/>
+              <a:t>μ,ρ,amount</a:t>
+            </a:r>
+            <a:r>
+              <a:rPr kumimoji="1" lang="en-US" altLang="ja-JP" dirty="0"/>
+              <a:t>)</a:t>
+            </a:r>
+            <a:r>
+              <a:rPr kumimoji="1" lang="ja-JP" altLang="en-US" dirty="0"/>
+              <a:t>で表現する</a:t>
+            </a:r>
+            <a:endParaRPr kumimoji="1" lang="en-US" altLang="ja-JP" dirty="0"/>
+          </a:p>
+          <a:p>
+            <a:endParaRPr lang="en-US" altLang="ja-JP" dirty="0"/>
+          </a:p>
+          <a:p>
+            <a:r>
+              <a:rPr kumimoji="1" lang="ja-JP" altLang="en-US" dirty="0"/>
+              <a:t>ニューラルネットワークの初期値に用いられるようです</a:t>
+            </a:r>
+            <a:endParaRPr kumimoji="1" lang="en-US" altLang="ja-JP" dirty="0"/>
+          </a:p>
+          <a:p>
+            <a:pPr marL="0" indent="0">
+              <a:buNone/>
+            </a:pPr>
+            <a:endParaRPr kumimoji="1" lang="en-US" altLang="ja-JP" dirty="0"/>
+          </a:p>
+        </p:txBody>
+      </p:sp>
+    </p:spTree>
+    <p:extLst>
+      <p:ext uri="{BB962C8B-B14F-4D97-AF65-F5344CB8AC3E}">
+        <p14:creationId xmlns:p14="http://schemas.microsoft.com/office/powerpoint/2010/main" val="1348013269"/>
       </p:ext>
     </p:extLst>
   </p:cSld>
@@ -4735,8 +8676,28 @@
               <a:p>
                 <a:pPr lvl="1"/>
                 <a:r>
+                  <a:rPr lang="ja-JP" altLang="en-US" dirty="0">
+                    <a:solidFill>
+                      <a:srgbClr val="FF0000"/>
+                    </a:solidFill>
+                  </a:rPr>
+                  <a:t>無駄にネストが深くならなくて良い</a:t>
+                </a:r>
+                <a:endParaRPr lang="en-US" altLang="ja-JP" dirty="0">
+                  <a:solidFill>
+                    <a:srgbClr val="FF0000"/>
+                  </a:solidFill>
+                </a:endParaRPr>
+              </a:p>
+              <a:p>
+                <a:pPr lvl="2"/>
+                <a:r>
+                  <a:rPr lang="en-US" altLang="ja-JP" dirty="0"/>
+                  <a:t>Python</a:t>
+                </a:r>
+                <a:r>
                   <a:rPr lang="ja-JP" altLang="en-US" dirty="0"/>
-                  <a:t>無駄にインデントが深くならなくて良い</a:t>
+                  <a:t>「配列の次元が増えるとネストが深くなる言語があるってマジ！？」</a:t>
                 </a:r>
                 <a:endParaRPr lang="en-US" altLang="ja-JP" dirty="0"/>
               </a:p>
@@ -4808,7 +8769,7 @@
                     <m:sSub>
                       <m:sSubPr>
                         <m:ctrlPr>
-                          <a:rPr kumimoji="1" lang="en-US" altLang="ja-JP" dirty="0" smtClean="0">
+                          <a:rPr kumimoji="1" lang="en-US" altLang="ja-JP" i="1" dirty="0" smtClean="0">
                             <a:latin typeface="Cambria Math" panose="02040503050406030204" pitchFamily="18" charset="0"/>
                           </a:rPr>
                         </m:ctrlPr>
@@ -5414,8 +9375,8 @@
           <a:chExt cx="0" cy="0"/>
         </a:xfrm>
       </p:grpSpPr>
-      <mc:AlternateContent xmlns:mc="http://schemas.openxmlformats.org/markup-compatibility/2006">
-        <mc:Choice xmlns:a14="http://schemas.microsoft.com/office/drawing/2010/main" Requires="a14">
+      <mc:AlternateContent xmlns:mc="http://schemas.openxmlformats.org/markup-compatibility/2006" xmlns:a14="http://schemas.microsoft.com/office/drawing/2010/main">
+        <mc:Choice Requires="a14">
           <p:sp>
             <p:nvSpPr>
               <p:cNvPr id="2" name="タイトル 1">
@@ -5461,7 +9422,7 @@
             </p:txBody>
           </p:sp>
         </mc:Choice>
-        <mc:Fallback>
+        <mc:Fallback xmlns="">
           <p:sp>
             <p:nvSpPr>
               <p:cNvPr id="2" name="タイトル 1">
@@ -5566,12 +9527,18 @@
                   <m:oMath xmlns:m="http://schemas.openxmlformats.org/officeDocument/2006/math">
                     <m:r>
                       <a:rPr kumimoji="1" lang="en-US" altLang="ja-JP" b="0" i="1" smtClean="0">
+                        <a:solidFill>
+                          <a:srgbClr val="FF0000"/>
+                        </a:solidFill>
                         <a:latin typeface="Cambria Math" panose="02040503050406030204" pitchFamily="18" charset="0"/>
                       </a:rPr>
                       <m:t>𝑦</m:t>
                     </m:r>
                     <m:r>
                       <a:rPr kumimoji="1" lang="en-US" altLang="ja-JP" b="0" i="1" smtClean="0">
+                        <a:solidFill>
+                          <a:srgbClr val="FF0000"/>
+                        </a:solidFill>
                         <a:latin typeface="Cambria Math" panose="02040503050406030204" pitchFamily="18" charset="0"/>
                       </a:rPr>
                       <m:t>=</m:t>
@@ -5580,6 +9547,9 @@
                       <m:sSupPr>
                         <m:ctrlPr>
                           <a:rPr kumimoji="1" lang="en-US" altLang="ja-JP" b="0" i="1" smtClean="0">
+                            <a:solidFill>
+                              <a:srgbClr val="FF0000"/>
+                            </a:solidFill>
                             <a:latin typeface="Cambria Math" panose="02040503050406030204" pitchFamily="18" charset="0"/>
                           </a:rPr>
                         </m:ctrlPr>
@@ -5587,6 +9557,9 @@
                       <m:e>
                         <m:r>
                           <a:rPr kumimoji="1" lang="en-US" altLang="ja-JP" b="0" i="1" smtClean="0">
+                            <a:solidFill>
+                              <a:srgbClr val="FF0000"/>
+                            </a:solidFill>
                             <a:latin typeface="Cambria Math" panose="02040503050406030204" pitchFamily="18" charset="0"/>
                           </a:rPr>
                           <m:t>𝑒</m:t>
@@ -5595,6 +9568,9 @@
                       <m:sup>
                         <m:r>
                           <a:rPr kumimoji="1" lang="en-US" altLang="ja-JP" b="0" i="1" smtClean="0">
+                            <a:solidFill>
+                              <a:srgbClr val="FF0000"/>
+                            </a:solidFill>
                             <a:latin typeface="Cambria Math" panose="02040503050406030204" pitchFamily="18" charset="0"/>
                           </a:rPr>
                           <m:t>𝑥</m:t>
@@ -5618,8 +9594,99 @@
               <a:p>
                 <a:pPr lvl="1"/>
                 <a:r>
+                  <a:rPr lang="ja-JP" altLang="en-US" dirty="0">
+                    <a:solidFill>
+                      <a:srgbClr val="FF0000"/>
+                    </a:solidFill>
+                  </a:rPr>
+                  <a:t>微分しても</a:t>
+                </a:r>
+                <a14:m>
+                  <m:oMath xmlns:m="http://schemas.openxmlformats.org/officeDocument/2006/math">
+                    <m:r>
+                      <a:rPr lang="en-US" altLang="ja-JP" i="1">
+                        <a:solidFill>
+                          <a:srgbClr val="FF0000"/>
+                        </a:solidFill>
+                        <a:latin typeface="Cambria Math" panose="02040503050406030204" pitchFamily="18" charset="0"/>
+                      </a:rPr>
+                      <m:t>𝑦</m:t>
+                    </m:r>
+                    <m:r>
+                      <a:rPr lang="en-US" altLang="ja-JP" i="1">
+                        <a:solidFill>
+                          <a:srgbClr val="FF0000"/>
+                        </a:solidFill>
+                        <a:latin typeface="Cambria Math" panose="02040503050406030204" pitchFamily="18" charset="0"/>
+                      </a:rPr>
+                      <m:t>=</m:t>
+                    </m:r>
+                    <m:sSup>
+                      <m:sSupPr>
+                        <m:ctrlPr>
+                          <a:rPr lang="en-US" altLang="ja-JP" i="1">
+                            <a:solidFill>
+                              <a:srgbClr val="FF0000"/>
+                            </a:solidFill>
+                            <a:latin typeface="Cambria Math" panose="02040503050406030204" pitchFamily="18" charset="0"/>
+                          </a:rPr>
+                        </m:ctrlPr>
+                      </m:sSupPr>
+                      <m:e>
+                        <m:r>
+                          <a:rPr lang="en-US" altLang="ja-JP" i="1">
+                            <a:solidFill>
+                              <a:srgbClr val="FF0000"/>
+                            </a:solidFill>
+                            <a:latin typeface="Cambria Math" panose="02040503050406030204" pitchFamily="18" charset="0"/>
+                          </a:rPr>
+                          <m:t>𝑒</m:t>
+                        </m:r>
+                      </m:e>
+                      <m:sup>
+                        <m:r>
+                          <a:rPr lang="en-US" altLang="ja-JP" i="1">
+                            <a:solidFill>
+                              <a:srgbClr val="FF0000"/>
+                            </a:solidFill>
+                            <a:latin typeface="Cambria Math" panose="02040503050406030204" pitchFamily="18" charset="0"/>
+                          </a:rPr>
+                          <m:t>𝑥</m:t>
+                        </m:r>
+                      </m:sup>
+                    </m:sSup>
+                  </m:oMath>
+                </a14:m>
+                <a:r>
+                  <a:rPr kumimoji="1" lang="ja-JP" altLang="en-US" dirty="0" err="1">
+                    <a:solidFill>
+                      <a:srgbClr val="FF0000"/>
+                    </a:solidFill>
+                  </a:rPr>
+                  <a:t>のま</a:t>
+                </a:r>
+                <a:r>
+                  <a:rPr kumimoji="1" lang="ja-JP" altLang="en-US" dirty="0">
+                    <a:solidFill>
+                      <a:srgbClr val="FF0000"/>
+                    </a:solidFill>
+                  </a:rPr>
+                  <a:t>まなんだ</a:t>
+                </a:r>
+                <a:r>
+                  <a:rPr kumimoji="1" lang="en-US" altLang="ja-JP" dirty="0">
+                    <a:solidFill>
+                      <a:srgbClr val="FF0000"/>
+                    </a:solidFill>
+                  </a:rPr>
+                  <a:t>…</a:t>
+                </a:r>
+              </a:p>
+              <a:p>
+                <a:pPr lvl="1"/>
+                <a:r>
                   <a:rPr lang="ja-JP" altLang="en-US" dirty="0"/>
-                  <a:t>これが活躍するのは微分辺りなので今はとりあえず覚えとこう</a:t>
+                  <a:t>今はとりあえず覚えとこう</a:t>
                 </a:r>
                 <a:endParaRPr lang="en-US" altLang="ja-JP" dirty="0"/>
               </a:p>
@@ -5676,15 +9743,27 @@
                   </m:oMath>
                 </a14:m>
                 <a:r>
-                  <a:rPr lang="en-US" altLang="ja-JP" dirty="0" err="1"/>
+                  <a:rPr lang="en-US" altLang="ja-JP" dirty="0" err="1">
+                    <a:solidFill>
+                      <a:srgbClr val="FF0000"/>
+                    </a:solidFill>
+                  </a:rPr>
                   <a:t>numpy</a:t>
                 </a:r>
                 <a:r>
-                  <a:rPr kumimoji="1" lang="en-US" altLang="ja-JP" dirty="0" err="1"/>
+                  <a:rPr kumimoji="1" lang="en-US" altLang="ja-JP" dirty="0" err="1">
+                    <a:solidFill>
+                      <a:srgbClr val="FF0000"/>
+                    </a:solidFill>
+                  </a:rPr>
                   <a:t>.exp</a:t>
                 </a:r>
                 <a:r>
-                  <a:rPr kumimoji="1" lang="en-US" altLang="ja-JP" dirty="0"/>
+                  <a:rPr kumimoji="1" lang="en-US" altLang="ja-JP" dirty="0">
+                    <a:solidFill>
+                      <a:srgbClr val="FF0000"/>
+                    </a:solidFill>
+                  </a:rPr>
                   <a:t>(x)</a:t>
                 </a:r>
                 <a:r>
@@ -5728,17 +9807,18 @@
                   <a:t>そんなことしなくても</a:t>
                 </a:r>
                 <a:r>
-                  <a:rPr lang="en-US" altLang="ja-JP" dirty="0" err="1"/>
+                  <a:rPr lang="en-US" altLang="ja-JP" dirty="0" err="1">
+                    <a:solidFill>
+                      <a:srgbClr val="FF0000"/>
+                    </a:solidFill>
+                  </a:rPr>
                   <a:t>numpy.e</a:t>
                 </a:r>
                 <a:r>
                   <a:rPr lang="ja-JP" altLang="en-US" dirty="0"/>
                   <a:t>で取得できるが</a:t>
                 </a:r>
-                <a:r>
-                  <a:rPr lang="en-US" altLang="ja-JP" dirty="0"/>
-                  <a:t>…</a:t>
-                </a:r>
+                <a:endParaRPr lang="en-US" altLang="ja-JP" dirty="0"/>
               </a:p>
               <a:p>
                 <a:endParaRPr lang="en-US" altLang="ja-JP" dirty="0"/>
@@ -5826,8 +9906,8 @@
           <a:chExt cx="0" cy="0"/>
         </a:xfrm>
       </p:grpSpPr>
-      <mc:AlternateContent xmlns:mc="http://schemas.openxmlformats.org/markup-compatibility/2006">
-        <mc:Choice xmlns:a14="http://schemas.microsoft.com/office/drawing/2010/main" Requires="a14">
+      <mc:AlternateContent xmlns:mc="http://schemas.openxmlformats.org/markup-compatibility/2006" xmlns:a14="http://schemas.microsoft.com/office/drawing/2010/main">
+        <mc:Choice Requires="a14">
           <p:sp>
             <p:nvSpPr>
               <p:cNvPr id="2" name="タイトル 1">
@@ -5922,7 +10002,7 @@
             </p:txBody>
           </p:sp>
         </mc:Choice>
-        <mc:Fallback>
+        <mc:Fallback xmlns="">
           <p:sp>
             <p:nvSpPr>
               <p:cNvPr id="2" name="タイトル 1">
@@ -5982,7 +10062,9 @@
             </p:nvSpPr>
             <p:spPr/>
             <p:txBody>
-              <a:bodyPr/>
+              <a:bodyPr>
+                <a:normAutofit/>
+              </a:bodyPr>
               <a:lstStyle/>
               <a:p>
                 <a:r>
@@ -6012,10 +10094,16 @@
                 <a:pPr lvl="1"/>
                 <a:r>
                   <a:rPr lang="ja-JP" altLang="en-US" dirty="0"/>
-                  <a:t>余談だがどの分野でも</a:t>
+                  <a:t>余談だが他分野</a:t>
                 </a:r>
                 <a14:m>
                   <m:oMath xmlns:m="http://schemas.openxmlformats.org/officeDocument/2006/math">
+                    <m:r>
+                      <a:rPr lang="ja-JP" altLang="en-US" i="1" dirty="0">
+                        <a:latin typeface="Cambria Math" panose="02040503050406030204" pitchFamily="18" charset="0"/>
+                      </a:rPr>
+                      <m:t>では</m:t>
+                    </m:r>
                     <m:r>
                       <m:rPr>
                         <m:sty m:val="p"/>
@@ -6071,11 +10159,17 @@
                         </m:r>
                       </m:sub>
                     </m:sSub>
+                    <m:r>
+                      <a:rPr lang="ja-JP" altLang="en-US" i="1">
+                        <a:latin typeface="Cambria Math" panose="02040503050406030204" pitchFamily="18" charset="0"/>
+                      </a:rPr>
+                      <m:t>でない</m:t>
+                    </m:r>
                   </m:oMath>
                 </a14:m>
                 <a:r>
                   <a:rPr lang="ja-JP" altLang="en-US" dirty="0"/>
-                  <a:t>ではないので注意すること</a:t>
+                  <a:t>場合がある。注意すること。</a:t>
                 </a:r>
                 <a:endParaRPr lang="en-US" altLang="ja-JP" dirty="0"/>
               </a:p>
@@ -6093,9 +10187,103 @@
                 <a:pPr lvl="1"/>
                 <a:r>
                   <a:rPr lang="ja-JP" altLang="en-US" dirty="0"/>
-                  <a:t>べき乗の逆演算。</a:t>
+                  <a:t>べき乗の逆演算の一つ</a:t>
+                </a:r>
+                <a:endParaRPr lang="en-US" altLang="ja-JP" dirty="0"/>
+              </a:p>
+              <a:p>
+                <a:pPr lvl="1"/>
+                <a:r>
+                  <a:rPr kumimoji="1" lang="ja-JP" altLang="en-US" i="1" dirty="0">
+                    <a:latin typeface="Cambria Math" panose="02040503050406030204" pitchFamily="18" charset="0"/>
+                  </a:rPr>
+                  <a:t>「</a:t>
+                </a:r>
+                <a:r>
+                  <a:rPr kumimoji="1" lang="en-US" altLang="ja-JP" i="1" dirty="0">
+                    <a:latin typeface="Cambria Math" panose="02040503050406030204" pitchFamily="18" charset="0"/>
+                  </a:rPr>
+                  <a:t>x</a:t>
+                </a:r>
+                <a:r>
+                  <a:rPr kumimoji="1" lang="ja-JP" altLang="en-US" i="1" dirty="0">
+                    <a:latin typeface="Cambria Math" panose="02040503050406030204" pitchFamily="18" charset="0"/>
+                  </a:rPr>
+                  <a:t>を</a:t>
+                </a:r>
+                <a:r>
+                  <a:rPr kumimoji="1" lang="en-US" altLang="ja-JP" i="1" dirty="0">
+                    <a:latin typeface="Cambria Math" panose="02040503050406030204" pitchFamily="18" charset="0"/>
+                  </a:rPr>
+                  <a:t>n</a:t>
+                </a:r>
+                <a:r>
+                  <a:rPr kumimoji="1" lang="ja-JP" altLang="en-US" i="1" dirty="0">
+                    <a:latin typeface="Cambria Math" panose="02040503050406030204" pitchFamily="18" charset="0"/>
+                  </a:rPr>
+                  <a:t>乗したら</a:t>
+                </a:r>
+                <a:r>
+                  <a:rPr kumimoji="1" lang="en-US" altLang="ja-JP" i="1" dirty="0">
+                    <a:latin typeface="Cambria Math" panose="02040503050406030204" pitchFamily="18" charset="0"/>
+                  </a:rPr>
+                  <a:t>y</a:t>
+                </a:r>
+                <a:r>
+                  <a:rPr kumimoji="1" lang="ja-JP" altLang="en-US" i="1" dirty="0">
+                    <a:latin typeface="Cambria Math" panose="02040503050406030204" pitchFamily="18" charset="0"/>
+                  </a:rPr>
+                  <a:t>になったんだけど、</a:t>
+                </a:r>
+                <a:r>
+                  <a:rPr kumimoji="1" lang="en-US" altLang="ja-JP" i="1" dirty="0">
+                    <a:latin typeface="Cambria Math" panose="02040503050406030204" pitchFamily="18" charset="0"/>
+                  </a:rPr>
+                  <a:t>n</a:t>
+                </a:r>
+                <a:r>
+                  <a:rPr kumimoji="1" lang="ja-JP" altLang="en-US" i="1" dirty="0">
+                    <a:latin typeface="Cambria Math" panose="02040503050406030204" pitchFamily="18" charset="0"/>
+                  </a:rPr>
+                  <a:t>が思い出せねぇんだ</a:t>
+                </a:r>
+                <a:r>
+                  <a:rPr kumimoji="1" lang="en-US" altLang="ja-JP" i="1" dirty="0">
+                    <a:latin typeface="Cambria Math" panose="02040503050406030204" pitchFamily="18" charset="0"/>
+                  </a:rPr>
+                  <a:t>…</a:t>
+                </a:r>
+                <a:r>
+                  <a:rPr kumimoji="1" lang="ja-JP" altLang="en-US" i="1" dirty="0">
+                    <a:latin typeface="Cambria Math" panose="02040503050406030204" pitchFamily="18" charset="0"/>
+                  </a:rPr>
+                  <a:t>」</a:t>
                 </a:r>
                 <a:endParaRPr kumimoji="1" lang="en-US" altLang="ja-JP" i="1" dirty="0">
+                  <a:latin typeface="Cambria Math" panose="02040503050406030204" pitchFamily="18" charset="0"/>
+                </a:endParaRPr>
+              </a:p>
+              <a:p>
+                <a:pPr lvl="2"/>
+                <a:r>
+                  <a:rPr lang="ja-JP" altLang="en-US" dirty="0">
+                    <a:latin typeface="Cambria Math" panose="02040503050406030204" pitchFamily="18" charset="0"/>
+                  </a:rPr>
+                  <a:t>というときに使うこともなくはない</a:t>
+                </a:r>
+                <a:r>
+                  <a:rPr lang="en-US" altLang="ja-JP" dirty="0">
+                    <a:latin typeface="Cambria Math" panose="02040503050406030204" pitchFamily="18" charset="0"/>
+                  </a:rPr>
+                  <a:t>…</a:t>
+                </a:r>
+                <a:r>
+                  <a:rPr lang="ja-JP" altLang="en-US" dirty="0">
+                    <a:latin typeface="Cambria Math" panose="02040503050406030204" pitchFamily="18" charset="0"/>
+                  </a:rPr>
+                  <a:t>？</a:t>
+                </a:r>
+                <a:endParaRPr kumimoji="1" lang="en-US" altLang="ja-JP" dirty="0">
                   <a:latin typeface="Cambria Math" panose="02040503050406030204" pitchFamily="18" charset="0"/>
                 </a:endParaRPr>
               </a:p>
@@ -6180,26 +10368,6 @@
                   <a:rPr lang="ja-JP" altLang="en-US" dirty="0"/>
                   <a:t>なら</a:t>
                 </a:r>
-                <a:r>
-                  <a:rPr lang="en-US" altLang="ja-JP" dirty="0"/>
-                  <a:t>2</a:t>
-                </a:r>
-                <a:r>
-                  <a:rPr lang="ja-JP" altLang="en-US" dirty="0"/>
-                  <a:t>になる。</a:t>
-                </a:r>
-                <a:endParaRPr lang="en-US" altLang="ja-JP" dirty="0"/>
-              </a:p>
-              <a:p>
-                <a:pPr lvl="1"/>
-                <a:r>
-                  <a:rPr lang="ja-JP" altLang="en-US" dirty="0"/>
-                  <a:t>つまり、</a:t>
-                </a:r>
-                <a:r>
-                  <a:rPr lang="en-US" altLang="ja-JP" dirty="0"/>
-                  <a:t> </a:t>
-                </a:r>
                 <a14:m>
                   <m:oMath xmlns:m="http://schemas.openxmlformats.org/officeDocument/2006/math">
                     <m:func>
@@ -6247,87 +10415,37 @@
                           </a:rPr>
                           <m:t>𝑏</m:t>
                         </m:r>
-                        <m:r>
-                          <a:rPr lang="en-US" altLang="ja-JP" b="0" i="1" smtClean="0">
-                            <a:latin typeface="Cambria Math" panose="02040503050406030204" pitchFamily="18" charset="0"/>
-                          </a:rPr>
-                          <m:t>=</m:t>
-                        </m:r>
-                        <m:r>
-                          <a:rPr lang="en-US" altLang="ja-JP" b="0" i="1" smtClean="0">
-                            <a:latin typeface="Cambria Math" panose="02040503050406030204" pitchFamily="18" charset="0"/>
-                          </a:rPr>
-                          <m:t>𝑐</m:t>
-                        </m:r>
-                        <m:r>
-                          <a:rPr lang="en-US" altLang="ja-JP" b="0" i="1" smtClean="0">
-                            <a:latin typeface="Cambria Math" panose="02040503050406030204" pitchFamily="18" charset="0"/>
-                          </a:rPr>
-                          <m:t> </m:t>
-                        </m:r>
-                        <m:r>
-                          <a:rPr lang="ja-JP" altLang="en-US" i="1">
-                            <a:latin typeface="Cambria Math" panose="02040503050406030204" pitchFamily="18" charset="0"/>
-                          </a:rPr>
-                          <m:t>ならば</m:t>
-                        </m:r>
-                        <m:r>
-                          <a:rPr lang="ja-JP" altLang="en-US" i="1" smtClean="0">
-                            <a:latin typeface="Cambria Math" panose="02040503050406030204" pitchFamily="18" charset="0"/>
-                          </a:rPr>
-                          <m:t>、</m:t>
-                        </m:r>
-                        <m:sSup>
-                          <m:sSupPr>
-                            <m:ctrlPr>
-                              <a:rPr lang="pt-BR" altLang="ja-JP" b="0" i="1" smtClean="0">
-                                <a:latin typeface="Cambria Math" panose="02040503050406030204" pitchFamily="18" charset="0"/>
-                              </a:rPr>
-                            </m:ctrlPr>
-                          </m:sSupPr>
-                          <m:e>
-                            <m:r>
-                              <a:rPr lang="pt-BR" altLang="ja-JP" b="0" i="1" smtClean="0">
-                                <a:latin typeface="Cambria Math" panose="02040503050406030204" pitchFamily="18" charset="0"/>
-                              </a:rPr>
-                              <m:t>𝑎</m:t>
-                            </m:r>
-                          </m:e>
-                          <m:sup>
-                            <m:r>
-                              <a:rPr lang="en-US" altLang="ja-JP" b="0" i="1" smtClean="0">
-                                <a:latin typeface="Cambria Math" panose="02040503050406030204" pitchFamily="18" charset="0"/>
-                              </a:rPr>
-                              <m:t>𝑐</m:t>
-                            </m:r>
-                          </m:sup>
-                        </m:sSup>
-                        <m:r>
-                          <a:rPr lang="pt-BR" altLang="ja-JP" b="0" i="1" smtClean="0">
-                            <a:latin typeface="Cambria Math" panose="02040503050406030204" pitchFamily="18" charset="0"/>
-                          </a:rPr>
-                          <m:t>=</m:t>
-                        </m:r>
-                        <m:r>
-                          <a:rPr lang="en-US" altLang="ja-JP" b="0" i="1" smtClean="0">
-                            <a:latin typeface="Cambria Math" panose="02040503050406030204" pitchFamily="18" charset="0"/>
-                          </a:rPr>
-                          <m:t>𝑏</m:t>
-                        </m:r>
                       </m:e>
                     </m:func>
+                    <m:r>
+                      <a:rPr lang="pt-BR" altLang="ja-JP" i="1">
+                        <a:latin typeface="Cambria Math" panose="02040503050406030204" pitchFamily="18" charset="0"/>
+                      </a:rPr>
+                      <m:t>=</m:t>
+                    </m:r>
+                    <m:r>
+                      <a:rPr lang="en-US" altLang="ja-JP" b="0" i="1" smtClean="0">
+                        <a:latin typeface="Cambria Math" panose="02040503050406030204" pitchFamily="18" charset="0"/>
+                      </a:rPr>
+                      <m:t>2</m:t>
+                    </m:r>
                   </m:oMath>
                 </a14:m>
+                <a:r>
+                  <a:rPr lang="ja-JP" altLang="en-US" dirty="0"/>
+                  <a:t>になる</a:t>
+                </a:r>
                 <a:endParaRPr lang="en-US" altLang="ja-JP" dirty="0"/>
               </a:p>
               <a:p>
                 <a:pPr lvl="1"/>
-                <a:endParaRPr lang="en-US" altLang="ja-JP" dirty="0"/>
-              </a:p>
-              <a:p>
                 <a:r>
                   <a:rPr lang="ja-JP" altLang="en-US" dirty="0"/>
-                  <a:t>では、</a:t>
+                  <a:t>つまり、</a:t>
+                </a:r>
+                <a:r>
+                  <a:rPr lang="en-US" altLang="ja-JP" dirty="0"/>
+                  <a:t> </a:t>
                 </a:r>
                 <a14:m>
                   <m:oMath xmlns:m="http://schemas.openxmlformats.org/officeDocument/2006/math">
@@ -6336,7 +10454,7 @@
                         <m:ctrlPr>
                           <a:rPr lang="en-US" altLang="ja-JP" i="1" smtClean="0">
                             <a:solidFill>
-                              <a:schemeClr val="tx1"/>
+                              <a:srgbClr val="FF0000"/>
                             </a:solidFill>
                             <a:latin typeface="Cambria Math" panose="02040503050406030204" pitchFamily="18" charset="0"/>
                           </a:rPr>
@@ -6348,7 +10466,7 @@
                             <m:ctrlPr>
                               <a:rPr lang="en-US" altLang="ja-JP" i="1">
                                 <a:solidFill>
-                                  <a:schemeClr val="tx1"/>
+                                  <a:srgbClr val="FF0000"/>
                                 </a:solidFill>
                                 <a:latin typeface="Cambria Math" panose="02040503050406030204" pitchFamily="18" charset="0"/>
                               </a:rPr>
@@ -6356,21 +10474,12 @@
                           </m:sSubPr>
                           <m:e>
                             <m:r>
-                              <a:rPr lang="en-US" altLang="ja-JP">
-                                <a:solidFill>
-                                  <a:schemeClr val="tx1"/>
-                                </a:solidFill>
-                                <a:latin typeface="Cambria Math" panose="02040503050406030204" pitchFamily="18" charset="0"/>
-                              </a:rPr>
-                              <m:t> </m:t>
-                            </m:r>
-                            <m:r>
                               <m:rPr>
                                 <m:sty m:val="p"/>
                               </m:rPr>
                               <a:rPr lang="en-US" altLang="ja-JP">
                                 <a:solidFill>
-                                  <a:schemeClr val="tx1"/>
+                                  <a:srgbClr val="FF0000"/>
                                 </a:solidFill>
                                 <a:latin typeface="Cambria Math" panose="02040503050406030204" pitchFamily="18" charset="0"/>
                               </a:rPr>
@@ -6381,29 +10490,29 @@
                             <m:r>
                               <a:rPr lang="en-US" altLang="ja-JP" i="1">
                                 <a:solidFill>
-                                  <a:schemeClr val="tx1"/>
+                                  <a:srgbClr val="FF0000"/>
                                 </a:solidFill>
                                 <a:latin typeface="Cambria Math" panose="02040503050406030204" pitchFamily="18" charset="0"/>
                               </a:rPr>
-                              <m:t>𝑒</m:t>
+                              <m:t>𝑎</m:t>
                             </m:r>
                           </m:sub>
                         </m:sSub>
                       </m:fName>
                       <m:e>
                         <m:r>
-                          <a:rPr lang="en-US" altLang="ja-JP" b="0" i="1" smtClean="0">
+                          <a:rPr lang="en-US" altLang="ja-JP" i="1">
                             <a:solidFill>
-                              <a:schemeClr val="tx1"/>
+                              <a:srgbClr val="FF0000"/>
                             </a:solidFill>
                             <a:latin typeface="Cambria Math" panose="02040503050406030204" pitchFamily="18" charset="0"/>
                           </a:rPr>
-                          <m:t>𝑦</m:t>
+                          <m:t>𝑏</m:t>
                         </m:r>
                         <m:r>
                           <a:rPr lang="en-US" altLang="ja-JP" b="0" i="1" smtClean="0">
                             <a:solidFill>
-                              <a:schemeClr val="tx1"/>
+                              <a:srgbClr val="FF0000"/>
                             </a:solidFill>
                             <a:latin typeface="Cambria Math" panose="02040503050406030204" pitchFamily="18" charset="0"/>
                           </a:rPr>
@@ -6412,20 +10521,95 @@
                         <m:r>
                           <a:rPr lang="en-US" altLang="ja-JP" b="0" i="1" smtClean="0">
                             <a:solidFill>
-                              <a:schemeClr val="tx1"/>
+                              <a:srgbClr val="FF0000"/>
                             </a:solidFill>
                             <a:latin typeface="Cambria Math" panose="02040503050406030204" pitchFamily="18" charset="0"/>
                           </a:rPr>
-                          <m:t>𝑥</m:t>
+                          <m:t>𝑐</m:t>
+                        </m:r>
+                        <m:r>
+                          <a:rPr lang="en-US" altLang="ja-JP" b="0" i="1" smtClean="0">
+                            <a:solidFill>
+                              <a:srgbClr val="FF0000"/>
+                            </a:solidFill>
+                            <a:latin typeface="Cambria Math" panose="02040503050406030204" pitchFamily="18" charset="0"/>
+                          </a:rPr>
+                          <m:t> </m:t>
+                        </m:r>
+                        <m:r>
+                          <a:rPr lang="ja-JP" altLang="en-US" i="1">
+                            <a:solidFill>
+                              <a:srgbClr val="FF0000"/>
+                            </a:solidFill>
+                            <a:latin typeface="Cambria Math" panose="02040503050406030204" pitchFamily="18" charset="0"/>
+                          </a:rPr>
+                          <m:t>ならば</m:t>
+                        </m:r>
+                        <m:r>
+                          <a:rPr lang="ja-JP" altLang="en-US" i="1" smtClean="0">
+                            <a:solidFill>
+                              <a:srgbClr val="FF0000"/>
+                            </a:solidFill>
+                            <a:latin typeface="Cambria Math" panose="02040503050406030204" pitchFamily="18" charset="0"/>
+                          </a:rPr>
+                          <m:t>、</m:t>
+                        </m:r>
+                        <m:sSup>
+                          <m:sSupPr>
+                            <m:ctrlPr>
+                              <a:rPr lang="pt-BR" altLang="ja-JP" b="0" i="1" smtClean="0">
+                                <a:solidFill>
+                                  <a:srgbClr val="FF0000"/>
+                                </a:solidFill>
+                                <a:latin typeface="Cambria Math" panose="02040503050406030204" pitchFamily="18" charset="0"/>
+                              </a:rPr>
+                            </m:ctrlPr>
+                          </m:sSupPr>
+                          <m:e>
+                            <m:r>
+                              <a:rPr lang="pt-BR" altLang="ja-JP" b="0" i="1" smtClean="0">
+                                <a:solidFill>
+                                  <a:srgbClr val="FF0000"/>
+                                </a:solidFill>
+                                <a:latin typeface="Cambria Math" panose="02040503050406030204" pitchFamily="18" charset="0"/>
+                              </a:rPr>
+                              <m:t>𝑎</m:t>
+                            </m:r>
+                          </m:e>
+                          <m:sup>
+                            <m:r>
+                              <a:rPr lang="en-US" altLang="ja-JP" b="0" i="1" smtClean="0">
+                                <a:solidFill>
+                                  <a:srgbClr val="FF0000"/>
+                                </a:solidFill>
+                                <a:latin typeface="Cambria Math" panose="02040503050406030204" pitchFamily="18" charset="0"/>
+                              </a:rPr>
+                              <m:t>𝑐</m:t>
+                            </m:r>
+                          </m:sup>
+                        </m:sSup>
+                        <m:r>
+                          <a:rPr lang="pt-BR" altLang="ja-JP" b="0" i="1" smtClean="0">
+                            <a:solidFill>
+                              <a:srgbClr val="FF0000"/>
+                            </a:solidFill>
+                            <a:latin typeface="Cambria Math" panose="02040503050406030204" pitchFamily="18" charset="0"/>
+                          </a:rPr>
+                          <m:t>=</m:t>
+                        </m:r>
+                        <m:r>
+                          <a:rPr lang="en-US" altLang="ja-JP" b="0" i="1" smtClean="0">
+                            <a:solidFill>
+                              <a:srgbClr val="FF0000"/>
+                            </a:solidFill>
+                            <a:latin typeface="Cambria Math" panose="02040503050406030204" pitchFamily="18" charset="0"/>
+                          </a:rPr>
+                          <m:t>𝑏</m:t>
                         </m:r>
                       </m:e>
                     </m:func>
                   </m:oMath>
                 </a14:m>
-                <a:r>
-                  <a:rPr lang="ja-JP" altLang="en-US" dirty="0"/>
-                  <a:t>　なら？</a:t>
-                </a:r>
                 <a:endParaRPr lang="en-US" altLang="ja-JP" dirty="0"/>
               </a:p>
               <a:p>
@@ -6510,12 +10694,16 @@
                   </m:oMath>
                 </a14:m>
                 <a:r>
-                  <a:rPr lang="en-US" altLang="ja-JP" dirty="0"/>
+                  <a:rPr lang="en-US" altLang="ja-JP" dirty="0">
+                    <a:solidFill>
+                      <a:srgbClr val="FF0000"/>
+                    </a:solidFill>
+                  </a:rPr>
                   <a:t>np.log(y)</a:t>
                 </a:r>
                 <a:r>
                   <a:rPr lang="ja-JP" altLang="en-US" dirty="0"/>
-                  <a:t>と表現する。</a:t>
+                  <a:t>と表現する</a:t>
                 </a:r>
                 <a:endParaRPr lang="en-US" altLang="ja-JP" dirty="0"/>
               </a:p>
@@ -6597,6 +10785,407 @@
           <p:cNvPr id="2" name="タイトル 1">
             <a:extLst>
               <a:ext uri="{FF2B5EF4-FFF2-40B4-BE49-F238E27FC236}">
+                <a16:creationId xmlns:a16="http://schemas.microsoft.com/office/drawing/2014/main" id="{FC94B081-97C4-46C5-8C31-B33504569ABA}"/>
+              </a:ext>
+            </a:extLst>
+          </p:cNvPr>
+          <p:cNvSpPr>
+            <a:spLocks noGrp="1"/>
+          </p:cNvSpPr>
+          <p:nvPr>
+            <p:ph type="title"/>
+          </p:nvPr>
+        </p:nvSpPr>
+        <p:spPr/>
+        <p:txBody>
+          <a:bodyPr/>
+          <a:lstStyle/>
+          <a:p>
+            <a:r>
+              <a:rPr kumimoji="1" lang="ja-JP" altLang="en-US" dirty="0"/>
+              <a:t>ここまでのまとめ</a:t>
+            </a:r>
+          </a:p>
+        </p:txBody>
+      </p:sp>
+      <mc:AlternateContent xmlns:mc="http://schemas.openxmlformats.org/markup-compatibility/2006">
+        <mc:Choice xmlns:a14="http://schemas.microsoft.com/office/drawing/2010/main" Requires="a14">
+          <p:sp>
+            <p:nvSpPr>
+              <p:cNvPr id="3" name="コンテンツ プレースホルダー 2">
+                <a:extLst>
+                  <a:ext uri="{FF2B5EF4-FFF2-40B4-BE49-F238E27FC236}">
+                    <a16:creationId xmlns:a16="http://schemas.microsoft.com/office/drawing/2014/main" id="{9AC00D92-732A-4031-9088-87F741EF5E6E}"/>
+                  </a:ext>
+                </a:extLst>
+              </p:cNvPr>
+              <p:cNvSpPr>
+                <a:spLocks noGrp="1"/>
+              </p:cNvSpPr>
+              <p:nvPr>
+                <p:ph idx="1"/>
+              </p:nvPr>
+            </p:nvSpPr>
+            <p:spPr/>
+            <p:txBody>
+              <a:bodyPr/>
+              <a:lstStyle/>
+              <a:p>
+                <a:r>
+                  <a:rPr kumimoji="1" lang="ja-JP" altLang="en-US" dirty="0"/>
+                  <a:t>シグマ　</a:t>
+                </a:r>
+                <a14:m>
+                  <m:oMath xmlns:m="http://schemas.openxmlformats.org/officeDocument/2006/math">
+                    <m:r>
+                      <a:rPr lang="en-US" altLang="ja-JP" i="1" dirty="0">
+                        <a:latin typeface="Cambria Math" panose="02040503050406030204" pitchFamily="18" charset="0"/>
+                      </a:rPr>
+                      <m:t>𝛴</m:t>
+                    </m:r>
+                  </m:oMath>
+                </a14:m>
+                <a:endParaRPr kumimoji="1" lang="en-US" altLang="ja-JP" dirty="0"/>
+              </a:p>
+              <a:p>
+                <a:pPr lvl="1"/>
+                <a:r>
+                  <a:rPr lang="ja-JP" altLang="en-US" dirty="0"/>
+                  <a:t>総和を求める。</a:t>
+                </a:r>
+                <a:endParaRPr lang="en-US" altLang="ja-JP" dirty="0"/>
+              </a:p>
+              <a:p>
+                <a:pPr lvl="1"/>
+                <a:r>
+                  <a:rPr kumimoji="1" lang="en-US" altLang="ja-JP" dirty="0"/>
+                  <a:t>Python</a:t>
+                </a:r>
+                <a:r>
+                  <a:rPr kumimoji="1" lang="ja-JP" altLang="en-US" dirty="0"/>
+                  <a:t>だと</a:t>
+                </a:r>
+                <a:r>
+                  <a:rPr kumimoji="1" lang="en-US" altLang="ja-JP" dirty="0" err="1"/>
+                  <a:t>numpy.sum</a:t>
+                </a:r>
+                <a:r>
+                  <a:rPr lang="en-US" altLang="ja-JP" dirty="0"/>
+                  <a:t>(array)</a:t>
+                </a:r>
+              </a:p>
+              <a:p>
+                <a:pPr lvl="1"/>
+                <a:endParaRPr kumimoji="1" lang="en-US" altLang="ja-JP" dirty="0"/>
+              </a:p>
+              <a:p>
+                <a:r>
+                  <a:rPr kumimoji="1" lang="ja-JP" altLang="en-US" dirty="0"/>
+                  <a:t>ネイピア数　</a:t>
+                </a:r>
+                <a:r>
+                  <a:rPr kumimoji="1" lang="en-US" altLang="ja-JP" dirty="0" err="1"/>
+                  <a:t>e</a:t>
+                </a:r>
+                <a:endParaRPr kumimoji="1" lang="en-US" altLang="ja-JP" dirty="0"/>
+              </a:p>
+              <a:p>
+                <a:pPr lvl="1"/>
+                <a:r>
+                  <a:rPr kumimoji="1" lang="ja-JP" altLang="en-US" dirty="0"/>
+                  <a:t>微分界のやべー奴</a:t>
+                </a:r>
+                <a:endParaRPr kumimoji="1" lang="en-US" altLang="ja-JP" dirty="0"/>
+              </a:p>
+              <a:p>
+                <a:pPr lvl="1"/>
+                <a:r>
+                  <a:rPr lang="en-US" altLang="ja-JP" dirty="0" err="1"/>
+                  <a:t>nampy.e</a:t>
+                </a:r>
+                <a:r>
+                  <a:rPr lang="ja-JP" altLang="en-US" dirty="0"/>
+                  <a:t>で</a:t>
+                </a:r>
+                <a:r>
+                  <a:rPr lang="en-US" altLang="ja-JP" dirty="0"/>
+                  <a:t>e</a:t>
+                </a:r>
+                <a:r>
+                  <a:rPr lang="ja-JP" altLang="en-US" dirty="0"/>
+                  <a:t>そのものを、</a:t>
+                </a:r>
+                <a:r>
+                  <a:rPr lang="en-US" altLang="ja-JP" dirty="0" err="1"/>
+                  <a:t>n</a:t>
+                </a:r>
+                <a:r>
+                  <a:rPr kumimoji="1" lang="en-US" altLang="ja-JP" dirty="0" err="1"/>
+                  <a:t>ampy.exp</a:t>
+                </a:r>
+                <a:r>
+                  <a:rPr kumimoji="1" lang="en-US" altLang="ja-JP" dirty="0"/>
+                  <a:t>(x)</a:t>
+                </a:r>
+                <a:r>
+                  <a:rPr kumimoji="1" lang="ja-JP" altLang="en-US" dirty="0"/>
+                  <a:t>で</a:t>
+                </a:r>
+                <a14:m>
+                  <m:oMath xmlns:m="http://schemas.openxmlformats.org/officeDocument/2006/math">
+                    <m:sSup>
+                      <m:sSupPr>
+                        <m:ctrlPr>
+                          <a:rPr lang="en-US" altLang="ja-JP" i="1">
+                            <a:latin typeface="Cambria Math" panose="02040503050406030204" pitchFamily="18" charset="0"/>
+                          </a:rPr>
+                        </m:ctrlPr>
+                      </m:sSupPr>
+                      <m:e>
+                        <m:r>
+                          <a:rPr lang="en-US" altLang="ja-JP" i="1">
+                            <a:latin typeface="Cambria Math" panose="02040503050406030204" pitchFamily="18" charset="0"/>
+                          </a:rPr>
+                          <m:t>𝑒</m:t>
+                        </m:r>
+                      </m:e>
+                      <m:sup>
+                        <m:r>
+                          <a:rPr lang="en-US" altLang="ja-JP" i="1">
+                            <a:latin typeface="Cambria Math" panose="02040503050406030204" pitchFamily="18" charset="0"/>
+                          </a:rPr>
+                          <m:t>𝑥</m:t>
+                        </m:r>
+                      </m:sup>
+                    </m:sSup>
+                  </m:oMath>
+                </a14:m>
+                <a:r>
+                  <a:rPr kumimoji="1" lang="ja-JP" altLang="en-US" dirty="0"/>
+                  <a:t>を得られる</a:t>
+                </a:r>
+                <a:endParaRPr kumimoji="1" lang="en-US" altLang="ja-JP" dirty="0"/>
+              </a:p>
+              <a:p>
+                <a:pPr lvl="1"/>
+                <a:endParaRPr lang="en-US" altLang="ja-JP" dirty="0"/>
+              </a:p>
+              <a:p>
+                <a:r>
+                  <a:rPr kumimoji="1" lang="ja-JP" altLang="en-US" dirty="0"/>
+                  <a:t>自然対数</a:t>
+                </a:r>
+                <a14:m>
+                  <m:oMath xmlns:m="http://schemas.openxmlformats.org/officeDocument/2006/math">
+                    <m:sSub>
+                      <m:sSubPr>
+                        <m:ctrlPr>
+                          <a:rPr lang="en-US" altLang="ja-JP" i="1">
+                            <a:latin typeface="Cambria Math" panose="02040503050406030204" pitchFamily="18" charset="0"/>
+                          </a:rPr>
+                        </m:ctrlPr>
+                      </m:sSubPr>
+                      <m:e>
+                        <m:r>
+                          <a:rPr lang="en-US" altLang="ja-JP">
+                            <a:latin typeface="Cambria Math" panose="02040503050406030204" pitchFamily="18" charset="0"/>
+                          </a:rPr>
+                          <m:t> </m:t>
+                        </m:r>
+                        <m:r>
+                          <m:rPr>
+                            <m:sty m:val="p"/>
+                          </m:rPr>
+                          <a:rPr lang="en-US" altLang="ja-JP">
+                            <a:latin typeface="Cambria Math" panose="02040503050406030204" pitchFamily="18" charset="0"/>
+                          </a:rPr>
+                          <m:t>log</m:t>
+                        </m:r>
+                      </m:e>
+                      <m:sub>
+                        <m:r>
+                          <a:rPr lang="en-US" altLang="ja-JP" i="1">
+                            <a:latin typeface="Cambria Math" panose="02040503050406030204" pitchFamily="18" charset="0"/>
+                          </a:rPr>
+                          <m:t>𝑒</m:t>
+                        </m:r>
+                      </m:sub>
+                    </m:sSub>
+                  </m:oMath>
+                </a14:m>
+                <a:r>
+                  <a:rPr kumimoji="1" lang="ja-JP" altLang="en-US" dirty="0"/>
+                  <a:t> </a:t>
+                </a:r>
+                <a:endParaRPr kumimoji="1" lang="en-US" altLang="ja-JP" dirty="0"/>
+              </a:p>
+              <a:p>
+                <a:pPr lvl="1"/>
+                <a14:m>
+                  <m:oMath xmlns:m="http://schemas.openxmlformats.org/officeDocument/2006/math">
+                    <m:func>
+                      <m:funcPr>
+                        <m:ctrlPr>
+                          <a:rPr lang="en-US" altLang="ja-JP" i="1">
+                            <a:latin typeface="Cambria Math" panose="02040503050406030204" pitchFamily="18" charset="0"/>
+                          </a:rPr>
+                        </m:ctrlPr>
+                      </m:funcPr>
+                      <m:fName>
+                        <m:sSub>
+                          <m:sSubPr>
+                            <m:ctrlPr>
+                              <a:rPr lang="en-US" altLang="ja-JP" i="1">
+                                <a:latin typeface="Cambria Math" panose="02040503050406030204" pitchFamily="18" charset="0"/>
+                              </a:rPr>
+                            </m:ctrlPr>
+                          </m:sSubPr>
+                          <m:e>
+                            <m:r>
+                              <m:rPr>
+                                <m:nor/>
+                              </m:rPr>
+                              <a:rPr lang="en-US" altLang="ja-JP" dirty="0"/>
+                              <m:t>Python</m:t>
+                            </m:r>
+                            <m:r>
+                              <m:rPr>
+                                <m:nor/>
+                              </m:rPr>
+                              <a:rPr lang="ja-JP" altLang="en-US" dirty="0"/>
+                              <m:t>だと</m:t>
+                            </m:r>
+                            <m:r>
+                              <m:rPr>
+                                <m:sty m:val="p"/>
+                              </m:rPr>
+                              <a:rPr lang="en-US" altLang="ja-JP">
+                                <a:latin typeface="Cambria Math" panose="02040503050406030204" pitchFamily="18" charset="0"/>
+                              </a:rPr>
+                              <m:t>log</m:t>
+                            </m:r>
+                          </m:e>
+                          <m:sub>
+                            <m:r>
+                              <a:rPr lang="en-US" altLang="ja-JP" i="1">
+                                <a:latin typeface="Cambria Math" panose="02040503050406030204" pitchFamily="18" charset="0"/>
+                              </a:rPr>
+                              <m:t>𝑒</m:t>
+                            </m:r>
+                          </m:sub>
+                        </m:sSub>
+                      </m:fName>
+                      <m:e>
+                        <m:r>
+                          <a:rPr lang="en-US" altLang="ja-JP" i="1">
+                            <a:latin typeface="Cambria Math" panose="02040503050406030204" pitchFamily="18" charset="0"/>
+                          </a:rPr>
+                          <m:t>𝑦</m:t>
+                        </m:r>
+                      </m:e>
+                    </m:func>
+                    <m:r>
+                      <a:rPr lang="en-US" altLang="ja-JP" i="1">
+                        <a:latin typeface="Cambria Math" panose="02040503050406030204" pitchFamily="18" charset="0"/>
+                      </a:rPr>
+                      <m:t> </m:t>
+                    </m:r>
+                    <m:r>
+                      <a:rPr lang="ja-JP" altLang="en-US" i="1">
+                        <a:latin typeface="Cambria Math" panose="02040503050406030204" pitchFamily="18" charset="0"/>
+                      </a:rPr>
+                      <m:t>を</m:t>
+                    </m:r>
+                  </m:oMath>
+                </a14:m>
+                <a:r>
+                  <a:rPr lang="en-US" altLang="ja-JP" dirty="0"/>
+                  <a:t>np.log(y)</a:t>
+                </a:r>
+                <a:r>
+                  <a:rPr lang="ja-JP" altLang="en-US" dirty="0"/>
+                  <a:t>と表現する</a:t>
+                </a:r>
+                <a:endParaRPr kumimoji="1" lang="ja-JP" altLang="en-US" dirty="0"/>
+              </a:p>
+            </p:txBody>
+          </p:sp>
+        </mc:Choice>
+        <mc:Fallback>
+          <p:sp>
+            <p:nvSpPr>
+              <p:cNvPr id="3" name="コンテンツ プレースホルダー 2">
+                <a:extLst>
+                  <a:ext uri="{FF2B5EF4-FFF2-40B4-BE49-F238E27FC236}">
+                    <a16:creationId xmlns:a16="http://schemas.microsoft.com/office/drawing/2014/main" id="{9AC00D92-732A-4031-9088-87F741EF5E6E}"/>
+                  </a:ext>
+                </a:extLst>
+              </p:cNvPr>
+              <p:cNvSpPr>
+                <a:spLocks noGrp="1" noRot="1" noChangeAspect="1" noMove="1" noResize="1" noEditPoints="1" noAdjustHandles="1" noChangeArrowheads="1" noChangeShapeType="1" noTextEdit="1"/>
+              </p:cNvSpPr>
+              <p:nvPr>
+                <p:ph idx="1"/>
+              </p:nvPr>
+            </p:nvSpPr>
+            <p:spPr>
+              <a:blipFill>
+                <a:blip r:embed="rId2"/>
+                <a:stretch>
+                  <a:fillRect l="-1043" t="-1977"/>
+                </a:stretch>
+              </a:blipFill>
+            </p:spPr>
+            <p:txBody>
+              <a:bodyPr/>
+              <a:lstStyle/>
+              <a:p>
+                <a:r>
+                  <a:rPr lang="ja-JP" altLang="en-US">
+                    <a:noFill/>
+                  </a:rPr>
+                  <a:t> </a:t>
+                </a:r>
+              </a:p>
+            </p:txBody>
+          </p:sp>
+        </mc:Fallback>
+      </mc:AlternateContent>
+    </p:spTree>
+    <p:extLst>
+      <p:ext uri="{BB962C8B-B14F-4D97-AF65-F5344CB8AC3E}">
+        <p14:creationId xmlns:p14="http://schemas.microsoft.com/office/powerpoint/2010/main" val="2703382612"/>
+      </p:ext>
+    </p:extLst>
+  </p:cSld>
+  <p:clrMapOvr>
+    <a:masterClrMapping/>
+  </p:clrMapOvr>
+</p:sld>
+</file>
+
+<file path=ppt/slides/slide7.xml><?xml version="1.0" encoding="utf-8"?>
+<p:sld xmlns:a="http://schemas.openxmlformats.org/drawingml/2006/main" xmlns:r="http://schemas.openxmlformats.org/officeDocument/2006/relationships" xmlns:p="http://schemas.openxmlformats.org/presentationml/2006/main">
+  <p:cSld>
+    <p:spTree>
+      <p:nvGrpSpPr>
+        <p:cNvPr id="1" name=""/>
+        <p:cNvGrpSpPr/>
+        <p:nvPr/>
+      </p:nvGrpSpPr>
+      <p:grpSpPr>
+        <a:xfrm>
+          <a:off x="0" y="0"/>
+          <a:ext cx="0" cy="0"/>
+          <a:chOff x="0" y="0"/>
+          <a:chExt cx="0" cy="0"/>
+        </a:xfrm>
+      </p:grpSpPr>
+      <p:sp>
+        <p:nvSpPr>
+          <p:cNvPr id="2" name="タイトル 1">
+            <a:extLst>
+              <a:ext uri="{FF2B5EF4-FFF2-40B4-BE49-F238E27FC236}">
                 <a16:creationId xmlns:a16="http://schemas.microsoft.com/office/drawing/2014/main" id="{EC35B4A4-CAE2-47D9-9ADB-7D977A6766A3}"/>
               </a:ext>
             </a:extLst>
@@ -6652,10 +11241,18 @@
               <a:p>
                 <a:pPr lvl="1"/>
                 <a:r>
-                  <a:rPr lang="ja-JP" altLang="en-US" dirty="0"/>
+                  <a:rPr lang="ja-JP" altLang="en-US" dirty="0">
+                    <a:solidFill>
+                      <a:srgbClr val="FF0000"/>
+                    </a:solidFill>
+                  </a:rPr>
                   <a:t>一つの値</a:t>
                 </a:r>
-                <a:endParaRPr lang="en-US" altLang="ja-JP" dirty="0"/>
+                <a:endParaRPr lang="en-US" altLang="ja-JP" dirty="0">
+                  <a:solidFill>
+                    <a:srgbClr val="FF0000"/>
+                  </a:solidFill>
+                </a:endParaRPr>
               </a:p>
               <a:p>
                 <a:pPr lvl="1"/>
@@ -6695,6 +11292,24 @@
                       </a:rPr>
                       <m:t>𝛾</m:t>
                     </m:r>
+                    <m:r>
+                      <a:rPr lang="ja-JP" altLang="en-US" i="1">
+                        <a:latin typeface="Cambria Math" panose="02040503050406030204" pitchFamily="18" charset="0"/>
+                      </a:rPr>
+                      <m:t>（</m:t>
+                    </m:r>
+                    <m:r>
+                      <a:rPr lang="ja-JP" altLang="en-US" i="1" smtClean="0">
+                        <a:latin typeface="Cambria Math" panose="02040503050406030204" pitchFamily="18" charset="0"/>
+                      </a:rPr>
+                      <m:t>要は</m:t>
+                    </m:r>
+                    <m:r>
+                      <a:rPr lang="ja-JP" altLang="en-US" i="1">
+                        <a:latin typeface="Cambria Math" panose="02040503050406030204" pitchFamily="18" charset="0"/>
+                      </a:rPr>
+                      <m:t>小文字）</m:t>
+                    </m:r>
                   </m:oMath>
                 </a14:m>
                 <a:r>
@@ -6717,18 +11332,34 @@
               <a:p>
                 <a:pPr lvl="1"/>
                 <a:r>
-                  <a:rPr lang="ja-JP" altLang="en-US" dirty="0"/>
+                  <a:rPr lang="ja-JP" altLang="en-US" dirty="0">
+                    <a:solidFill>
+                      <a:srgbClr val="FF0000"/>
+                    </a:solidFill>
+                  </a:rPr>
                   <a:t>スカラー</a:t>
                 </a:r>
                 <a:r>
-                  <a:rPr lang="en-US" altLang="ja-JP" dirty="0"/>
+                  <a:rPr lang="en-US" altLang="ja-JP" dirty="0">
+                    <a:solidFill>
+                      <a:srgbClr val="FF0000"/>
+                    </a:solidFill>
+                  </a:rPr>
                   <a:t>n</a:t>
                 </a:r>
                 <a:r>
-                  <a:rPr lang="ja-JP" altLang="en-US" dirty="0"/>
+                  <a:rPr lang="ja-JP" altLang="en-US" dirty="0">
+                    <a:solidFill>
+                      <a:srgbClr val="FF0000"/>
+                    </a:solidFill>
+                  </a:rPr>
                   <a:t>個で構成される一次元配列</a:t>
                 </a:r>
-                <a:endParaRPr lang="en-US" altLang="ja-JP" dirty="0"/>
+                <a:endParaRPr lang="en-US" altLang="ja-JP" dirty="0">
+                  <a:solidFill>
+                    <a:srgbClr val="FF0000"/>
+                  </a:solidFill>
+                </a:endParaRPr>
               </a:p>
               <a:p>
                 <a:pPr lvl="1"/>
@@ -6741,12 +11372,24 @@
               <a:p>
                 <a:pPr lvl="1"/>
                 <a:r>
+                  <a:rPr lang="ja-JP" altLang="en-US" dirty="0"/>
+                  <a:t>多分</a:t>
+                </a:r>
+                <a:r>
                   <a:rPr lang="en-US" altLang="ja-JP" dirty="0"/>
                   <a:t>std::vector</a:t>
                 </a:r>
                 <a:r>
                   <a:rPr lang="ja-JP" altLang="en-US" dirty="0"/>
-                  <a:t>の語源は多分ここ</a:t>
+                  <a:t>の語源（</a:t>
+                </a:r>
+                <a:r>
+                  <a:rPr lang="en-US" altLang="ja-JP" dirty="0"/>
+                  <a:t>99.9</a:t>
+                </a:r>
+                <a:r>
+                  <a:rPr lang="ja-JP" altLang="en-US" dirty="0"/>
+                  <a:t>％ぐらいの自信がある）</a:t>
                 </a:r>
                 <a:endParaRPr lang="en-US" altLang="ja-JP" dirty="0"/>
               </a:p>
@@ -6762,7 +11405,7 @@
                       <m:accPr>
                         <m:chr m:val="⃗"/>
                         <m:ctrlPr>
-                          <a:rPr lang="ja-JP" altLang="en-US" smtClean="0">
+                          <a:rPr lang="ja-JP" altLang="en-US" i="1" smtClean="0">
                             <a:latin typeface="Cambria Math" panose="02040503050406030204" pitchFamily="18" charset="0"/>
                           </a:rPr>
                         </m:ctrlPr>
@@ -6782,11 +11425,17 @@
                       </a:rPr>
                       <m:t>のように</m:t>
                     </m:r>
+                    <m:r>
+                      <a:rPr lang="ja-JP" altLang="en-US" i="1">
+                        <a:latin typeface="Cambria Math" panose="02040503050406030204" pitchFamily="18" charset="0"/>
+                      </a:rPr>
+                      <m:t>矢印の乗った</m:t>
+                    </m:r>
                   </m:oMath>
                 </a14:m>
                 <a:r>
                   <a:rPr lang="ja-JP" altLang="en-US" dirty="0"/>
-                  <a:t>示される</a:t>
+                  <a:t>小文字で示される</a:t>
                 </a:r>
                 <a:endParaRPr lang="en-US" altLang="ja-JP" dirty="0"/>
               </a:p>
@@ -6846,7 +11495,7 @@
 </p:sld>
 </file>
 
-<file path=ppt/slides/slide7.xml><?xml version="1.0" encoding="utf-8"?>
+<file path=ppt/slides/slide8.xml><?xml version="1.0" encoding="utf-8"?>
 <p:sld xmlns:a="http://schemas.openxmlformats.org/drawingml/2006/main" xmlns:r="http://schemas.openxmlformats.org/officeDocument/2006/relationships" xmlns:p="http://schemas.openxmlformats.org/presentationml/2006/main">
   <p:cSld>
     <p:spTree>
@@ -6921,10 +11570,18 @@
           <a:p>
             <a:pPr lvl="1"/>
             <a:r>
-              <a:rPr lang="ja-JP" altLang="en-US" dirty="0"/>
+              <a:rPr lang="ja-JP" altLang="en-US" dirty="0">
+                <a:solidFill>
+                  <a:srgbClr val="FF0000"/>
+                </a:solidFill>
+              </a:rPr>
               <a:t>二次元配列</a:t>
             </a:r>
-            <a:endParaRPr lang="en-US" altLang="ja-JP" dirty="0"/>
+            <a:endParaRPr lang="en-US" altLang="ja-JP" dirty="0">
+              <a:solidFill>
+                <a:srgbClr val="FF0000"/>
+              </a:solidFill>
+            </a:endParaRPr>
           </a:p>
           <a:p>
             <a:pPr lvl="1"/>
@@ -6938,7 +11595,7 @@
             <a:pPr lvl="2"/>
             <a:r>
               <a:rPr kumimoji="1" lang="ja-JP" altLang="en-US" dirty="0"/>
-              <a:t>本の方に書いてあるやつは</a:t>
+              <a:t>本に書いてあるやつは</a:t>
             </a:r>
             <a:r>
               <a:rPr kumimoji="1" lang="en-US" altLang="ja-JP" dirty="0"/>
@@ -6962,7 +11619,15 @@
             <a:pPr lvl="1"/>
             <a:r>
               <a:rPr lang="ja-JP" altLang="en-US" dirty="0"/>
-              <a:t>ここではイタリックの大文字アルファベット</a:t>
+              <a:t>ここではイタリックの大文字アルファベット（</a:t>
+            </a:r>
+            <a:r>
+              <a:rPr lang="en-US" altLang="ja-JP" i="1" dirty="0"/>
+              <a:t>A</a:t>
+            </a:r>
+            <a:r>
+              <a:rPr lang="ja-JP" altLang="en-US" dirty="0"/>
+              <a:t>とか。）</a:t>
             </a:r>
             <a:endParaRPr lang="en-US" altLang="ja-JP" dirty="0"/>
           </a:p>
@@ -6980,9 +11645,37 @@
             <a:pPr lvl="1"/>
             <a:r>
               <a:rPr lang="ja-JP" altLang="en-US" dirty="0"/>
-              <a:t>スカラーを複数の次元に並べたもの</a:t>
-            </a:r>
-            <a:endParaRPr lang="en-US" altLang="ja-JP" dirty="0"/>
+              <a:t>スカラーを複数の次元に並べたもの。</a:t>
+            </a:r>
+            <a:r>
+              <a:rPr lang="ja-JP" altLang="en-US" dirty="0">
+                <a:solidFill>
+                  <a:srgbClr val="FF0000"/>
+                </a:solidFill>
+              </a:rPr>
+              <a:t>今までの</a:t>
+            </a:r>
+            <a:r>
+              <a:rPr lang="ja-JP" altLang="en-US" dirty="0" err="1">
+                <a:solidFill>
+                  <a:srgbClr val="FF0000"/>
+                </a:solidFill>
+              </a:rPr>
+              <a:t>は</a:t>
+            </a:r>
+            <a:r>
+              <a:rPr lang="ja-JP" altLang="en-US" dirty="0">
+                <a:solidFill>
+                  <a:srgbClr val="FF0000"/>
+                </a:solidFill>
+              </a:rPr>
+              <a:t>全部テンソル。</a:t>
+            </a:r>
+            <a:endParaRPr lang="en-US" altLang="ja-JP" dirty="0">
+              <a:solidFill>
+                <a:srgbClr val="FF0000"/>
+              </a:solidFill>
+            </a:endParaRPr>
           </a:p>
           <a:p>
             <a:pPr lvl="2"/>
@@ -7027,42 +11720,82 @@
               <a:t>と数える。</a:t>
             </a:r>
             <a:r>
-              <a:rPr lang="en-US" altLang="ja-JP" dirty="0"/>
+              <a:rPr lang="en-US" altLang="ja-JP" dirty="0">
+                <a:solidFill>
+                  <a:srgbClr val="FF0000"/>
+                </a:solidFill>
+              </a:rPr>
               <a:t>N</a:t>
             </a:r>
             <a:r>
-              <a:rPr lang="ja-JP" altLang="en-US" dirty="0"/>
+              <a:rPr lang="ja-JP" altLang="en-US" dirty="0">
+                <a:solidFill>
+                  <a:srgbClr val="FF0000"/>
+                </a:solidFill>
+              </a:rPr>
               <a:t>次元配列は</a:t>
             </a:r>
             <a:r>
-              <a:rPr lang="en-US" altLang="ja-JP" dirty="0"/>
+              <a:rPr lang="en-US" altLang="ja-JP" dirty="0">
+                <a:solidFill>
+                  <a:srgbClr val="FF0000"/>
+                </a:solidFill>
+              </a:rPr>
               <a:t>N</a:t>
             </a:r>
             <a:r>
-              <a:rPr lang="ja-JP" altLang="en-US" dirty="0"/>
+              <a:rPr lang="ja-JP" altLang="en-US" dirty="0">
+                <a:solidFill>
+                  <a:srgbClr val="FF0000"/>
+                </a:solidFill>
+              </a:rPr>
               <a:t>階。</a:t>
             </a:r>
-            <a:endParaRPr lang="en-US" altLang="ja-JP" dirty="0"/>
+            <a:endParaRPr lang="en-US" altLang="ja-JP" dirty="0">
+              <a:solidFill>
+                <a:srgbClr val="FF0000"/>
+              </a:solidFill>
+            </a:endParaRPr>
           </a:p>
           <a:p>
             <a:pPr lvl="1"/>
             <a:r>
-              <a:rPr lang="en-US" altLang="ja-JP" dirty="0"/>
+              <a:rPr lang="en-US" altLang="ja-JP" dirty="0">
+                <a:solidFill>
+                  <a:srgbClr val="FF0000"/>
+                </a:solidFill>
+              </a:rPr>
               <a:t>Python</a:t>
             </a:r>
             <a:r>
-              <a:rPr lang="ja-JP" altLang="en-US" dirty="0"/>
+              <a:rPr lang="ja-JP" altLang="en-US" dirty="0">
+                <a:solidFill>
+                  <a:srgbClr val="FF0000"/>
+                </a:solidFill>
+              </a:rPr>
               <a:t>では</a:t>
             </a:r>
             <a:r>
-              <a:rPr lang="en-US" altLang="ja-JP" dirty="0"/>
+              <a:rPr lang="en-US" altLang="ja-JP" dirty="0">
+                <a:solidFill>
+                  <a:srgbClr val="FF0000"/>
+                </a:solidFill>
+              </a:rPr>
               <a:t>0</a:t>
             </a:r>
             <a:r>
-              <a:rPr lang="ja-JP" altLang="en-US" dirty="0"/>
+              <a:rPr lang="ja-JP" altLang="en-US" dirty="0">
+                <a:solidFill>
+                  <a:srgbClr val="FF0000"/>
+                </a:solidFill>
+              </a:rPr>
               <a:t>階以外のテンソルの階数を変換可能</a:t>
             </a:r>
-            <a:endParaRPr lang="en-US" altLang="ja-JP" dirty="0"/>
+            <a:endParaRPr lang="en-US" altLang="ja-JP" dirty="0">
+              <a:solidFill>
+                <a:srgbClr val="FF0000"/>
+              </a:solidFill>
+            </a:endParaRPr>
           </a:p>
           <a:p>
             <a:pPr lvl="2"/>
@@ -7096,12 +11829,20 @@
             </a:r>
           </a:p>
           <a:p>
-            <a:pPr lvl="2"/>
-            <a:r>
-              <a:rPr lang="ja-JP" altLang="en-US" dirty="0"/>
-              <a:t>要素数を合わせる必要はあります。</a:t>
-            </a:r>
-            <a:endParaRPr lang="en-US" altLang="ja-JP" dirty="0"/>
+            <a:pPr lvl="3"/>
+            <a:r>
+              <a:rPr lang="ja-JP" altLang="en-US" dirty="0">
+                <a:solidFill>
+                  <a:srgbClr val="FF0000"/>
+                </a:solidFill>
+              </a:rPr>
+              <a:t>要素数を合わせる必要はあります</a:t>
+            </a:r>
+            <a:endParaRPr lang="en-US" altLang="ja-JP" dirty="0">
+              <a:solidFill>
+                <a:srgbClr val="FF0000"/>
+              </a:solidFill>
+            </a:endParaRPr>
           </a:p>
         </p:txBody>
       </p:sp>
@@ -7118,7 +11859,7 @@
 </p:sld>
 </file>
 
-<file path=ppt/slides/slide8.xml><?xml version="1.0" encoding="utf-8"?>
+<file path=ppt/slides/slide9.xml><?xml version="1.0" encoding="utf-8"?>
 <p:sld xmlns:a="http://schemas.openxmlformats.org/drawingml/2006/main" xmlns:r="http://schemas.openxmlformats.org/officeDocument/2006/relationships" xmlns:p="http://schemas.openxmlformats.org/presentationml/2006/main">
   <p:cSld>
     <p:spTree>
@@ -7194,9 +11935,21 @@
             <a:pPr lvl="1"/>
             <a:r>
               <a:rPr lang="ja-JP" altLang="en-US" dirty="0"/>
-              <a:t>行列側の全要素にスカラーの値が掛かります</a:t>
-            </a:r>
-            <a:endParaRPr kumimoji="1" lang="en-US" altLang="ja-JP" dirty="0"/>
+              <a:t>行列側の</a:t>
+            </a:r>
+            <a:r>
+              <a:rPr lang="ja-JP" altLang="en-US" dirty="0">
+                <a:solidFill>
+                  <a:srgbClr val="FF0000"/>
+                </a:solidFill>
+              </a:rPr>
+              <a:t>全要素にスカラーの値が掛かります</a:t>
+            </a:r>
+            <a:endParaRPr kumimoji="1" lang="en-US" altLang="ja-JP" dirty="0">
+              <a:solidFill>
+                <a:srgbClr val="FF0000"/>
+              </a:solidFill>
+            </a:endParaRPr>
           </a:p>
           <a:p>
             <a:pPr lvl="1"/>
@@ -7209,15 +11962,27 @@
               <a:t>では　</a:t>
             </a:r>
             <a:r>
-              <a:rPr kumimoji="1" lang="en-US" altLang="ja-JP" dirty="0"/>
+              <a:rPr kumimoji="1" lang="en-US" altLang="ja-JP" dirty="0">
+                <a:solidFill>
+                  <a:srgbClr val="FF0000"/>
+                </a:solidFill>
+              </a:rPr>
               <a:t>n</a:t>
             </a:r>
             <a:r>
-              <a:rPr kumimoji="1" lang="ja-JP" altLang="en-US" dirty="0"/>
+              <a:rPr kumimoji="1" lang="ja-JP" altLang="en-US" dirty="0">
+                <a:solidFill>
+                  <a:srgbClr val="FF0000"/>
+                </a:solidFill>
+              </a:rPr>
               <a:t>*</a:t>
             </a:r>
             <a:r>
-              <a:rPr kumimoji="1" lang="en-US" altLang="ja-JP" i="1" dirty="0"/>
+              <a:rPr kumimoji="1" lang="en-US" altLang="ja-JP" i="1" dirty="0">
+                <a:solidFill>
+                  <a:srgbClr val="FF0000"/>
+                </a:solidFill>
+              </a:rPr>
               <a:t>A</a:t>
             </a:r>
             <a:r>
@@ -7243,10 +12008,18 @@
           <a:p>
             <a:pPr lvl="1"/>
             <a:r>
-              <a:rPr lang="ja-JP" altLang="en-US" dirty="0"/>
+              <a:rPr lang="ja-JP" altLang="en-US" dirty="0">
+                <a:solidFill>
+                  <a:srgbClr val="FF0000"/>
+                </a:solidFill>
+              </a:rPr>
               <a:t>同一箇所の要素同士の積を計算します</a:t>
             </a:r>
-            <a:endParaRPr lang="en-US" altLang="ja-JP" dirty="0"/>
+            <a:endParaRPr lang="en-US" altLang="ja-JP" dirty="0">
+              <a:solidFill>
+                <a:srgbClr val="FF0000"/>
+              </a:solidFill>
+            </a:endParaRPr>
           </a:p>
           <a:p>
             <a:pPr lvl="1"/>
@@ -7259,19 +12032,35 @@
               <a:t>では　</a:t>
             </a:r>
             <a:r>
-              <a:rPr lang="en-US" altLang="ja-JP" i="1" dirty="0"/>
+              <a:rPr lang="en-US" altLang="ja-JP" i="1" dirty="0">
+                <a:solidFill>
+                  <a:srgbClr val="FF0000"/>
+                </a:solidFill>
+              </a:rPr>
               <a:t>B</a:t>
             </a:r>
             <a:r>
-              <a:rPr lang="ja-JP" altLang="en-US" i="1" dirty="0"/>
+              <a:rPr lang="ja-JP" altLang="en-US" i="1" dirty="0">
+                <a:solidFill>
+                  <a:srgbClr val="FF0000"/>
+                </a:solidFill>
+              </a:rPr>
               <a:t> </a:t>
             </a:r>
             <a:r>
-              <a:rPr lang="ja-JP" altLang="en-US" dirty="0"/>
+              <a:rPr lang="ja-JP" altLang="en-US" dirty="0">
+                <a:solidFill>
+                  <a:srgbClr val="FF0000"/>
+                </a:solidFill>
+              </a:rPr>
               <a:t>*</a:t>
             </a:r>
             <a:r>
-              <a:rPr lang="en-US" altLang="ja-JP" i="1" dirty="0"/>
+              <a:rPr lang="en-US" altLang="ja-JP" i="1" dirty="0">
+                <a:solidFill>
+                  <a:srgbClr val="FF0000"/>
+                </a:solidFill>
+              </a:rPr>
               <a:t>A</a:t>
             </a:r>
             <a:r>
@@ -7281,6 +12070,26 @@
             <a:r>
               <a:rPr lang="ja-JP" altLang="en-US" dirty="0"/>
               <a:t>と表現できます</a:t>
+            </a:r>
+            <a:endParaRPr lang="en-US" altLang="ja-JP" dirty="0"/>
+          </a:p>
+          <a:p>
+            <a:pPr lvl="1"/>
+            <a:r>
+              <a:rPr kumimoji="1" lang="ja-JP" altLang="en-US" dirty="0"/>
+              <a:t>基本的に同一の大きさでないと無理</a:t>
+            </a:r>
+            <a:endParaRPr kumimoji="1" lang="en-US" altLang="ja-JP" dirty="0"/>
+          </a:p>
+          <a:p>
+            <a:pPr lvl="2"/>
+            <a:r>
+              <a:rPr lang="ja-JP" altLang="en-US" dirty="0"/>
+              <a:t>ブロードキャスト機能を活用すると可能になる場合もあるが</a:t>
+            </a:r>
+            <a:r>
+              <a:rPr lang="en-US" altLang="ja-JP" dirty="0"/>
+              <a:t>…</a:t>
             </a:r>
             <a:endParaRPr kumimoji="1" lang="ja-JP" altLang="en-US" dirty="0"/>
           </a:p>
@@ -7290,369 +12099,6 @@
     <p:extLst>
       <p:ext uri="{BB962C8B-B14F-4D97-AF65-F5344CB8AC3E}">
         <p14:creationId xmlns:p14="http://schemas.microsoft.com/office/powerpoint/2010/main" val="2257362140"/>
-      </p:ext>
-    </p:extLst>
-  </p:cSld>
-  <p:clrMapOvr>
-    <a:masterClrMapping/>
-  </p:clrMapOvr>
-</p:sld>
-</file>
-
-<file path=ppt/slides/slide9.xml><?xml version="1.0" encoding="utf-8"?>
-<p:sld xmlns:a="http://schemas.openxmlformats.org/drawingml/2006/main" xmlns:r="http://schemas.openxmlformats.org/officeDocument/2006/relationships" xmlns:p="http://schemas.openxmlformats.org/presentationml/2006/main">
-  <p:cSld>
-    <p:spTree>
-      <p:nvGrpSpPr>
-        <p:cNvPr id="1" name=""/>
-        <p:cNvGrpSpPr/>
-        <p:nvPr/>
-      </p:nvGrpSpPr>
-      <p:grpSpPr>
-        <a:xfrm>
-          <a:off x="0" y="0"/>
-          <a:ext cx="0" cy="0"/>
-          <a:chOff x="0" y="0"/>
-          <a:chExt cx="0" cy="0"/>
-        </a:xfrm>
-      </p:grpSpPr>
-      <p:sp>
-        <p:nvSpPr>
-          <p:cNvPr id="2" name="タイトル 1">
-            <a:extLst>
-              <a:ext uri="{FF2B5EF4-FFF2-40B4-BE49-F238E27FC236}">
-                <a16:creationId xmlns:a16="http://schemas.microsoft.com/office/drawing/2014/main" id="{05A31F83-3A68-49AE-BABB-31045E3D0600}"/>
-              </a:ext>
-            </a:extLst>
-          </p:cNvPr>
-          <p:cNvSpPr>
-            <a:spLocks noGrp="1"/>
-          </p:cNvSpPr>
-          <p:nvPr>
-            <p:ph type="title"/>
-          </p:nvPr>
-        </p:nvSpPr>
-        <p:spPr/>
-        <p:txBody>
-          <a:bodyPr/>
-          <a:lstStyle/>
-          <a:p>
-            <a:r>
-              <a:rPr kumimoji="1" lang="ja-JP" altLang="en-US" dirty="0"/>
-              <a:t>行列の積　その二</a:t>
-            </a:r>
-          </a:p>
-        </p:txBody>
-      </p:sp>
-      <p:sp>
-        <p:nvSpPr>
-          <p:cNvPr id="3" name="コンテンツ プレースホルダー 2">
-            <a:extLst>
-              <a:ext uri="{FF2B5EF4-FFF2-40B4-BE49-F238E27FC236}">
-                <a16:creationId xmlns:a16="http://schemas.microsoft.com/office/drawing/2014/main" id="{F44F95C7-5661-435D-A1CF-485BCDFCDDA4}"/>
-              </a:ext>
-            </a:extLst>
-          </p:cNvPr>
-          <p:cNvSpPr>
-            <a:spLocks noGrp="1"/>
-          </p:cNvSpPr>
-          <p:nvPr>
-            <p:ph idx="1"/>
-          </p:nvPr>
-        </p:nvSpPr>
-        <p:spPr/>
-        <p:txBody>
-          <a:bodyPr/>
-          <a:lstStyle/>
-          <a:p>
-            <a:r>
-              <a:rPr kumimoji="1" lang="ja-JP" altLang="en-US" dirty="0"/>
-              <a:t>行列*行列（ドット積）</a:t>
-            </a:r>
-            <a:endParaRPr kumimoji="1" lang="en-US" altLang="ja-JP" dirty="0"/>
-          </a:p>
-          <a:p>
-            <a:pPr lvl="1"/>
-            <a:r>
-              <a:rPr lang="en-US" altLang="ja-JP" dirty="0"/>
-              <a:t>84</a:t>
-            </a:r>
-            <a:r>
-              <a:rPr lang="ja-JP" altLang="en-US" dirty="0"/>
-              <a:t>ページ一番上の例の</a:t>
-            </a:r>
-            <a:r>
-              <a:rPr lang="en-US" altLang="ja-JP" dirty="0"/>
-              <a:t>3</a:t>
-            </a:r>
-            <a:r>
-              <a:rPr lang="ja-JP" altLang="en-US" dirty="0"/>
-              <a:t>行目を日本語で表現すると</a:t>
-            </a:r>
-            <a:r>
-              <a:rPr lang="en-US" altLang="ja-JP" dirty="0"/>
-              <a:t>…</a:t>
-            </a:r>
-          </a:p>
-          <a:p>
-            <a:pPr marL="914400" lvl="2" indent="0">
-              <a:buNone/>
-            </a:pPr>
-            <a:r>
-              <a:rPr lang="ja-JP" altLang="en-US" dirty="0"/>
-              <a:t>（</a:t>
-            </a:r>
-            <a:r>
-              <a:rPr lang="en-US" altLang="ja-JP" dirty="0"/>
-              <a:t>A</a:t>
-            </a:r>
-            <a:r>
-              <a:rPr lang="ja-JP" altLang="en-US" dirty="0"/>
-              <a:t>の</a:t>
-            </a:r>
-            <a:r>
-              <a:rPr lang="en-US" altLang="ja-JP" dirty="0"/>
-              <a:t>1</a:t>
-            </a:r>
-            <a:r>
-              <a:rPr lang="ja-JP" altLang="en-US" dirty="0"/>
-              <a:t>行*</a:t>
-            </a:r>
-            <a:r>
-              <a:rPr lang="en-US" altLang="ja-JP" dirty="0"/>
-              <a:t>B</a:t>
-            </a:r>
-            <a:r>
-              <a:rPr lang="ja-JP" altLang="en-US" dirty="0"/>
-              <a:t>の</a:t>
-            </a:r>
-            <a:r>
-              <a:rPr lang="en-US" altLang="ja-JP" dirty="0"/>
-              <a:t>1</a:t>
-            </a:r>
-            <a:r>
-              <a:rPr lang="ja-JP" altLang="en-US" dirty="0"/>
-              <a:t>列の総和）（</a:t>
-            </a:r>
-            <a:r>
-              <a:rPr lang="en-US" altLang="ja-JP" dirty="0"/>
-              <a:t>A</a:t>
-            </a:r>
-            <a:r>
-              <a:rPr lang="ja-JP" altLang="en-US" dirty="0"/>
-              <a:t>の</a:t>
-            </a:r>
-            <a:r>
-              <a:rPr lang="en-US" altLang="ja-JP" dirty="0"/>
-              <a:t>1</a:t>
-            </a:r>
-            <a:r>
-              <a:rPr lang="ja-JP" altLang="en-US" dirty="0"/>
-              <a:t>行*</a:t>
-            </a:r>
-            <a:r>
-              <a:rPr lang="en-US" altLang="ja-JP" dirty="0"/>
-              <a:t>B</a:t>
-            </a:r>
-            <a:r>
-              <a:rPr lang="ja-JP" altLang="en-US" dirty="0"/>
-              <a:t>の</a:t>
-            </a:r>
-            <a:r>
-              <a:rPr lang="en-US" altLang="ja-JP" dirty="0"/>
-              <a:t>2</a:t>
-            </a:r>
-            <a:r>
-              <a:rPr lang="ja-JP" altLang="en-US" dirty="0"/>
-              <a:t>列の総和）</a:t>
-            </a:r>
-            <a:endParaRPr lang="en-US" altLang="ja-JP" dirty="0"/>
-          </a:p>
-          <a:p>
-            <a:pPr marL="914400" lvl="2" indent="0">
-              <a:buNone/>
-            </a:pPr>
-            <a:r>
-              <a:rPr lang="ja-JP" altLang="en-US" dirty="0"/>
-              <a:t>（</a:t>
-            </a:r>
-            <a:r>
-              <a:rPr lang="en-US" altLang="ja-JP" dirty="0"/>
-              <a:t>A</a:t>
-            </a:r>
-            <a:r>
-              <a:rPr lang="ja-JP" altLang="en-US" dirty="0"/>
-              <a:t>の</a:t>
-            </a:r>
-            <a:r>
-              <a:rPr lang="en-US" altLang="ja-JP" dirty="0"/>
-              <a:t>2</a:t>
-            </a:r>
-            <a:r>
-              <a:rPr lang="ja-JP" altLang="en-US" dirty="0"/>
-              <a:t>行*</a:t>
-            </a:r>
-            <a:r>
-              <a:rPr lang="en-US" altLang="ja-JP" dirty="0"/>
-              <a:t>B</a:t>
-            </a:r>
-            <a:r>
-              <a:rPr lang="ja-JP" altLang="en-US" dirty="0"/>
-              <a:t>の</a:t>
-            </a:r>
-            <a:r>
-              <a:rPr lang="en-US" altLang="ja-JP" dirty="0"/>
-              <a:t>1</a:t>
-            </a:r>
-            <a:r>
-              <a:rPr lang="ja-JP" altLang="en-US" dirty="0"/>
-              <a:t>列の総和）（</a:t>
-            </a:r>
-            <a:r>
-              <a:rPr lang="en-US" altLang="ja-JP" dirty="0"/>
-              <a:t>A</a:t>
-            </a:r>
-            <a:r>
-              <a:rPr lang="ja-JP" altLang="en-US" dirty="0"/>
-              <a:t>の</a:t>
-            </a:r>
-            <a:r>
-              <a:rPr lang="en-US" altLang="ja-JP" dirty="0"/>
-              <a:t>2</a:t>
-            </a:r>
-            <a:r>
-              <a:rPr lang="ja-JP" altLang="en-US" dirty="0"/>
-              <a:t>行*</a:t>
-            </a:r>
-            <a:r>
-              <a:rPr lang="en-US" altLang="ja-JP" dirty="0"/>
-              <a:t>B</a:t>
-            </a:r>
-            <a:r>
-              <a:rPr lang="ja-JP" altLang="en-US" dirty="0"/>
-              <a:t>の</a:t>
-            </a:r>
-            <a:r>
-              <a:rPr lang="en-US" altLang="ja-JP" dirty="0"/>
-              <a:t>2</a:t>
-            </a:r>
-            <a:r>
-              <a:rPr lang="ja-JP" altLang="en-US" dirty="0"/>
-              <a:t>列の総和）</a:t>
-            </a:r>
-            <a:endParaRPr lang="en-US" altLang="ja-JP" dirty="0"/>
-          </a:p>
-          <a:p>
-            <a:pPr marL="914400" lvl="2" indent="0">
-              <a:buNone/>
-            </a:pPr>
-            <a:endParaRPr lang="en-US" altLang="ja-JP" dirty="0"/>
-          </a:p>
-          <a:p>
-            <a:pPr lvl="1"/>
-            <a:r>
-              <a:rPr lang="en-US" altLang="ja-JP" dirty="0"/>
-              <a:t>Python</a:t>
-            </a:r>
-            <a:r>
-              <a:rPr lang="ja-JP" altLang="en-US" dirty="0"/>
-              <a:t>では</a:t>
-            </a:r>
-            <a:r>
-              <a:rPr lang="en-US" altLang="ja-JP" dirty="0"/>
-              <a:t>numpy.dot(A,B)</a:t>
-            </a:r>
-            <a:r>
-              <a:rPr lang="ja-JP" altLang="en-US" dirty="0"/>
-              <a:t>と表現できる</a:t>
-            </a:r>
-            <a:endParaRPr lang="en-US" altLang="ja-JP" dirty="0"/>
-          </a:p>
-          <a:p>
-            <a:pPr lvl="1"/>
-            <a:r>
-              <a:rPr lang="ja-JP" altLang="en-US" dirty="0"/>
-              <a:t>演算の処理上、</a:t>
-            </a:r>
-            <a:r>
-              <a:rPr lang="en-US" altLang="ja-JP" dirty="0"/>
-              <a:t>A</a:t>
-            </a:r>
-            <a:r>
-              <a:rPr lang="ja-JP" altLang="en-US" dirty="0"/>
-              <a:t>の行数と</a:t>
-            </a:r>
-            <a:r>
-              <a:rPr lang="en-US" altLang="ja-JP" dirty="0"/>
-              <a:t>B</a:t>
-            </a:r>
-            <a:r>
-              <a:rPr lang="ja-JP" altLang="en-US" dirty="0"/>
-              <a:t>の列数が合わないといけない。</a:t>
-            </a:r>
-            <a:endParaRPr lang="en-US" altLang="ja-JP" dirty="0"/>
-          </a:p>
-          <a:p>
-            <a:pPr lvl="1"/>
-            <a:r>
-              <a:rPr lang="en-US" altLang="ja-JP" dirty="0"/>
-              <a:t>A</a:t>
-            </a:r>
-            <a:r>
-              <a:rPr lang="ja-JP" altLang="en-US" dirty="0"/>
-              <a:t>と</a:t>
-            </a:r>
-            <a:r>
-              <a:rPr lang="en-US" altLang="ja-JP" dirty="0"/>
-              <a:t>B</a:t>
-            </a:r>
-            <a:r>
-              <a:rPr lang="ja-JP" altLang="en-US" dirty="0"/>
-              <a:t>を入れ替えると答えが変わってしまう</a:t>
-            </a:r>
-            <a:endParaRPr lang="en-US" altLang="ja-JP" dirty="0"/>
-          </a:p>
-          <a:p>
-            <a:pPr lvl="1"/>
-            <a:r>
-              <a:rPr lang="ja-JP" altLang="en-US" dirty="0"/>
-              <a:t>理解しにくい部分なので別の表現を次のスライドで示す</a:t>
-            </a:r>
-            <a:endParaRPr lang="en-US" altLang="ja-JP" dirty="0"/>
-          </a:p>
-          <a:p>
-            <a:pPr lvl="1"/>
-            <a:endParaRPr lang="en-US" altLang="ja-JP" dirty="0"/>
-          </a:p>
-          <a:p>
-            <a:r>
-              <a:rPr lang="ja-JP" altLang="en-US" dirty="0"/>
-              <a:t>行列*ベクター</a:t>
-            </a:r>
-            <a:endParaRPr lang="en-US" altLang="ja-JP" dirty="0"/>
-          </a:p>
-          <a:p>
-            <a:pPr lvl="1"/>
-            <a:r>
-              <a:rPr lang="ja-JP" altLang="en-US" dirty="0"/>
-              <a:t>ベクター側を</a:t>
-            </a:r>
-            <a:r>
-              <a:rPr lang="en-US" altLang="ja-JP" dirty="0"/>
-              <a:t>1</a:t>
-            </a:r>
-            <a:r>
-              <a:rPr lang="ja-JP" altLang="en-US" dirty="0"/>
-              <a:t>行の行列と解釈して演算を行う。</a:t>
-            </a:r>
-            <a:endParaRPr lang="en-US" altLang="ja-JP" dirty="0"/>
-          </a:p>
-        </p:txBody>
-      </p:sp>
-    </p:spTree>
-    <p:extLst>
-      <p:ext uri="{BB962C8B-B14F-4D97-AF65-F5344CB8AC3E}">
-        <p14:creationId xmlns:p14="http://schemas.microsoft.com/office/powerpoint/2010/main" val="2970155548"/>
       </p:ext>
     </p:extLst>
   </p:cSld>
